--- a/English/3.Modeling/2.Create and handle Schema.pptx
+++ b/English/3.Modeling/2.Create and handle Schema.pptx
@@ -27,7 +27,7 @@
   <p:notesSz cx="6858000" cy="9144000"/>
   <p:defaultTextStyle>
     <a:defPPr>
-      <a:defRPr lang="en-US"/>
+      <a:defRPr lang="en"/>
     </a:defPPr>
     <a:lvl1pPr marL="0" algn="l" defTabSz="914400" rtl="0" eaLnBrk="1" latinLnBrk="0" hangingPunct="1">
       <a:defRPr sz="1800" kern="1200">
@@ -210,7 +210,7 @@
           <a:p>
             <a:fld id="{056BA3B8-9F76-4D81-B71D-76CB85363062}" type="datetimeFigureOut">
               <a:rPr lang="en-US" smtClean="0"/>
-              <a:t>1/7/2025</a:t>
+              <a:t>3/5/2025</a:t>
             </a:fld>
             <a:endParaRPr lang="en-US"/>
           </a:p>
@@ -609,7 +609,7 @@
           <a:p>
             <a:fld id="{6F01DA4D-20EA-48D2-973C-0311EC3005D6}" type="datetimeFigureOut">
               <a:rPr lang="en-US" smtClean="0"/>
-              <a:t>1/7/2025</a:t>
+              <a:t>3/5/2025</a:t>
             </a:fld>
             <a:endParaRPr lang="en-US"/>
           </a:p>
@@ -779,7 +779,7 @@
           <a:p>
             <a:fld id="{6F01DA4D-20EA-48D2-973C-0311EC3005D6}" type="datetimeFigureOut">
               <a:rPr lang="en-US" smtClean="0"/>
-              <a:t>1/7/2025</a:t>
+              <a:t>3/5/2025</a:t>
             </a:fld>
             <a:endParaRPr lang="en-US"/>
           </a:p>
@@ -959,7 +959,7 @@
           <a:p>
             <a:fld id="{6F01DA4D-20EA-48D2-973C-0311EC3005D6}" type="datetimeFigureOut">
               <a:rPr lang="en-US" smtClean="0"/>
-              <a:t>1/7/2025</a:t>
+              <a:t>3/5/2025</a:t>
             </a:fld>
             <a:endParaRPr lang="en-US"/>
           </a:p>
@@ -1129,7 +1129,7 @@
           <a:p>
             <a:fld id="{6F01DA4D-20EA-48D2-973C-0311EC3005D6}" type="datetimeFigureOut">
               <a:rPr lang="en-US" smtClean="0"/>
-              <a:t>1/7/2025</a:t>
+              <a:t>3/5/2025</a:t>
             </a:fld>
             <a:endParaRPr lang="en-US"/>
           </a:p>
@@ -1375,7 +1375,7 @@
           <a:p>
             <a:fld id="{6F01DA4D-20EA-48D2-973C-0311EC3005D6}" type="datetimeFigureOut">
               <a:rPr lang="en-US" smtClean="0"/>
-              <a:t>1/7/2025</a:t>
+              <a:t>3/5/2025</a:t>
             </a:fld>
             <a:endParaRPr lang="en-US"/>
           </a:p>
@@ -1607,7 +1607,7 @@
           <a:p>
             <a:fld id="{6F01DA4D-20EA-48D2-973C-0311EC3005D6}" type="datetimeFigureOut">
               <a:rPr lang="en-US" smtClean="0"/>
-              <a:t>1/7/2025</a:t>
+              <a:t>3/5/2025</a:t>
             </a:fld>
             <a:endParaRPr lang="en-US"/>
           </a:p>
@@ -1974,7 +1974,7 @@
           <a:p>
             <a:fld id="{6F01DA4D-20EA-48D2-973C-0311EC3005D6}" type="datetimeFigureOut">
               <a:rPr lang="en-US" smtClean="0"/>
-              <a:t>1/7/2025</a:t>
+              <a:t>3/5/2025</a:t>
             </a:fld>
             <a:endParaRPr lang="en-US"/>
           </a:p>
@@ -2092,7 +2092,7 @@
           <a:p>
             <a:fld id="{6F01DA4D-20EA-48D2-973C-0311EC3005D6}" type="datetimeFigureOut">
               <a:rPr lang="en-US" smtClean="0"/>
-              <a:t>1/7/2025</a:t>
+              <a:t>3/5/2025</a:t>
             </a:fld>
             <a:endParaRPr lang="en-US"/>
           </a:p>
@@ -2187,7 +2187,7 @@
           <a:p>
             <a:fld id="{6F01DA4D-20EA-48D2-973C-0311EC3005D6}" type="datetimeFigureOut">
               <a:rPr lang="en-US" smtClean="0"/>
-              <a:t>1/7/2025</a:t>
+              <a:t>3/5/2025</a:t>
             </a:fld>
             <a:endParaRPr lang="en-US"/>
           </a:p>
@@ -2464,7 +2464,7 @@
           <a:p>
             <a:fld id="{6F01DA4D-20EA-48D2-973C-0311EC3005D6}" type="datetimeFigureOut">
               <a:rPr lang="en-US" smtClean="0"/>
-              <a:t>1/7/2025</a:t>
+              <a:t>3/5/2025</a:t>
             </a:fld>
             <a:endParaRPr lang="en-US"/>
           </a:p>
@@ -2717,7 +2717,7 @@
           <a:p>
             <a:fld id="{6F01DA4D-20EA-48D2-973C-0311EC3005D6}" type="datetimeFigureOut">
               <a:rPr lang="en-US" smtClean="0"/>
-              <a:t>1/7/2025</a:t>
+              <a:t>3/5/2025</a:t>
             </a:fld>
             <a:endParaRPr lang="en-US"/>
           </a:p>
@@ -2930,7 +2930,7 @@
           <a:p>
             <a:fld id="{6F01DA4D-20EA-48D2-973C-0311EC3005D6}" type="datetimeFigureOut">
               <a:rPr lang="en-US" smtClean="0"/>
-              <a:t>1/7/2025</a:t>
+              <a:t>3/5/2025</a:t>
             </a:fld>
             <a:endParaRPr lang="en-US"/>
           </a:p>
@@ -3351,7 +3351,7 @@
         </p:nvSpPr>
         <p:spPr>
           <a:xfrm>
-            <a:off x="1191711" y="2009675"/>
+            <a:off x="1274214" y="2140303"/>
             <a:ext cx="9199606" cy="2308324"/>
           </a:xfrm>
           <a:prstGeom prst="rect">
@@ -3365,9 +3365,9 @@
           </a:bodyPr>
           <a:lstStyle/>
           <a:p>
-            <a:pPr algn="ctr"/>
-            <a:r>
-              <a:rPr lang="en-US" sz="7200" b="1" dirty="0" smtClean="0">
+            <a:pPr xmlns:a="http://schemas.openxmlformats.org/drawingml/2006/main" algn="ctr"/>
+            <a:r xmlns:a="http://schemas.openxmlformats.org/drawingml/2006/main">
+              <a:rPr lang="en" sz="7200" b="1" dirty="0" smtClean="0">
                 <a:solidFill>
                   <a:srgbClr val="7030A0"/>
                 </a:solidFill>
@@ -3375,23 +3375,9 @@
                 <a:ea typeface="Verdana" panose="020B0604030504040204" pitchFamily="34" charset="0"/>
                 <a:cs typeface="Segoe UI" panose="020B0502040204020203" pitchFamily="34" charset="0"/>
               </a:rPr>
-              <a:t>Create and handle</a:t>
-            </a:r>
-          </a:p>
-          <a:p>
-            <a:pPr algn="ctr"/>
-            <a:r>
-              <a:rPr lang="fr-FR" sz="7200" b="1" dirty="0" err="1" smtClean="0">
-                <a:solidFill>
-                  <a:srgbClr val="7030A0"/>
-                </a:solidFill>
-                <a:latin typeface="Segoe UI" panose="020B0502040204020203" pitchFamily="34" charset="0"/>
-                <a:ea typeface="Verdana" panose="020B0604030504040204" pitchFamily="34" charset="0"/>
-                <a:cs typeface="Segoe UI" panose="020B0502040204020203" pitchFamily="34" charset="0"/>
-              </a:rPr>
-              <a:t>schema</a:t>
-            </a:r>
-            <a:endParaRPr lang="en-US" sz="7200" b="1" dirty="0">
+              <a:t>Create and organize diagrams</a:t>
+            </a:r>
+            <a:endParaRPr xmlns:a="http://schemas.openxmlformats.org/drawingml/2006/main" lang="en-US" sz="7200" b="1" dirty="0">
               <a:solidFill>
                 <a:srgbClr val="7030A0"/>
               </a:solidFill>
@@ -3410,7 +3396,7 @@
         </p:nvSpPr>
         <p:spPr>
           <a:xfrm>
-            <a:off x="1191711" y="1948944"/>
+            <a:off x="1198587" y="2079572"/>
             <a:ext cx="9199606" cy="2308324"/>
           </a:xfrm>
           <a:prstGeom prst="rect">
@@ -3424,9 +3410,9 @@
           </a:bodyPr>
           <a:lstStyle/>
           <a:p>
-            <a:pPr algn="ctr"/>
-            <a:r>
-              <a:rPr lang="en-US" sz="7200" b="1" dirty="0" smtClean="0">
+            <a:pPr xmlns:a="http://schemas.openxmlformats.org/drawingml/2006/main" algn="ctr"/>
+            <a:r xmlns:a="http://schemas.openxmlformats.org/drawingml/2006/main">
+              <a:rPr lang="en" sz="7200" b="1" dirty="0" smtClean="0">
                 <a:solidFill>
                   <a:schemeClr val="bg1"/>
                 </a:solidFill>
@@ -3434,13 +3420,13 @@
                 <a:ea typeface="Verdana" panose="020B0604030504040204" pitchFamily="34" charset="0"/>
                 <a:cs typeface="Segoe UI" panose="020B0502040204020203" pitchFamily="34" charset="0"/>
               </a:rPr>
-              <a:t>Create and handle</a:t>
-            </a:r>
-          </a:p>
-          <a:p>
-            <a:pPr algn="ctr"/>
-            <a:r>
-              <a:rPr lang="fr-FR" sz="7200" b="1" dirty="0" err="1" smtClean="0">
+              <a:t>Create and organize</a:t>
+            </a:r>
+          </a:p>
+          <a:p>
+            <a:pPr xmlns:a="http://schemas.openxmlformats.org/drawingml/2006/main" algn="ctr"/>
+            <a:r xmlns:a="http://schemas.openxmlformats.org/drawingml/2006/main">
+              <a:rPr lang="en" sz="7200" b="1" dirty="0">
                 <a:solidFill>
                   <a:schemeClr val="bg1"/>
                 </a:solidFill>
@@ -3448,9 +3434,20 @@
                 <a:ea typeface="Verdana" panose="020B0604030504040204" pitchFamily="34" charset="0"/>
                 <a:cs typeface="Segoe UI" panose="020B0502040204020203" pitchFamily="34" charset="0"/>
               </a:rPr>
-              <a:t>schema</a:t>
-            </a:r>
-            <a:endParaRPr lang="en-US" sz="7200" b="1" dirty="0">
+              <a:t>the </a:t>
+            </a:r>
+            <a:r xmlns:a="http://schemas.openxmlformats.org/drawingml/2006/main">
+              <a:rPr lang="en" sz="7200" b="1" dirty="0" smtClean="0">
+                <a:solidFill>
+                  <a:schemeClr val="bg1"/>
+                </a:solidFill>
+                <a:latin typeface="Segoe UI" panose="020B0502040204020203" pitchFamily="34" charset="0"/>
+                <a:ea typeface="Verdana" panose="020B0604030504040204" pitchFamily="34" charset="0"/>
+                <a:cs typeface="Segoe UI" panose="020B0502040204020203" pitchFamily="34" charset="0"/>
+              </a:rPr>
+              <a:t>diagrams</a:t>
+            </a:r>
+            <a:endParaRPr xmlns:a="http://schemas.openxmlformats.org/drawingml/2006/main" lang="en-US" sz="7200" b="1" dirty="0">
               <a:solidFill>
                 <a:schemeClr val="bg1"/>
               </a:solidFill>
@@ -3491,16 +3488,98 @@
           <a:chExt cx="0" cy="0"/>
         </a:xfrm>
       </p:grpSpPr>
-      <p:sp>
-        <p:nvSpPr>
-          <p:cNvPr id="2" name="TextBox 1"/>
+      <p:pic>
+        <p:nvPicPr>
+          <p:cNvPr id="4" name="Picture 3"/>
+          <p:cNvPicPr>
+            <a:picLocks noChangeAspect="1"/>
+          </p:cNvPicPr>
+          <p:nvPr/>
+        </p:nvPicPr>
+        <p:blipFill>
+          <a:blip r:embed="rId2"/>
+          <a:stretch>
+            <a:fillRect/>
+          </a:stretch>
+        </p:blipFill>
+        <p:spPr>
+          <a:xfrm>
+            <a:off x="344949" y="1717439"/>
+            <a:ext cx="10462845" cy="4448883"/>
+          </a:xfrm>
+          <a:prstGeom prst="rect">
+            <a:avLst/>
+          </a:prstGeom>
+          <a:ln>
+            <a:noFill/>
+          </a:ln>
+          <a:effectLst>
+            <a:outerShdw blurRad="292100" dist="139700" dir="2700000" algn="tl" rotWithShape="0">
+              <a:srgbClr val="333333">
+                <a:alpha val="65000"/>
+              </a:srgbClr>
+            </a:outerShdw>
+          </a:effectLst>
+        </p:spPr>
+      </p:pic>
+      <p:sp>
+        <p:nvSpPr>
+          <p:cNvPr id="8" name="Rectangle 7"/>
+          <p:cNvSpPr/>
+          <p:nvPr/>
+        </p:nvSpPr>
+        <p:spPr>
+          <a:xfrm>
+            <a:off x="344949" y="1918177"/>
+            <a:ext cx="4784642" cy="1368163"/>
+          </a:xfrm>
+          <a:prstGeom prst="rect">
+            <a:avLst/>
+          </a:prstGeom>
+          <a:solidFill>
+            <a:srgbClr val="FF0000">
+              <a:alpha val="17000"/>
+            </a:srgbClr>
+          </a:solidFill>
+          <a:ln>
+            <a:noFill/>
+          </a:ln>
+        </p:spPr>
+        <p:style>
+          <a:lnRef idx="2">
+            <a:schemeClr val="accent1">
+              <a:shade val="50000"/>
+            </a:schemeClr>
+          </a:lnRef>
+          <a:fillRef idx="1">
+            <a:schemeClr val="accent1"/>
+          </a:fillRef>
+          <a:effectRef idx="0">
+            <a:schemeClr val="accent1"/>
+          </a:effectRef>
+          <a:fontRef idx="minor">
+            <a:schemeClr val="lt1"/>
+          </a:fontRef>
+        </p:style>
+        <p:txBody>
+          <a:bodyPr rtlCol="0" anchor="ctr"/>
+          <a:lstStyle/>
+          <a:p>
+            <a:pPr algn="ctr"/>
+            <a:endParaRPr lang="en-US"/>
+          </a:p>
+        </p:txBody>
+      </p:sp>
+      <p:sp>
+        <p:nvSpPr>
+          <p:cNvPr id="6" name="TextBox 5"/>
           <p:cNvSpPr txBox="1"/>
           <p:nvPr/>
         </p:nvSpPr>
         <p:spPr>
           <a:xfrm>
             <a:off x="288758" y="275007"/>
-            <a:ext cx="2613023" cy="400110"/>
+            <a:ext cx="3824637" cy="400110"/>
           </a:xfrm>
           <a:prstGeom prst="rect">
             <a:avLst/>
@@ -3513,20 +3592,224 @@
           </a:bodyPr>
           <a:lstStyle/>
           <a:p>
-            <a:r>
-              <a:rPr lang="fr-FR" sz="2000" dirty="0" smtClean="0">
+            <a:r xmlns:a="http://schemas.openxmlformats.org/drawingml/2006/main">
+              <a:rPr lang="en" sz="2000" b="1" dirty="0" smtClean="0">
                 <a:latin typeface="Segoe UI" panose="020B0502040204020203" pitchFamily="34" charset="0"/>
                 <a:cs typeface="Segoe UI" panose="020B0502040204020203" pitchFamily="34" charset="0"/>
               </a:rPr>
-              <a:t>Manage Relationship</a:t>
-            </a:r>
-            <a:endParaRPr lang="en-US" sz="2000" dirty="0">
+              <a:t>Create and organize diagrams</a:t>
+            </a:r>
+            <a:endParaRPr xmlns:a="http://schemas.openxmlformats.org/drawingml/2006/main" lang="en-US" sz="2000" b="1" dirty="0">
               <a:latin typeface="Segoe UI" panose="020B0502040204020203" pitchFamily="34" charset="0"/>
               <a:cs typeface="Segoe UI" panose="020B0502040204020203" pitchFamily="34" charset="0"/>
             </a:endParaRPr>
           </a:p>
         </p:txBody>
       </p:sp>
+      <p:sp>
+        <p:nvSpPr>
+          <p:cNvPr id="5" name="Rectangle 4"/>
+          <p:cNvSpPr/>
+          <p:nvPr/>
+        </p:nvSpPr>
+        <p:spPr>
+          <a:xfrm>
+            <a:off x="344949" y="826946"/>
+            <a:ext cx="10225259" cy="400110"/>
+          </a:xfrm>
+          <a:prstGeom prst="rect">
+            <a:avLst/>
+          </a:prstGeom>
+        </p:spPr>
+        <p:txBody>
+          <a:bodyPr wrap="square">
+            <a:spAutoFit/>
+          </a:bodyPr>
+          <a:lstStyle/>
+          <a:p>
+            <a:r xmlns:a="http://schemas.openxmlformats.org/drawingml/2006/main">
+              <a:rPr lang="en" sz="2000" dirty="0"/>
+              <a:t>Restructure </a:t>
+            </a:r>
+            <a:r xmlns:a="http://schemas.openxmlformats.org/drawingml/2006/main">
+              <a:rPr lang="en" sz="2000" b="1" dirty="0"/>
+              <a:t>DimCustomer2 </a:t>
+            </a:r>
+            <a:r xmlns:a="http://schemas.openxmlformats.org/drawingml/2006/main">
+              <a:rPr lang="en" sz="2000" dirty="0"/>
+              <a:t>in the same way as the other dimensions.</a:t>
+            </a:r>
+            <a:endParaRPr xmlns:a="http://schemas.openxmlformats.org/drawingml/2006/main" lang="en-US" sz="2000" dirty="0"/>
+          </a:p>
+        </p:txBody>
+      </p:sp>
+    </p:spTree>
+    <p:extLst>
+      <p:ext uri="{BB962C8B-B14F-4D97-AF65-F5344CB8AC3E}">
+        <p14:creationId xmlns:p14="http://schemas.microsoft.com/office/powerpoint/2010/main" val="3345871044"/>
+      </p:ext>
+    </p:extLst>
+  </p:cSld>
+  <p:clrMapOvr>
+    <a:masterClrMapping/>
+  </p:clrMapOvr>
+</p:sld>
+</file>
+
+<file path=ppt/slides/slide11.xml><?xml version="1.0" encoding="utf-8"?>
+<p:sld xmlns:a="http://schemas.openxmlformats.org/drawingml/2006/main" xmlns:r="http://schemas.openxmlformats.org/officeDocument/2006/relationships" xmlns:p="http://schemas.openxmlformats.org/presentationml/2006/main">
+  <p:cSld>
+    <p:spTree>
+      <p:nvGrpSpPr>
+        <p:cNvPr id="1" name=""/>
+        <p:cNvGrpSpPr/>
+        <p:nvPr/>
+      </p:nvGrpSpPr>
+      <p:grpSpPr>
+        <a:xfrm>
+          <a:off x="0" y="0"/>
+          <a:ext cx="0" cy="0"/>
+          <a:chOff x="0" y="0"/>
+          <a:chExt cx="0" cy="0"/>
+        </a:xfrm>
+      </p:grpSpPr>
+      <p:pic>
+        <p:nvPicPr>
+          <p:cNvPr id="5" name="Picture 4"/>
+          <p:cNvPicPr>
+            <a:picLocks noChangeAspect="1"/>
+          </p:cNvPicPr>
+          <p:nvPr/>
+        </p:nvPicPr>
+        <p:blipFill>
+          <a:blip r:embed="rId2"/>
+          <a:stretch>
+            <a:fillRect/>
+          </a:stretch>
+        </p:blipFill>
+        <p:spPr>
+          <a:xfrm>
+            <a:off x="410520" y="1506421"/>
+            <a:ext cx="8002117" cy="3238952"/>
+          </a:xfrm>
+          <a:prstGeom prst="rect">
+            <a:avLst/>
+          </a:prstGeom>
+          <a:ln>
+            <a:noFill/>
+          </a:ln>
+          <a:effectLst>
+            <a:outerShdw blurRad="292100" dist="139700" dir="2700000" algn="tl" rotWithShape="0">
+              <a:srgbClr val="333333">
+                <a:alpha val="65000"/>
+              </a:srgbClr>
+            </a:outerShdw>
+          </a:effectLst>
+        </p:spPr>
+      </p:pic>
+      <p:sp>
+        <p:nvSpPr>
+          <p:cNvPr id="6" name="TextBox 5"/>
+          <p:cNvSpPr txBox="1"/>
+          <p:nvPr/>
+        </p:nvSpPr>
+        <p:spPr>
+          <a:xfrm>
+            <a:off x="288758" y="275007"/>
+            <a:ext cx="3824637" cy="400110"/>
+          </a:xfrm>
+          <a:prstGeom prst="rect">
+            <a:avLst/>
+          </a:prstGeom>
+          <a:noFill/>
+        </p:spPr>
+        <p:txBody>
+          <a:bodyPr wrap="none" rtlCol="0">
+            <a:spAutoFit/>
+          </a:bodyPr>
+          <a:lstStyle/>
+          <a:p>
+            <a:r xmlns:a="http://schemas.openxmlformats.org/drawingml/2006/main">
+              <a:rPr lang="en" sz="2000" b="1" dirty="0" smtClean="0">
+                <a:latin typeface="Segoe UI" panose="020B0502040204020203" pitchFamily="34" charset="0"/>
+                <a:cs typeface="Segoe UI" panose="020B0502040204020203" pitchFamily="34" charset="0"/>
+              </a:rPr>
+              <a:t>Create and organize diagrams</a:t>
+            </a:r>
+            <a:endParaRPr xmlns:a="http://schemas.openxmlformats.org/drawingml/2006/main" lang="en-US" sz="2000" b="1" dirty="0">
+              <a:latin typeface="Segoe UI" panose="020B0502040204020203" pitchFamily="34" charset="0"/>
+              <a:cs typeface="Segoe UI" panose="020B0502040204020203" pitchFamily="34" charset="0"/>
+            </a:endParaRPr>
+          </a:p>
+        </p:txBody>
+      </p:sp>
+      <p:sp>
+        <p:nvSpPr>
+          <p:cNvPr id="4" name="Rectangle 3"/>
+          <p:cNvSpPr/>
+          <p:nvPr/>
+        </p:nvSpPr>
+        <p:spPr>
+          <a:xfrm>
+            <a:off x="362394" y="798871"/>
+            <a:ext cx="10108518" cy="400110"/>
+          </a:xfrm>
+          <a:prstGeom prst="rect">
+            <a:avLst/>
+          </a:prstGeom>
+        </p:spPr>
+        <p:txBody>
+          <a:bodyPr wrap="square">
+            <a:spAutoFit/>
+          </a:bodyPr>
+          <a:lstStyle/>
+          <a:p>
+            <a:r xmlns:a="http://schemas.openxmlformats.org/drawingml/2006/main">
+              <a:rPr lang="en" sz="2000" dirty="0"/>
+              <a:t>Restructure </a:t>
+            </a:r>
+            <a:r xmlns:a="http://schemas.openxmlformats.org/drawingml/2006/main">
+              <a:rPr lang="en" sz="2000" b="1" dirty="0"/>
+              <a:t>DimCustomer2 </a:t>
+            </a:r>
+            <a:r xmlns:a="http://schemas.openxmlformats.org/drawingml/2006/main">
+              <a:rPr lang="en" sz="2000" dirty="0"/>
+              <a:t>in the same way as the previous dimensions</a:t>
+            </a:r>
+            <a:endParaRPr xmlns:a="http://schemas.openxmlformats.org/drawingml/2006/main" lang="en-US" sz="2000" dirty="0"/>
+          </a:p>
+        </p:txBody>
+      </p:sp>
+    </p:spTree>
+    <p:extLst>
+      <p:ext uri="{BB962C8B-B14F-4D97-AF65-F5344CB8AC3E}">
+        <p14:creationId xmlns:p14="http://schemas.microsoft.com/office/powerpoint/2010/main" val="606034310"/>
+      </p:ext>
+    </p:extLst>
+  </p:cSld>
+  <p:clrMapOvr>
+    <a:masterClrMapping/>
+  </p:clrMapOvr>
+</p:sld>
+</file>
+
+<file path=ppt/slides/slide12.xml><?xml version="1.0" encoding="utf-8"?>
+<p:sld xmlns:a="http://schemas.openxmlformats.org/drawingml/2006/main" xmlns:r="http://schemas.openxmlformats.org/officeDocument/2006/relationships" xmlns:p="http://schemas.openxmlformats.org/presentationml/2006/main">
+  <p:cSld>
+    <p:spTree>
+      <p:nvGrpSpPr>
+        <p:cNvPr id="1" name=""/>
+        <p:cNvGrpSpPr/>
+        <p:nvPr/>
+      </p:nvGrpSpPr>
+      <p:grpSpPr>
+        <a:xfrm>
+          <a:off x="0" y="0"/>
+          <a:ext cx="0" cy="0"/>
+          <a:chOff x="0" y="0"/>
+          <a:chExt cx="0" cy="0"/>
+        </a:xfrm>
+      </p:grpSpPr>
       <p:sp>
         <p:nvSpPr>
           <p:cNvPr id="3" name="Rectangle 1"/>
@@ -3586,7 +3869,7 @@
           </a:bodyPr>
           <a:lstStyle/>
           <a:p>
-            <a:pPr marL="0" marR="0" lvl="0" indent="0" algn="l" defTabSz="914400" rtl="0" eaLnBrk="0" fontAlgn="base" latinLnBrk="0" hangingPunct="0">
+            <a:pPr xmlns:a="http://schemas.openxmlformats.org/drawingml/2006/main" marL="0" marR="0" lvl="0" indent="0" algn="l" defTabSz="914400" rtl="0" eaLnBrk="0" fontAlgn="base" latinLnBrk="0" hangingPunct="0">
               <a:lnSpc>
                 <a:spcPct val="100000"/>
               </a:lnSpc>
@@ -3600,28 +3883,14 @@
               <a:buSzTx/>
               <a:tabLst/>
             </a:pPr>
-            <a:r>
-              <a:rPr lang="en-US" altLang="en-US" dirty="0" smtClean="0">
+            <a:r xmlns:a="http://schemas.openxmlformats.org/drawingml/2006/main">
+              <a:rPr lang="en" altLang="en-US" dirty="0" smtClean="0">
                 <a:latin typeface="Segoe UI" panose="020B0502040204020203" pitchFamily="34" charset="0"/>
                 <a:cs typeface="Segoe UI" panose="020B0502040204020203" pitchFamily="34" charset="0"/>
               </a:rPr>
-              <a:t>Reshape </a:t>
-            </a:r>
-            <a:r>
-              <a:rPr lang="en-US" altLang="en-US" b="1" dirty="0" smtClean="0">
-                <a:latin typeface="Segoe UI" panose="020B0502040204020203" pitchFamily="34" charset="0"/>
-                <a:cs typeface="Segoe UI" panose="020B0502040204020203" pitchFamily="34" charset="0"/>
-              </a:rPr>
-              <a:t>DimCustomer2</a:t>
-            </a:r>
-            <a:r>
-              <a:rPr lang="en-US" altLang="en-US" dirty="0" smtClean="0">
-                <a:latin typeface="Segoe UI" panose="020B0502040204020203" pitchFamily="34" charset="0"/>
-                <a:cs typeface="Segoe UI" panose="020B0502040204020203" pitchFamily="34" charset="0"/>
-              </a:rPr>
-              <a:t> the same way as we did with the previous dimensions</a:t>
-            </a:r>
-            <a:endParaRPr kumimoji="0" lang="en-US" altLang="en-US" b="1" i="0" u="none" strike="noStrike" cap="none" normalizeH="0" baseline="0" dirty="0" smtClean="0">
+              <a:t>Delete relationships if they exist</a:t>
+            </a:r>
+            <a:endParaRPr xmlns:a="http://schemas.openxmlformats.org/drawingml/2006/main" kumimoji="0" lang="fr-FR" altLang="en-US" b="1" i="0" u="none" strike="noStrike" cap="none" normalizeH="0" baseline="0" dirty="0" smtClean="0">
               <a:ln>
                 <a:noFill/>
               </a:ln>
@@ -3651,42 +3920,30 @@
         </p:blipFill>
         <p:spPr>
           <a:xfrm>
-            <a:off x="344949" y="1717439"/>
-            <a:ext cx="10462845" cy="4448883"/>
+            <a:off x="2421211" y="1629419"/>
+            <a:ext cx="5405423" cy="4504519"/>
           </a:xfrm>
           <a:prstGeom prst="rect">
             <a:avLst/>
           </a:prstGeom>
-          <a:ln>
-            <a:noFill/>
-          </a:ln>
-          <a:effectLst>
-            <a:outerShdw blurRad="292100" dist="139700" dir="2700000" algn="tl" rotWithShape="0">
-              <a:srgbClr val="333333">
-                <a:alpha val="65000"/>
-              </a:srgbClr>
-            </a:outerShdw>
-          </a:effectLst>
         </p:spPr>
       </p:pic>
       <p:sp>
         <p:nvSpPr>
-          <p:cNvPr id="8" name="Rectangle 7"/>
+          <p:cNvPr id="6" name="Plus 5"/>
           <p:cNvSpPr/>
           <p:nvPr/>
         </p:nvSpPr>
         <p:spPr>
-          <a:xfrm>
-            <a:off x="344949" y="1918177"/>
-            <a:ext cx="4784642" cy="1368163"/>
-          </a:xfrm>
-          <a:prstGeom prst="rect">
+          <a:xfrm rot="18911404">
+            <a:off x="4935177" y="3120365"/>
+            <a:ext cx="501888" cy="522515"/>
+          </a:xfrm>
+          <a:prstGeom prst="mathPlus">
             <a:avLst/>
           </a:prstGeom>
           <a:solidFill>
-            <a:srgbClr val="FF0000">
-              <a:alpha val="17000"/>
-            </a:srgbClr>
+            <a:srgbClr val="FF0000"/>
           </a:solidFill>
           <a:ln>
             <a:noFill/>
@@ -3717,10 +3974,138 @@
           </a:p>
         </p:txBody>
       </p:sp>
+      <p:sp>
+        <p:nvSpPr>
+          <p:cNvPr id="7" name="Plus 6"/>
+          <p:cNvSpPr/>
+          <p:nvPr/>
+        </p:nvSpPr>
+        <p:spPr>
+          <a:xfrm rot="18911404">
+            <a:off x="6628828" y="3752882"/>
+            <a:ext cx="501888" cy="522515"/>
+          </a:xfrm>
+          <a:prstGeom prst="mathPlus">
+            <a:avLst/>
+          </a:prstGeom>
+          <a:solidFill>
+            <a:srgbClr val="FF0000"/>
+          </a:solidFill>
+          <a:ln>
+            <a:noFill/>
+          </a:ln>
+        </p:spPr>
+        <p:style>
+          <a:lnRef idx="2">
+            <a:schemeClr val="accent1">
+              <a:shade val="50000"/>
+            </a:schemeClr>
+          </a:lnRef>
+          <a:fillRef idx="1">
+            <a:schemeClr val="accent1"/>
+          </a:fillRef>
+          <a:effectRef idx="0">
+            <a:schemeClr val="accent1"/>
+          </a:effectRef>
+          <a:fontRef idx="minor">
+            <a:schemeClr val="lt1"/>
+          </a:fontRef>
+        </p:style>
+        <p:txBody>
+          <a:bodyPr rtlCol="0" anchor="ctr"/>
+          <a:lstStyle/>
+          <a:p>
+            <a:pPr algn="ctr"/>
+            <a:endParaRPr lang="en-US"/>
+          </a:p>
+        </p:txBody>
+      </p:sp>
+      <p:sp>
+        <p:nvSpPr>
+          <p:cNvPr id="9" name="Plus 8"/>
+          <p:cNvSpPr/>
+          <p:nvPr/>
+        </p:nvSpPr>
+        <p:spPr>
+          <a:xfrm rot="18911404">
+            <a:off x="3364042" y="3258216"/>
+            <a:ext cx="501888" cy="522515"/>
+          </a:xfrm>
+          <a:prstGeom prst="mathPlus">
+            <a:avLst/>
+          </a:prstGeom>
+          <a:solidFill>
+            <a:srgbClr val="FF0000"/>
+          </a:solidFill>
+          <a:ln>
+            <a:noFill/>
+          </a:ln>
+        </p:spPr>
+        <p:style>
+          <a:lnRef idx="2">
+            <a:schemeClr val="accent1">
+              <a:shade val="50000"/>
+            </a:schemeClr>
+          </a:lnRef>
+          <a:fillRef idx="1">
+            <a:schemeClr val="accent1"/>
+          </a:fillRef>
+          <a:effectRef idx="0">
+            <a:schemeClr val="accent1"/>
+          </a:effectRef>
+          <a:fontRef idx="minor">
+            <a:schemeClr val="lt1"/>
+          </a:fontRef>
+        </p:style>
+        <p:txBody>
+          <a:bodyPr rtlCol="0" anchor="ctr"/>
+          <a:lstStyle/>
+          <a:p>
+            <a:pPr algn="ctr"/>
+            <a:endParaRPr lang="en-US"/>
+          </a:p>
+        </p:txBody>
+      </p:sp>
+      <p:sp>
+        <p:nvSpPr>
+          <p:cNvPr id="8" name="TextBox 7"/>
+          <p:cNvSpPr txBox="1"/>
+          <p:nvPr/>
+        </p:nvSpPr>
+        <p:spPr>
+          <a:xfrm>
+            <a:off x="288758" y="275007"/>
+            <a:ext cx="3824637" cy="400110"/>
+          </a:xfrm>
+          <a:prstGeom prst="rect">
+            <a:avLst/>
+          </a:prstGeom>
+          <a:noFill/>
+        </p:spPr>
+        <p:txBody>
+          <a:bodyPr wrap="none" rtlCol="0">
+            <a:spAutoFit/>
+          </a:bodyPr>
+          <a:lstStyle/>
+          <a:p>
+            <a:r xmlns:a="http://schemas.openxmlformats.org/drawingml/2006/main">
+              <a:rPr lang="en" sz="2000" b="1" dirty="0" smtClean="0">
+                <a:latin typeface="Segoe UI" panose="020B0502040204020203" pitchFamily="34" charset="0"/>
+                <a:cs typeface="Segoe UI" panose="020B0502040204020203" pitchFamily="34" charset="0"/>
+              </a:rPr>
+              <a:t>Create and organize diagrams</a:t>
+            </a:r>
+            <a:endParaRPr xmlns:a="http://schemas.openxmlformats.org/drawingml/2006/main" lang="en-US" sz="2000" b="1" dirty="0">
+              <a:latin typeface="Segoe UI" panose="020B0502040204020203" pitchFamily="34" charset="0"/>
+              <a:cs typeface="Segoe UI" panose="020B0502040204020203" pitchFamily="34" charset="0"/>
+            </a:endParaRPr>
+          </a:p>
+        </p:txBody>
+      </p:sp>
     </p:spTree>
     <p:extLst>
       <p:ext uri="{BB962C8B-B14F-4D97-AF65-F5344CB8AC3E}">
-        <p14:creationId xmlns:p14="http://schemas.microsoft.com/office/powerpoint/2010/main" val="3345871044"/>
+        <p14:creationId xmlns:p14="http://schemas.microsoft.com/office/powerpoint/2010/main" val="2610458185"/>
       </p:ext>
     </p:extLst>
   </p:cSld>
@@ -3730,7 +4115,7 @@
 </p:sld>
 </file>
 
-<file path=ppt/slides/slide11.xml><?xml version="1.0" encoding="utf-8"?>
+<file path=ppt/slides/slide13.xml><?xml version="1.0" encoding="utf-8"?>
 <p:sld xmlns:a="http://schemas.openxmlformats.org/drawingml/2006/main" xmlns:r="http://schemas.openxmlformats.org/officeDocument/2006/relationships" xmlns:p="http://schemas.openxmlformats.org/presentationml/2006/main">
   <p:cSld>
     <p:spTree>
@@ -3747,16 +4132,40 @@
           <a:chExt cx="0" cy="0"/>
         </a:xfrm>
       </p:grpSpPr>
-      <p:sp>
-        <p:nvSpPr>
-          <p:cNvPr id="2" name="TextBox 1"/>
+      <p:pic>
+        <p:nvPicPr>
+          <p:cNvPr id="5" name="Picture 4"/>
+          <p:cNvPicPr>
+            <a:picLocks noChangeAspect="1"/>
+          </p:cNvPicPr>
+          <p:nvPr/>
+        </p:nvPicPr>
+        <p:blipFill>
+          <a:blip r:embed="rId2"/>
+          <a:stretch>
+            <a:fillRect/>
+          </a:stretch>
+        </p:blipFill>
+        <p:spPr>
+          <a:xfrm>
+            <a:off x="852472" y="1830733"/>
+            <a:ext cx="9964541" cy="3086531"/>
+          </a:xfrm>
+          <a:prstGeom prst="rect">
+            <a:avLst/>
+          </a:prstGeom>
+        </p:spPr>
+      </p:pic>
+      <p:sp>
+        <p:nvSpPr>
+          <p:cNvPr id="6" name="TextBox 5"/>
           <p:cNvSpPr txBox="1"/>
           <p:nvPr/>
         </p:nvSpPr>
         <p:spPr>
           <a:xfrm>
             <a:off x="288758" y="275007"/>
-            <a:ext cx="2613023" cy="400110"/>
+            <a:ext cx="3824637" cy="400110"/>
           </a:xfrm>
           <a:prstGeom prst="rect">
             <a:avLst/>
@@ -3769,14 +4178,14 @@
           </a:bodyPr>
           <a:lstStyle/>
           <a:p>
-            <a:r>
-              <a:rPr lang="fr-FR" sz="2000" dirty="0" smtClean="0">
+            <a:r xmlns:a="http://schemas.openxmlformats.org/drawingml/2006/main">
+              <a:rPr lang="en" sz="2000" b="1" dirty="0" smtClean="0">
                 <a:latin typeface="Segoe UI" panose="020B0502040204020203" pitchFamily="34" charset="0"/>
                 <a:cs typeface="Segoe UI" panose="020B0502040204020203" pitchFamily="34" charset="0"/>
               </a:rPr>
-              <a:t>Manage Relationship</a:t>
-            </a:r>
-            <a:endParaRPr lang="en-US" sz="2000" dirty="0">
+              <a:t>Create and organize diagrams</a:t>
+            </a:r>
+            <a:endParaRPr xmlns:a="http://schemas.openxmlformats.org/drawingml/2006/main" lang="en-US" sz="2000" b="1" dirty="0">
               <a:latin typeface="Segoe UI" panose="020B0502040204020203" pitchFamily="34" charset="0"/>
               <a:cs typeface="Segoe UI" panose="020B0502040204020203" pitchFamily="34" charset="0"/>
             </a:endParaRPr>
@@ -3785,7 +4194,7 @@
       </p:sp>
       <p:sp>
         <p:nvSpPr>
-          <p:cNvPr id="3" name="Rectangle 1"/>
+          <p:cNvPr id="4" name="Rectangle 1"/>
           <p:cNvSpPr>
             <a:spLocks noChangeArrowheads="1"/>
           </p:cNvSpPr>
@@ -3793,8 +4202,8 @@
         </p:nvSpPr>
         <p:spPr bwMode="auto">
           <a:xfrm>
-            <a:off x="288757" y="906103"/>
-            <a:ext cx="10519037" cy="369332"/>
+            <a:off x="364603" y="811163"/>
+            <a:ext cx="10705175" cy="646331"/>
           </a:xfrm>
           <a:prstGeom prst="rect">
             <a:avLst/>
@@ -3834,7 +4243,7 @@
           </a:extLst>
         </p:spPr>
         <p:txBody>
-          <a:bodyPr vert="horz" wrap="square" lIns="91440" tIns="45720" rIns="91440" bIns="45720" numCol="1" anchor="ctr" anchorCtr="0" compatLnSpc="1">
+          <a:bodyPr vert="horz" wrap="none" lIns="91440" tIns="45720" rIns="91440" bIns="45720" numCol="1" anchor="ctr" anchorCtr="0" compatLnSpc="1">
             <a:prstTxWarp prst="textNoShape">
               <a:avLst/>
             </a:prstTxWarp>
@@ -3842,7 +4251,7 @@
           </a:bodyPr>
           <a:lstStyle/>
           <a:p>
-            <a:pPr marL="0" marR="0" lvl="0" indent="0" algn="l" defTabSz="914400" rtl="0" eaLnBrk="0" fontAlgn="base" latinLnBrk="0" hangingPunct="0">
+            <a:pPr xmlns:a="http://schemas.openxmlformats.org/drawingml/2006/main" marL="0" marR="0" lvl="0" indent="0" algn="l" defTabSz="914400" rtl="0" eaLnBrk="0" fontAlgn="base" latinLnBrk="0" hangingPunct="0">
               <a:lnSpc>
                 <a:spcPct val="100000"/>
               </a:lnSpc>
@@ -3854,203 +4263,78 @@
               </a:spcAft>
               <a:buClrTx/>
               <a:buSzTx/>
+              <a:buFontTx/>
+              <a:buNone/>
               <a:tabLst/>
             </a:pPr>
-            <a:r>
-              <a:rPr lang="en-US" altLang="en-US" dirty="0" smtClean="0">
-                <a:latin typeface="Segoe UI" panose="020B0502040204020203" pitchFamily="34" charset="0"/>
-                <a:cs typeface="Segoe UI" panose="020B0502040204020203" pitchFamily="34" charset="0"/>
-              </a:rPr>
-              <a:t>Reshape </a:t>
-            </a:r>
-            <a:r>
-              <a:rPr lang="en-US" altLang="en-US" b="1" dirty="0" smtClean="0">
-                <a:latin typeface="Segoe UI" panose="020B0502040204020203" pitchFamily="34" charset="0"/>
-                <a:cs typeface="Segoe UI" panose="020B0502040204020203" pitchFamily="34" charset="0"/>
-              </a:rPr>
-              <a:t>DimCustomer2</a:t>
-            </a:r>
-            <a:r>
-              <a:rPr lang="en-US" altLang="en-US" dirty="0" smtClean="0">
-                <a:latin typeface="Segoe UI" panose="020B0502040204020203" pitchFamily="34" charset="0"/>
-                <a:cs typeface="Segoe UI" panose="020B0502040204020203" pitchFamily="34" charset="0"/>
-              </a:rPr>
-              <a:t> the same way as we did with the previous dimensions</a:t>
-            </a:r>
-            <a:endParaRPr kumimoji="0" lang="en-US" altLang="en-US" b="1" i="0" u="none" strike="noStrike" cap="none" normalizeH="0" baseline="0" dirty="0" smtClean="0">
-              <a:ln>
-                <a:noFill/>
-              </a:ln>
-              <a:solidFill>
-                <a:schemeClr val="tx1"/>
-              </a:solidFill>
-              <a:effectLst/>
-              <a:latin typeface="Segoe UI" panose="020B0502040204020203" pitchFamily="34" charset="0"/>
-              <a:cs typeface="Segoe UI" panose="020B0502040204020203" pitchFamily="34" charset="0"/>
-            </a:endParaRPr>
-          </a:p>
-        </p:txBody>
-      </p:sp>
-      <p:pic>
-        <p:nvPicPr>
-          <p:cNvPr id="5" name="Picture 4"/>
-          <p:cNvPicPr>
-            <a:picLocks noChangeAspect="1"/>
-          </p:cNvPicPr>
-          <p:nvPr/>
-        </p:nvPicPr>
-        <p:blipFill>
-          <a:blip r:embed="rId2"/>
-          <a:stretch>
-            <a:fillRect/>
-          </a:stretch>
-        </p:blipFill>
-        <p:spPr>
-          <a:xfrm>
-            <a:off x="410520" y="1506421"/>
-            <a:ext cx="8002117" cy="3238952"/>
-          </a:xfrm>
-          <a:prstGeom prst="rect">
-            <a:avLst/>
-          </a:prstGeom>
-          <a:ln>
-            <a:noFill/>
-          </a:ln>
-          <a:effectLst>
-            <a:outerShdw blurRad="292100" dist="139700" dir="2700000" algn="tl" rotWithShape="0">
-              <a:srgbClr val="333333">
-                <a:alpha val="65000"/>
-              </a:srgbClr>
-            </a:outerShdw>
-          </a:effectLst>
-        </p:spPr>
-      </p:pic>
-    </p:spTree>
-    <p:extLst>
-      <p:ext uri="{BB962C8B-B14F-4D97-AF65-F5344CB8AC3E}">
-        <p14:creationId xmlns:p14="http://schemas.microsoft.com/office/powerpoint/2010/main" val="606034310"/>
-      </p:ext>
-    </p:extLst>
-  </p:cSld>
-  <p:clrMapOvr>
-    <a:masterClrMapping/>
-  </p:clrMapOvr>
-</p:sld>
-</file>
-
-<file path=ppt/slides/slide12.xml><?xml version="1.0" encoding="utf-8"?>
-<p:sld xmlns:a="http://schemas.openxmlformats.org/drawingml/2006/main" xmlns:r="http://schemas.openxmlformats.org/officeDocument/2006/relationships" xmlns:p="http://schemas.openxmlformats.org/presentationml/2006/main">
-  <p:cSld>
-    <p:spTree>
-      <p:nvGrpSpPr>
-        <p:cNvPr id="1" name=""/>
-        <p:cNvGrpSpPr/>
-        <p:nvPr/>
-      </p:nvGrpSpPr>
-      <p:grpSpPr>
-        <a:xfrm>
-          <a:off x="0" y="0"/>
-          <a:ext cx="0" cy="0"/>
-          <a:chOff x="0" y="0"/>
-          <a:chExt cx="0" cy="0"/>
-        </a:xfrm>
-      </p:grpSpPr>
-      <p:sp>
-        <p:nvSpPr>
-          <p:cNvPr id="2" name="TextBox 1"/>
-          <p:cNvSpPr txBox="1"/>
-          <p:nvPr/>
-        </p:nvSpPr>
-        <p:spPr>
-          <a:xfrm>
-            <a:off x="288758" y="275007"/>
-            <a:ext cx="2613023" cy="400110"/>
-          </a:xfrm>
-          <a:prstGeom prst="rect">
-            <a:avLst/>
-          </a:prstGeom>
-          <a:noFill/>
-        </p:spPr>
-        <p:txBody>
-          <a:bodyPr wrap="none" rtlCol="0">
-            <a:spAutoFit/>
-          </a:bodyPr>
-          <a:lstStyle/>
-          <a:p>
-            <a:r>
-              <a:rPr lang="fr-FR" sz="2000" dirty="0" smtClean="0">
-                <a:latin typeface="Segoe UI" panose="020B0502040204020203" pitchFamily="34" charset="0"/>
-                <a:cs typeface="Segoe UI" panose="020B0502040204020203" pitchFamily="34" charset="0"/>
-              </a:rPr>
-              <a:t>Manage Relationship</a:t>
-            </a:r>
-            <a:endParaRPr lang="en-US" sz="2000" dirty="0">
-              <a:latin typeface="Segoe UI" panose="020B0502040204020203" pitchFamily="34" charset="0"/>
-              <a:cs typeface="Segoe UI" panose="020B0502040204020203" pitchFamily="34" charset="0"/>
-            </a:endParaRPr>
-          </a:p>
-        </p:txBody>
-      </p:sp>
-      <p:sp>
-        <p:nvSpPr>
-          <p:cNvPr id="3" name="Rectangle 1"/>
-          <p:cNvSpPr>
-            <a:spLocks noChangeArrowheads="1"/>
-          </p:cNvSpPr>
-          <p:nvPr/>
-        </p:nvSpPr>
-        <p:spPr bwMode="auto">
-          <a:xfrm>
-            <a:off x="288757" y="906103"/>
-            <a:ext cx="10519037" cy="369332"/>
-          </a:xfrm>
-          <a:prstGeom prst="rect">
-            <a:avLst/>
-          </a:prstGeom>
-          <a:noFill/>
-          <a:ln>
-            <a:noFill/>
-          </a:ln>
-          <a:effectLst/>
-          <a:extLst>
-            <a:ext uri="{909E8E84-426E-40DD-AFC4-6F175D3DCCD1}">
-              <a14:hiddenFill xmlns:a14="http://schemas.microsoft.com/office/drawing/2010/main">
-                <a:solidFill>
-                  <a:schemeClr val="accent1"/>
-                </a:solidFill>
-              </a14:hiddenFill>
-            </a:ext>
-            <a:ext uri="{91240B29-F687-4F45-9708-019B960494DF}">
-              <a14:hiddenLine xmlns:a14="http://schemas.microsoft.com/office/drawing/2010/main" w="9525">
+            <a:r xmlns:a="http://schemas.openxmlformats.org/drawingml/2006/main">
+              <a:rPr kumimoji="0" lang="en" altLang="en-US" sz="1800" i="0" u="none" strike="noStrike" cap="none" normalizeH="0" baseline="0" dirty="0" smtClean="0">
+                <a:ln>
+                  <a:noFill/>
+                </a:ln>
                 <a:solidFill>
                   <a:schemeClr val="tx1"/>
                 </a:solidFill>
-                <a:miter lim="800000"/>
-                <a:headEnd/>
-                <a:tailEnd/>
-              </a14:hiddenLine>
-            </a:ext>
-            <a:ext uri="{AF507438-7753-43E0-B8FC-AC1667EBCBE1}">
-              <a14:hiddenEffects xmlns:a14="http://schemas.microsoft.com/office/drawing/2010/main">
-                <a:effectLst>
-                  <a:outerShdw dist="35921" dir="2700000" algn="ctr" rotWithShape="0">
-                    <a:schemeClr val="bg2"/>
-                  </a:outerShdw>
-                </a:effectLst>
-              </a14:hiddenEffects>
-            </a:ext>
-          </a:extLst>
-        </p:spPr>
-        <p:txBody>
-          <a:bodyPr vert="horz" wrap="square" lIns="91440" tIns="45720" rIns="91440" bIns="45720" numCol="1" anchor="ctr" anchorCtr="0" compatLnSpc="1">
-            <a:prstTxWarp prst="textNoShape">
-              <a:avLst/>
-            </a:prstTxWarp>
-            <a:spAutoFit/>
-          </a:bodyPr>
-          <a:lstStyle/>
-          <a:p>
-            <a:pPr marL="0" marR="0" lvl="0" indent="0" algn="l" defTabSz="914400" rtl="0" eaLnBrk="0" fontAlgn="base" latinLnBrk="0" hangingPunct="0">
+                <a:effectLst/>
+                <a:latin typeface="Arial" panose="020B0604020202020204" pitchFamily="34" charset="0"/>
+              </a:rPr>
+              <a:t>Now let's establish a new connection between </a:t>
+            </a:r>
+            <a:r xmlns:a="http://schemas.openxmlformats.org/drawingml/2006/main">
+              <a:rPr kumimoji="0" lang="en" altLang="en-US" sz="1800" b="1" i="0" u="none" strike="noStrike" cap="none" normalizeH="0" baseline="0" dirty="0" smtClean="0">
+                <a:ln>
+                  <a:noFill/>
+                </a:ln>
+                <a:solidFill>
+                  <a:schemeClr val="tx1"/>
+                </a:solidFill>
+                <a:effectLst/>
+                <a:latin typeface="Arial" panose="020B0604020202020204" pitchFamily="34" charset="0"/>
+              </a:rPr>
+              <a:t>DimCustomer2 </a:t>
+            </a:r>
+            <a:r xmlns:a="http://schemas.openxmlformats.org/drawingml/2006/main">
+              <a:rPr kumimoji="0" lang="en" altLang="en-US" sz="1800" i="0" u="none" strike="noStrike" cap="none" normalizeH="0" baseline="0" dirty="0" smtClean="0">
+                <a:ln>
+                  <a:noFill/>
+                </a:ln>
+                <a:solidFill>
+                  <a:schemeClr val="tx1"/>
+                </a:solidFill>
+                <a:effectLst/>
+                <a:latin typeface="Arial" panose="020B0604020202020204" pitchFamily="34" charset="0"/>
+              </a:rPr>
+              <a:t>and </a:t>
+            </a:r>
+            <a:r xmlns:a="http://schemas.openxmlformats.org/drawingml/2006/main">
+              <a:rPr kumimoji="0" lang="en" altLang="en-US" sz="1800" b="1" i="0" u="none" strike="noStrike" cap="none" normalizeH="0" baseline="0" dirty="0" smtClean="0">
+                <a:ln>
+                  <a:noFill/>
+                </a:ln>
+                <a:solidFill>
+                  <a:schemeClr val="tx1"/>
+                </a:solidFill>
+                <a:effectLst/>
+                <a:latin typeface="Arial" panose="020B0604020202020204" pitchFamily="34" charset="0"/>
+              </a:rPr>
+              <a:t>FactSales</a:t>
+            </a:r>
+            <a:r xmlns:a="http://schemas.openxmlformats.org/drawingml/2006/main">
+              <a:rPr kumimoji="0" lang="en" altLang="en-US" sz="1800" i="0" u="none" strike="noStrike" cap="none" normalizeH="0" baseline="0" dirty="0" smtClean="0">
+                <a:ln>
+                  <a:noFill/>
+                </a:ln>
+                <a:solidFill>
+                  <a:schemeClr val="tx1"/>
+                </a:solidFill>
+                <a:effectLst/>
+                <a:latin typeface="Arial" panose="020B0604020202020204" pitchFamily="34" charset="0"/>
+              </a:rPr>
+              <a:t> </a:t>
+            </a:r>
+          </a:p>
+          <a:p>
+            <a:pPr xmlns:a="http://schemas.openxmlformats.org/drawingml/2006/main" marL="0" marR="0" lvl="0" indent="0" algn="l" defTabSz="914400" rtl="0" eaLnBrk="0" fontAlgn="base" latinLnBrk="0" hangingPunct="0">
               <a:lnSpc>
                 <a:spcPct val="100000"/>
               </a:lnSpc>
@@ -4062,466 +4346,104 @@
               </a:spcAft>
               <a:buClrTx/>
               <a:buSzTx/>
+              <a:buFontTx/>
+              <a:buNone/>
               <a:tabLst/>
             </a:pPr>
-            <a:r>
-              <a:rPr lang="en-US" altLang="en-US" dirty="0" smtClean="0">
-                <a:latin typeface="Segoe UI" panose="020B0502040204020203" pitchFamily="34" charset="0"/>
-                <a:cs typeface="Segoe UI" panose="020B0502040204020203" pitchFamily="34" charset="0"/>
-              </a:rPr>
-              <a:t>Delete relations if exist</a:t>
-            </a:r>
-            <a:endParaRPr kumimoji="0" lang="en-US" altLang="en-US" b="1" i="0" u="none" strike="noStrike" cap="none" normalizeH="0" baseline="0" dirty="0" smtClean="0">
-              <a:ln>
-                <a:noFill/>
-              </a:ln>
-              <a:solidFill>
-                <a:schemeClr val="tx1"/>
-              </a:solidFill>
-              <a:effectLst/>
-              <a:latin typeface="Segoe UI" panose="020B0502040204020203" pitchFamily="34" charset="0"/>
-              <a:cs typeface="Segoe UI" panose="020B0502040204020203" pitchFamily="34" charset="0"/>
-            </a:endParaRPr>
-          </a:p>
-        </p:txBody>
-      </p:sp>
-      <p:pic>
-        <p:nvPicPr>
-          <p:cNvPr id="4" name="Picture 3"/>
-          <p:cNvPicPr>
-            <a:picLocks noChangeAspect="1"/>
-          </p:cNvPicPr>
-          <p:nvPr/>
-        </p:nvPicPr>
-        <p:blipFill>
-          <a:blip r:embed="rId2"/>
-          <a:stretch>
-            <a:fillRect/>
-          </a:stretch>
-        </p:blipFill>
-        <p:spPr>
-          <a:xfrm>
-            <a:off x="2421211" y="1629419"/>
-            <a:ext cx="5405423" cy="4504519"/>
-          </a:xfrm>
-          <a:prstGeom prst="rect">
-            <a:avLst/>
-          </a:prstGeom>
-        </p:spPr>
-      </p:pic>
-      <p:sp>
-        <p:nvSpPr>
-          <p:cNvPr id="6" name="Plus 5"/>
-          <p:cNvSpPr/>
-          <p:nvPr/>
-        </p:nvSpPr>
-        <p:spPr>
-          <a:xfrm rot="18911404">
-            <a:off x="4935177" y="3120365"/>
-            <a:ext cx="501888" cy="522515"/>
-          </a:xfrm>
-          <a:prstGeom prst="mathPlus">
-            <a:avLst/>
-          </a:prstGeom>
-          <a:solidFill>
-            <a:srgbClr val="FF0000"/>
-          </a:solidFill>
-          <a:ln>
-            <a:noFill/>
-          </a:ln>
-        </p:spPr>
-        <p:style>
-          <a:lnRef idx="2">
-            <a:schemeClr val="accent1">
-              <a:shade val="50000"/>
-            </a:schemeClr>
-          </a:lnRef>
-          <a:fillRef idx="1">
-            <a:schemeClr val="accent1"/>
-          </a:fillRef>
-          <a:effectRef idx="0">
-            <a:schemeClr val="accent1"/>
-          </a:effectRef>
-          <a:fontRef idx="minor">
-            <a:schemeClr val="lt1"/>
-          </a:fontRef>
-        </p:style>
-        <p:txBody>
-          <a:bodyPr rtlCol="0" anchor="ctr"/>
-          <a:lstStyle/>
-          <a:p>
-            <a:pPr algn="ctr"/>
-            <a:endParaRPr lang="en-US"/>
-          </a:p>
-        </p:txBody>
-      </p:sp>
-      <p:sp>
-        <p:nvSpPr>
-          <p:cNvPr id="7" name="Plus 6"/>
-          <p:cNvSpPr/>
-          <p:nvPr/>
-        </p:nvSpPr>
-        <p:spPr>
-          <a:xfrm rot="18911404">
-            <a:off x="6628828" y="3752882"/>
-            <a:ext cx="501888" cy="522515"/>
-          </a:xfrm>
-          <a:prstGeom prst="mathPlus">
-            <a:avLst/>
-          </a:prstGeom>
-          <a:solidFill>
-            <a:srgbClr val="FF0000"/>
-          </a:solidFill>
-          <a:ln>
-            <a:noFill/>
-          </a:ln>
-        </p:spPr>
-        <p:style>
-          <a:lnRef idx="2">
-            <a:schemeClr val="accent1">
-              <a:shade val="50000"/>
-            </a:schemeClr>
-          </a:lnRef>
-          <a:fillRef idx="1">
-            <a:schemeClr val="accent1"/>
-          </a:fillRef>
-          <a:effectRef idx="0">
-            <a:schemeClr val="accent1"/>
-          </a:effectRef>
-          <a:fontRef idx="minor">
-            <a:schemeClr val="lt1"/>
-          </a:fontRef>
-        </p:style>
-        <p:txBody>
-          <a:bodyPr rtlCol="0" anchor="ctr"/>
-          <a:lstStyle/>
-          <a:p>
-            <a:pPr algn="ctr"/>
-            <a:endParaRPr lang="en-US"/>
-          </a:p>
-        </p:txBody>
-      </p:sp>
-      <p:sp>
-        <p:nvSpPr>
-          <p:cNvPr id="9" name="Plus 8"/>
-          <p:cNvSpPr/>
-          <p:nvPr/>
-        </p:nvSpPr>
-        <p:spPr>
-          <a:xfrm rot="18911404">
-            <a:off x="3364042" y="3258216"/>
-            <a:ext cx="501888" cy="522515"/>
-          </a:xfrm>
-          <a:prstGeom prst="mathPlus">
-            <a:avLst/>
-          </a:prstGeom>
-          <a:solidFill>
-            <a:srgbClr val="FF0000"/>
-          </a:solidFill>
-          <a:ln>
-            <a:noFill/>
-          </a:ln>
-        </p:spPr>
-        <p:style>
-          <a:lnRef idx="2">
-            <a:schemeClr val="accent1">
-              <a:shade val="50000"/>
-            </a:schemeClr>
-          </a:lnRef>
-          <a:fillRef idx="1">
-            <a:schemeClr val="accent1"/>
-          </a:fillRef>
-          <a:effectRef idx="0">
-            <a:schemeClr val="accent1"/>
-          </a:effectRef>
-          <a:fontRef idx="minor">
-            <a:schemeClr val="lt1"/>
-          </a:fontRef>
-        </p:style>
-        <p:txBody>
-          <a:bodyPr rtlCol="0" anchor="ctr"/>
-          <a:lstStyle/>
-          <a:p>
-            <a:pPr algn="ctr"/>
-            <a:endParaRPr lang="en-US"/>
-          </a:p>
-        </p:txBody>
-      </p:sp>
-    </p:spTree>
-    <p:extLst>
-      <p:ext uri="{BB962C8B-B14F-4D97-AF65-F5344CB8AC3E}">
-        <p14:creationId xmlns:p14="http://schemas.microsoft.com/office/powerpoint/2010/main" val="2610458185"/>
-      </p:ext>
-    </p:extLst>
-  </p:cSld>
-  <p:clrMapOvr>
-    <a:masterClrMapping/>
-  </p:clrMapOvr>
-</p:sld>
-</file>
-
-<file path=ppt/slides/slide13.xml><?xml version="1.0" encoding="utf-8"?>
-<p:sld xmlns:a="http://schemas.openxmlformats.org/drawingml/2006/main" xmlns:r="http://schemas.openxmlformats.org/officeDocument/2006/relationships" xmlns:p="http://schemas.openxmlformats.org/presentationml/2006/main">
-  <p:cSld>
-    <p:spTree>
-      <p:nvGrpSpPr>
-        <p:cNvPr id="1" name=""/>
-        <p:cNvGrpSpPr/>
-        <p:nvPr/>
-      </p:nvGrpSpPr>
-      <p:grpSpPr>
-        <a:xfrm>
-          <a:off x="0" y="0"/>
-          <a:ext cx="0" cy="0"/>
-          <a:chOff x="0" y="0"/>
-          <a:chExt cx="0" cy="0"/>
-        </a:xfrm>
-      </p:grpSpPr>
-      <p:sp>
-        <p:nvSpPr>
-          <p:cNvPr id="2" name="TextBox 1"/>
-          <p:cNvSpPr txBox="1"/>
-          <p:nvPr/>
-        </p:nvSpPr>
-        <p:spPr>
-          <a:xfrm>
-            <a:off x="288758" y="275007"/>
-            <a:ext cx="2613023" cy="400110"/>
-          </a:xfrm>
-          <a:prstGeom prst="rect">
-            <a:avLst/>
-          </a:prstGeom>
-          <a:noFill/>
-        </p:spPr>
-        <p:txBody>
-          <a:bodyPr wrap="none" rtlCol="0">
-            <a:spAutoFit/>
-          </a:bodyPr>
-          <a:lstStyle/>
-          <a:p>
-            <a:r>
-              <a:rPr lang="fr-FR" sz="2000" dirty="0" smtClean="0">
-                <a:latin typeface="Segoe UI" panose="020B0502040204020203" pitchFamily="34" charset="0"/>
-                <a:cs typeface="Segoe UI" panose="020B0502040204020203" pitchFamily="34" charset="0"/>
-              </a:rPr>
-              <a:t>Manage Relationship</a:t>
-            </a:r>
-            <a:endParaRPr lang="en-US" sz="2000" dirty="0">
-              <a:latin typeface="Segoe UI" panose="020B0502040204020203" pitchFamily="34" charset="0"/>
-              <a:cs typeface="Segoe UI" panose="020B0502040204020203" pitchFamily="34" charset="0"/>
-            </a:endParaRPr>
-          </a:p>
-        </p:txBody>
-      </p:sp>
-      <p:sp>
-        <p:nvSpPr>
-          <p:cNvPr id="3" name="Rectangle 1"/>
-          <p:cNvSpPr>
-            <a:spLocks noChangeArrowheads="1"/>
-          </p:cNvSpPr>
-          <p:nvPr/>
-        </p:nvSpPr>
-        <p:spPr bwMode="auto">
-          <a:xfrm>
-            <a:off x="288758" y="767604"/>
-            <a:ext cx="11612192" cy="646331"/>
-          </a:xfrm>
-          <a:prstGeom prst="rect">
-            <a:avLst/>
-          </a:prstGeom>
-          <a:noFill/>
-          <a:ln>
-            <a:noFill/>
-          </a:ln>
-          <a:effectLst/>
-          <a:extLst>
-            <a:ext uri="{909E8E84-426E-40DD-AFC4-6F175D3DCCD1}">
-              <a14:hiddenFill xmlns:a14="http://schemas.microsoft.com/office/drawing/2010/main">
-                <a:solidFill>
-                  <a:schemeClr val="accent1"/>
-                </a:solidFill>
-              </a14:hiddenFill>
-            </a:ext>
-            <a:ext uri="{91240B29-F687-4F45-9708-019B960494DF}">
-              <a14:hiddenLine xmlns:a14="http://schemas.microsoft.com/office/drawing/2010/main" w="9525">
+            <a:r xmlns:a="http://schemas.openxmlformats.org/drawingml/2006/main">
+              <a:rPr kumimoji="0" lang="en" altLang="en-US" sz="1800" i="0" u="none" strike="noStrike" cap="none" normalizeH="0" baseline="0" dirty="0" smtClean="0">
+                <a:ln>
+                  <a:noFill/>
+                </a:ln>
                 <a:solidFill>
                   <a:schemeClr val="tx1"/>
                 </a:solidFill>
-                <a:miter lim="800000"/>
-                <a:headEnd/>
-                <a:tailEnd/>
-              </a14:hiddenLine>
-            </a:ext>
-            <a:ext uri="{AF507438-7753-43E0-B8FC-AC1667EBCBE1}">
-              <a14:hiddenEffects xmlns:a14="http://schemas.microsoft.com/office/drawing/2010/main">
-                <a:effectLst>
-                  <a:outerShdw dist="35921" dir="2700000" algn="ctr" rotWithShape="0">
-                    <a:schemeClr val="bg2"/>
-                  </a:outerShdw>
-                </a:effectLst>
-              </a14:hiddenEffects>
-            </a:ext>
-          </a:extLst>
-        </p:spPr>
-        <p:txBody>
-          <a:bodyPr vert="horz" wrap="square" lIns="91440" tIns="45720" rIns="91440" bIns="45720" numCol="1" anchor="ctr" anchorCtr="0" compatLnSpc="1">
-            <a:prstTxWarp prst="textNoShape">
-              <a:avLst/>
-            </a:prstTxWarp>
-            <a:spAutoFit/>
-          </a:bodyPr>
-          <a:lstStyle/>
-          <a:p>
-            <a:pPr marL="0" marR="0" lvl="0" indent="0" algn="l" defTabSz="914400" rtl="0" eaLnBrk="0" fontAlgn="base" latinLnBrk="0" hangingPunct="0">
-              <a:lnSpc>
-                <a:spcPct val="100000"/>
-              </a:lnSpc>
-              <a:spcBef>
-                <a:spcPct val="0"/>
-              </a:spcBef>
-              <a:spcAft>
-                <a:spcPct val="0"/>
-              </a:spcAft>
-              <a:buClrTx/>
-              <a:buSzTx/>
-              <a:tabLst/>
-            </a:pPr>
-            <a:r>
-              <a:rPr lang="en-US" altLang="en-US" dirty="0" smtClean="0">
-                <a:latin typeface="Segoe UI" panose="020B0502040204020203" pitchFamily="34" charset="0"/>
-                <a:cs typeface="Segoe UI" panose="020B0502040204020203" pitchFamily="34" charset="0"/>
-              </a:rPr>
-              <a:t>Now let’s establish a new connection between </a:t>
-            </a:r>
-            <a:r>
-              <a:rPr lang="en-US" altLang="en-US" b="1" dirty="0" smtClean="0">
-                <a:latin typeface="Segoe UI" panose="020B0502040204020203" pitchFamily="34" charset="0"/>
-                <a:cs typeface="Segoe UI" panose="020B0502040204020203" pitchFamily="34" charset="0"/>
-              </a:rPr>
-              <a:t>DimCustomer2</a:t>
-            </a:r>
-            <a:r>
-              <a:rPr lang="en-US" altLang="en-US" dirty="0" smtClean="0">
-                <a:latin typeface="Segoe UI" panose="020B0502040204020203" pitchFamily="34" charset="0"/>
-                <a:cs typeface="Segoe UI" panose="020B0502040204020203" pitchFamily="34" charset="0"/>
-              </a:rPr>
-              <a:t> and </a:t>
-            </a:r>
-            <a:r>
-              <a:rPr lang="en-US" altLang="en-US" b="1" dirty="0" err="1" smtClean="0">
-                <a:latin typeface="Segoe UI" panose="020B0502040204020203" pitchFamily="34" charset="0"/>
-                <a:cs typeface="Segoe UI" panose="020B0502040204020203" pitchFamily="34" charset="0"/>
-              </a:rPr>
-              <a:t>FactSales</a:t>
-            </a:r>
-            <a:r>
-              <a:rPr lang="en-US" altLang="en-US" b="1" dirty="0" smtClean="0">
-                <a:latin typeface="Segoe UI" panose="020B0502040204020203" pitchFamily="34" charset="0"/>
-                <a:cs typeface="Segoe UI" panose="020B0502040204020203" pitchFamily="34" charset="0"/>
-              </a:rPr>
-              <a:t> </a:t>
-            </a:r>
-            <a:r>
-              <a:rPr lang="en-US" altLang="en-US" dirty="0" smtClean="0">
-                <a:latin typeface="Segoe UI" panose="020B0502040204020203" pitchFamily="34" charset="0"/>
-                <a:cs typeface="Segoe UI" panose="020B0502040204020203" pitchFamily="34" charset="0"/>
+                <a:effectLst/>
+                <a:latin typeface="Arial" panose="020B0604020202020204" pitchFamily="34" charset="0"/>
               </a:rPr>
               <a:t>by dragging </a:t>
             </a:r>
-            <a:r>
-              <a:rPr lang="en-US" altLang="en-US" b="1" dirty="0" err="1" smtClean="0">
-                <a:latin typeface="Segoe UI" panose="020B0502040204020203" pitchFamily="34" charset="0"/>
-                <a:cs typeface="Segoe UI" panose="020B0502040204020203" pitchFamily="34" charset="0"/>
+            <a:r xmlns:a="http://schemas.openxmlformats.org/drawingml/2006/main">
+              <a:rPr kumimoji="0" lang="en" altLang="en-US" sz="1800" b="1" i="0" u="none" strike="noStrike" cap="none" normalizeH="0" baseline="0" dirty="0" err="1" smtClean="0">
+                <a:ln>
+                  <a:noFill/>
+                </a:ln>
+                <a:solidFill>
+                  <a:schemeClr val="tx1"/>
+                </a:solidFill>
+                <a:effectLst/>
+                <a:latin typeface="Arial" panose="020B0604020202020204" pitchFamily="34" charset="0"/>
               </a:rPr>
-              <a:t>CustomerID</a:t>
-            </a:r>
-            <a:r>
-              <a:rPr lang="en-US" altLang="en-US" dirty="0" smtClean="0">
-                <a:latin typeface="Segoe UI" panose="020B0502040204020203" pitchFamily="34" charset="0"/>
-                <a:cs typeface="Segoe UI" panose="020B0502040204020203" pitchFamily="34" charset="0"/>
+              <a:t>CustomerID </a:t>
+            </a:r>
+            <a:r xmlns:a="http://schemas.openxmlformats.org/drawingml/2006/main">
+              <a:rPr kumimoji="0" lang="en" altLang="en-US" sz="1800" i="0" u="none" strike="noStrike" cap="none" normalizeH="0" baseline="0" dirty="0" smtClean="0">
+                <a:ln>
+                  <a:noFill/>
+                </a:ln>
+                <a:solidFill>
+                  <a:schemeClr val="tx1"/>
+                </a:solidFill>
+                <a:effectLst/>
+                <a:latin typeface="Arial" panose="020B0604020202020204" pitchFamily="34" charset="0"/>
               </a:rPr>
-              <a:t> from </a:t>
-            </a:r>
-            <a:r>
-              <a:rPr lang="en-US" altLang="en-US" b="1" dirty="0" err="1" smtClean="0">
-                <a:latin typeface="Segoe UI" panose="020B0502040204020203" pitchFamily="34" charset="0"/>
-                <a:cs typeface="Segoe UI" panose="020B0502040204020203" pitchFamily="34" charset="0"/>
+              <a:t>from </a:t>
+            </a:r>
+            <a:r xmlns:a="http://schemas.openxmlformats.org/drawingml/2006/main">
+              <a:rPr kumimoji="0" lang="en" altLang="en-US" sz="1800" b="1" i="0" u="none" strike="noStrike" cap="none" normalizeH="0" baseline="0" dirty="0" smtClean="0">
+                <a:ln>
+                  <a:noFill/>
+                </a:ln>
+                <a:solidFill>
+                  <a:schemeClr val="tx1"/>
+                </a:solidFill>
+                <a:effectLst/>
+                <a:latin typeface="Arial" panose="020B0604020202020204" pitchFamily="34" charset="0"/>
               </a:rPr>
-              <a:t>FactSales</a:t>
-            </a:r>
-            <a:r>
-              <a:rPr lang="en-US" altLang="en-US" dirty="0" smtClean="0">
-                <a:latin typeface="Segoe UI" panose="020B0502040204020203" pitchFamily="34" charset="0"/>
-                <a:cs typeface="Segoe UI" panose="020B0502040204020203" pitchFamily="34" charset="0"/>
+              <a:t>FactSales </a:t>
+            </a:r>
+            <a:r xmlns:a="http://schemas.openxmlformats.org/drawingml/2006/main">
+              <a:rPr kumimoji="0" lang="en" altLang="en-US" sz="1800" i="0" u="none" strike="noStrike" cap="none" normalizeH="0" baseline="0" dirty="0" smtClean="0">
+                <a:ln>
+                  <a:noFill/>
+                </a:ln>
+                <a:solidFill>
+                  <a:schemeClr val="tx1"/>
+                </a:solidFill>
+                <a:effectLst/>
+                <a:latin typeface="Arial" panose="020B0604020202020204" pitchFamily="34" charset="0"/>
               </a:rPr>
-              <a:t> to </a:t>
-            </a:r>
-            <a:r>
-              <a:rPr lang="en-US" altLang="en-US" b="1" dirty="0" smtClean="0">
-                <a:latin typeface="Segoe UI" panose="020B0502040204020203" pitchFamily="34" charset="0"/>
-                <a:cs typeface="Segoe UI" panose="020B0502040204020203" pitchFamily="34" charset="0"/>
+              <a:t>to </a:t>
+            </a:r>
+            <a:r xmlns:a="http://schemas.openxmlformats.org/drawingml/2006/main">
+              <a:rPr kumimoji="0" lang="en" altLang="en-US" sz="1800" b="1" i="0" u="none" strike="noStrike" cap="none" normalizeH="0" baseline="0" dirty="0" smtClean="0">
+                <a:ln>
+                  <a:noFill/>
+                </a:ln>
+                <a:solidFill>
+                  <a:schemeClr val="tx1"/>
+                </a:solidFill>
+                <a:effectLst/>
+                <a:latin typeface="Arial" panose="020B0604020202020204" pitchFamily="34" charset="0"/>
               </a:rPr>
-              <a:t>DimCustomer2</a:t>
-            </a:r>
-            <a:r>
-              <a:rPr lang="en-US" altLang="en-US" dirty="0" smtClean="0">
-                <a:latin typeface="Segoe UI" panose="020B0502040204020203" pitchFamily="34" charset="0"/>
-                <a:cs typeface="Segoe UI" panose="020B0502040204020203" pitchFamily="34" charset="0"/>
+              <a:t>DimCustomer2 </a:t>
+            </a:r>
+            <a:r xmlns:a="http://schemas.openxmlformats.org/drawingml/2006/main">
+              <a:rPr kumimoji="0" lang="en" altLang="en-US" sz="1800" i="0" u="none" strike="noStrike" cap="none" normalizeH="0" baseline="0" dirty="0" smtClean="0">
+                <a:ln>
+                  <a:noFill/>
+                </a:ln>
+                <a:solidFill>
+                  <a:schemeClr val="tx1"/>
+                </a:solidFill>
+                <a:effectLst/>
+                <a:latin typeface="Arial" panose="020B0604020202020204" pitchFamily="34" charset="0"/>
               </a:rPr>
-              <a:t>, that is </a:t>
-            </a:r>
-            <a:r>
-              <a:rPr lang="en-US" altLang="en-US" b="1" dirty="0" err="1" smtClean="0">
-                <a:latin typeface="Segoe UI" panose="020B0502040204020203" pitchFamily="34" charset="0"/>
-                <a:cs typeface="Segoe UI" panose="020B0502040204020203" pitchFamily="34" charset="0"/>
-              </a:rPr>
-              <a:t>Kimbal</a:t>
-            </a:r>
-            <a:r>
-              <a:rPr lang="en-US" altLang="en-US" dirty="0" smtClean="0">
-                <a:latin typeface="Segoe UI" panose="020B0502040204020203" pitchFamily="34" charset="0"/>
-                <a:cs typeface="Segoe UI" panose="020B0502040204020203" pitchFamily="34" charset="0"/>
-              </a:rPr>
-              <a:t> Star schema</a:t>
-            </a:r>
-            <a:endParaRPr kumimoji="0" lang="en-US" altLang="en-US" i="0" u="none" strike="noStrike" cap="none" normalizeH="0" baseline="0" dirty="0" smtClean="0">
-              <a:ln>
-                <a:noFill/>
-              </a:ln>
-              <a:solidFill>
-                <a:schemeClr val="tx1"/>
-              </a:solidFill>
-              <a:effectLst/>
-              <a:latin typeface="Segoe UI" panose="020B0502040204020203" pitchFamily="34" charset="0"/>
-              <a:cs typeface="Segoe UI" panose="020B0502040204020203" pitchFamily="34" charset="0"/>
-            </a:endParaRPr>
-          </a:p>
-        </p:txBody>
-      </p:sp>
-      <p:pic>
-        <p:nvPicPr>
-          <p:cNvPr id="5" name="Picture 4"/>
-          <p:cNvPicPr>
-            <a:picLocks noChangeAspect="1"/>
-          </p:cNvPicPr>
-          <p:nvPr/>
-        </p:nvPicPr>
-        <p:blipFill>
-          <a:blip r:embed="rId2"/>
-          <a:stretch>
-            <a:fillRect/>
-          </a:stretch>
-        </p:blipFill>
-        <p:spPr>
-          <a:xfrm>
-            <a:off x="852472" y="1830733"/>
-            <a:ext cx="9964541" cy="3086531"/>
-          </a:xfrm>
-          <a:prstGeom prst="rect">
-            <a:avLst/>
-          </a:prstGeom>
-        </p:spPr>
-      </p:pic>
+              <a:t>, this is the Kimball star schema.</a:t>
+            </a:r>
+          </a:p>
+        </p:txBody>
+      </p:sp>
     </p:spTree>
     <p:extLst>
       <p:ext uri="{BB962C8B-B14F-4D97-AF65-F5344CB8AC3E}">
@@ -4601,14 +4523,14 @@
       </p:sp>
       <p:sp>
         <p:nvSpPr>
-          <p:cNvPr id="5" name="TextBox 4"/>
+          <p:cNvPr id="7" name="TextBox 6"/>
           <p:cNvSpPr txBox="1"/>
           <p:nvPr/>
         </p:nvSpPr>
         <p:spPr>
           <a:xfrm>
-            <a:off x="2916199" y="2162433"/>
-            <a:ext cx="6230360" cy="1569660"/>
+            <a:off x="4023104" y="2629946"/>
+            <a:ext cx="3456395" cy="1569660"/>
           </a:xfrm>
           <a:prstGeom prst="rect">
             <a:avLst/>
@@ -4621,8 +4543,8 @@
           </a:bodyPr>
           <a:lstStyle/>
           <a:p>
-            <a:r>
-              <a:rPr lang="en-US" sz="9600" b="1" dirty="0" smtClean="0">
+            <a:r xmlns:a="http://schemas.openxmlformats.org/drawingml/2006/main">
+              <a:rPr lang="en" sz="9600" b="1" dirty="0" smtClean="0">
                 <a:solidFill>
                   <a:srgbClr val="7030A0"/>
                 </a:solidFill>
@@ -4630,9 +4552,9 @@
                 <a:ea typeface="Verdana" panose="020B0604030504040204" pitchFamily="34" charset="0"/>
                 <a:cs typeface="Segoe UI" panose="020B0502040204020203" pitchFamily="34" charset="0"/>
               </a:rPr>
-              <a:t>Thank you</a:t>
-            </a:r>
-            <a:endParaRPr lang="en-US" sz="9600" b="1" dirty="0">
+              <a:t>THANKS</a:t>
+            </a:r>
+            <a:endParaRPr xmlns:a="http://schemas.openxmlformats.org/drawingml/2006/main" lang="en-US" sz="9600" b="1" dirty="0">
               <a:solidFill>
                 <a:srgbClr val="7030A0"/>
               </a:solidFill>
@@ -4645,14 +4567,14 @@
       </p:sp>
       <p:sp>
         <p:nvSpPr>
-          <p:cNvPr id="6" name="TextBox 5"/>
+          <p:cNvPr id="8" name="TextBox 7"/>
           <p:cNvSpPr txBox="1"/>
           <p:nvPr/>
         </p:nvSpPr>
         <p:spPr>
           <a:xfrm>
-            <a:off x="2990336" y="2217861"/>
-            <a:ext cx="6230360" cy="1569660"/>
+            <a:off x="3962373" y="2541714"/>
+            <a:ext cx="3456395" cy="1569660"/>
           </a:xfrm>
           <a:prstGeom prst="rect">
             <a:avLst/>
@@ -4665,8 +4587,8 @@
           </a:bodyPr>
           <a:lstStyle/>
           <a:p>
-            <a:r>
-              <a:rPr lang="en-US" sz="9600" b="1" dirty="0" smtClean="0">
+            <a:r xmlns:a="http://schemas.openxmlformats.org/drawingml/2006/main">
+              <a:rPr lang="en" sz="9600" b="1" dirty="0" smtClean="0">
                 <a:solidFill>
                   <a:schemeClr val="bg1"/>
                 </a:solidFill>
@@ -4674,9 +4596,9 @@
                 <a:ea typeface="Verdana" panose="020B0604030504040204" pitchFamily="34" charset="0"/>
                 <a:cs typeface="Segoe UI" panose="020B0502040204020203" pitchFamily="34" charset="0"/>
               </a:rPr>
-              <a:t>Thank you</a:t>
-            </a:r>
-            <a:endParaRPr lang="en-US" sz="9600" b="1" dirty="0">
+              <a:t>THANKS</a:t>
+            </a:r>
+            <a:endParaRPr xmlns:a="http://schemas.openxmlformats.org/drawingml/2006/main" lang="en-US" sz="9600" b="1" dirty="0">
               <a:solidFill>
                 <a:schemeClr val="bg1"/>
               </a:solidFill>
@@ -4726,7 +4648,7 @@
         <p:spPr>
           <a:xfrm>
             <a:off x="288758" y="275007"/>
-            <a:ext cx="3180101" cy="400110"/>
+            <a:ext cx="3824637" cy="400110"/>
           </a:xfrm>
           <a:prstGeom prst="rect">
             <a:avLst/>
@@ -4739,194 +4661,16 @@
           </a:bodyPr>
           <a:lstStyle/>
           <a:p>
-            <a:r>
-              <a:rPr lang="en-US" sz="2000" dirty="0" smtClean="0">
+            <a:r xmlns:a="http://schemas.openxmlformats.org/drawingml/2006/main">
+              <a:rPr lang="en" sz="2000" b="1" dirty="0" smtClean="0">
                 <a:latin typeface="Segoe UI" panose="020B0502040204020203" pitchFamily="34" charset="0"/>
                 <a:cs typeface="Segoe UI" panose="020B0502040204020203" pitchFamily="34" charset="0"/>
               </a:rPr>
-              <a:t>Create and handle schema</a:t>
-            </a:r>
-            <a:endParaRPr lang="en-US" sz="2000" dirty="0">
+              <a:t>Create and organize diagrams</a:t>
+            </a:r>
+            <a:endParaRPr xmlns:a="http://schemas.openxmlformats.org/drawingml/2006/main" lang="en-US" sz="2000" b="1" dirty="0">
               <a:latin typeface="Segoe UI" panose="020B0502040204020203" pitchFamily="34" charset="0"/>
               <a:cs typeface="Segoe UI" panose="020B0502040204020203" pitchFamily="34" charset="0"/>
-            </a:endParaRPr>
-          </a:p>
-        </p:txBody>
-      </p:sp>
-      <p:sp>
-        <p:nvSpPr>
-          <p:cNvPr id="9" name="Rectangle 8"/>
-          <p:cNvSpPr/>
-          <p:nvPr/>
-        </p:nvSpPr>
-        <p:spPr>
-          <a:xfrm>
-            <a:off x="288758" y="861062"/>
-            <a:ext cx="9842977" cy="388696"/>
-          </a:xfrm>
-          <a:prstGeom prst="rect">
-            <a:avLst/>
-          </a:prstGeom>
-        </p:spPr>
-        <p:txBody>
-          <a:bodyPr wrap="square">
-            <a:spAutoFit/>
-          </a:bodyPr>
-          <a:lstStyle/>
-          <a:p>
-            <a:pPr>
-              <a:lnSpc>
-                <a:spcPct val="107000"/>
-              </a:lnSpc>
-              <a:spcBef>
-                <a:spcPts val="1200"/>
-              </a:spcBef>
-              <a:spcAft>
-                <a:spcPts val="0"/>
-              </a:spcAft>
-            </a:pPr>
-            <a:r>
-              <a:rPr lang="en-US" b="1" kern="0" dirty="0">
-                <a:latin typeface="Segoe UI" panose="020B0502040204020203" pitchFamily="34" charset="0"/>
-                <a:ea typeface="Times New Roman" panose="02020603050405020304" pitchFamily="18" charset="0"/>
-                <a:cs typeface="Times New Roman" panose="02020603050405020304" pitchFamily="18" charset="0"/>
-              </a:rPr>
-              <a:t>Note: </a:t>
-            </a:r>
-            <a:r>
-              <a:rPr lang="en-US" kern="0" dirty="0">
-                <a:latin typeface="Segoe UI" panose="020B0502040204020203" pitchFamily="34" charset="0"/>
-                <a:ea typeface="Times New Roman" panose="02020603050405020304" pitchFamily="18" charset="0"/>
-                <a:cs typeface="Times New Roman" panose="02020603050405020304" pitchFamily="18" charset="0"/>
-              </a:rPr>
-              <a:t>This Lab uses </a:t>
-            </a:r>
-            <a:r>
-              <a:rPr lang="en-US" b="1" kern="0" dirty="0" smtClean="0">
-                <a:latin typeface="Segoe UI" panose="020B0502040204020203" pitchFamily="34" charset="0"/>
-                <a:ea typeface="Times New Roman" panose="02020603050405020304" pitchFamily="18" charset="0"/>
-                <a:cs typeface="Times New Roman" panose="02020603050405020304" pitchFamily="18" charset="0"/>
-              </a:rPr>
-              <a:t>lab2.xlsx</a:t>
-            </a:r>
-            <a:r>
-              <a:rPr lang="en-US" kern="0" dirty="0" smtClean="0">
-                <a:latin typeface="Segoe UI" panose="020B0502040204020203" pitchFamily="34" charset="0"/>
-                <a:ea typeface="Times New Roman" panose="02020603050405020304" pitchFamily="18" charset="0"/>
-                <a:cs typeface="Times New Roman" panose="02020603050405020304" pitchFamily="18" charset="0"/>
-              </a:rPr>
-              <a:t> </a:t>
-            </a:r>
-            <a:r>
-              <a:rPr lang="en-US" kern="0" dirty="0" smtClean="0">
-                <a:latin typeface="Segoe UI" panose="020B0502040204020203" pitchFamily="34" charset="0"/>
-                <a:ea typeface="Times New Roman" panose="02020603050405020304" pitchFamily="18" charset="0"/>
-                <a:cs typeface="Times New Roman" panose="02020603050405020304" pitchFamily="18" charset="0"/>
-              </a:rPr>
-              <a:t>in </a:t>
-            </a:r>
-            <a:r>
-              <a:rPr lang="en-US" b="1" kern="0" dirty="0" smtClean="0">
-                <a:latin typeface="Segoe UI" panose="020B0502040204020203" pitchFamily="34" charset="0"/>
-                <a:ea typeface="Times New Roman" panose="02020603050405020304" pitchFamily="18" charset="0"/>
-                <a:cs typeface="Times New Roman" panose="02020603050405020304" pitchFamily="18" charset="0"/>
-              </a:rPr>
-              <a:t>Sales Model</a:t>
-            </a:r>
-            <a:endParaRPr lang="en-US" sz="2800" b="1" kern="0" dirty="0">
-              <a:effectLst/>
-              <a:latin typeface="Segoe UI" panose="020B0502040204020203" pitchFamily="34" charset="0"/>
-              <a:ea typeface="Times New Roman" panose="02020603050405020304" pitchFamily="18" charset="0"/>
-              <a:cs typeface="Times New Roman" panose="02020603050405020304" pitchFamily="18" charset="0"/>
-            </a:endParaRPr>
-          </a:p>
-        </p:txBody>
-      </p:sp>
-      <p:sp>
-        <p:nvSpPr>
-          <p:cNvPr id="4" name="Rectangle 3"/>
-          <p:cNvSpPr/>
-          <p:nvPr/>
-        </p:nvSpPr>
-        <p:spPr>
-          <a:xfrm>
-            <a:off x="288757" y="1249758"/>
-            <a:ext cx="9842977" cy="685059"/>
-          </a:xfrm>
-          <a:prstGeom prst="rect">
-            <a:avLst/>
-          </a:prstGeom>
-        </p:spPr>
-        <p:txBody>
-          <a:bodyPr wrap="square">
-            <a:spAutoFit/>
-          </a:bodyPr>
-          <a:lstStyle/>
-          <a:p>
-            <a:pPr>
-              <a:lnSpc>
-                <a:spcPct val="107000"/>
-              </a:lnSpc>
-              <a:spcBef>
-                <a:spcPts val="1200"/>
-              </a:spcBef>
-              <a:spcAft>
-                <a:spcPts val="0"/>
-              </a:spcAft>
-            </a:pPr>
-            <a:r>
-              <a:rPr lang="en-US" b="1" kern="0" dirty="0">
-                <a:latin typeface="Segoe UI" panose="020B0502040204020203" pitchFamily="34" charset="0"/>
-                <a:ea typeface="Times New Roman" panose="02020603050405020304" pitchFamily="18" charset="0"/>
-                <a:cs typeface="Times New Roman" panose="02020603050405020304" pitchFamily="18" charset="0"/>
-              </a:rPr>
-              <a:t>Note: </a:t>
-            </a:r>
-            <a:r>
-              <a:rPr lang="en-US" kern="0" dirty="0" smtClean="0">
-                <a:latin typeface="Segoe UI" panose="020B0502040204020203" pitchFamily="34" charset="0"/>
-                <a:ea typeface="Times New Roman" panose="02020603050405020304" pitchFamily="18" charset="0"/>
-                <a:cs typeface="Times New Roman" panose="02020603050405020304" pitchFamily="18" charset="0"/>
-              </a:rPr>
-              <a:t>The aim of this lab is to transform the Model schema from </a:t>
-            </a:r>
-            <a:r>
-              <a:rPr lang="en-US" b="1" kern="0" dirty="0" err="1" smtClean="0">
-                <a:latin typeface="Segoe UI" panose="020B0502040204020203" pitchFamily="34" charset="0"/>
-                <a:ea typeface="Times New Roman" panose="02020603050405020304" pitchFamily="18" charset="0"/>
-                <a:cs typeface="Times New Roman" panose="02020603050405020304" pitchFamily="18" charset="0"/>
-              </a:rPr>
-              <a:t>Inmon</a:t>
-            </a:r>
-            <a:r>
-              <a:rPr lang="en-US" kern="0" dirty="0" smtClean="0">
-                <a:latin typeface="Segoe UI" panose="020B0502040204020203" pitchFamily="34" charset="0"/>
-                <a:ea typeface="Times New Roman" panose="02020603050405020304" pitchFamily="18" charset="0"/>
-                <a:cs typeface="Times New Roman" panose="02020603050405020304" pitchFamily="18" charset="0"/>
-              </a:rPr>
-              <a:t> snowflake schema to </a:t>
-            </a:r>
-            <a:r>
-              <a:rPr lang="en-US" b="1" kern="0" dirty="0" err="1" smtClean="0">
-                <a:latin typeface="Segoe UI" panose="020B0502040204020203" pitchFamily="34" charset="0"/>
-                <a:ea typeface="Times New Roman" panose="02020603050405020304" pitchFamily="18" charset="0"/>
-                <a:cs typeface="Times New Roman" panose="02020603050405020304" pitchFamily="18" charset="0"/>
-              </a:rPr>
-              <a:t>Kimbal</a:t>
-            </a:r>
-            <a:r>
-              <a:rPr lang="en-US" kern="0" dirty="0" smtClean="0">
-                <a:latin typeface="Segoe UI" panose="020B0502040204020203" pitchFamily="34" charset="0"/>
-                <a:ea typeface="Times New Roman" panose="02020603050405020304" pitchFamily="18" charset="0"/>
-                <a:cs typeface="Times New Roman" panose="02020603050405020304" pitchFamily="18" charset="0"/>
-              </a:rPr>
-              <a:t> start schema</a:t>
-            </a:r>
-            <a:endParaRPr lang="en-US" sz="2800" b="1" kern="0" dirty="0">
-              <a:effectLst/>
-              <a:latin typeface="Segoe UI" panose="020B0502040204020203" pitchFamily="34" charset="0"/>
-              <a:ea typeface="Times New Roman" panose="02020603050405020304" pitchFamily="18" charset="0"/>
-              <a:cs typeface="Times New Roman" panose="02020603050405020304" pitchFamily="18" charset="0"/>
             </a:endParaRPr>
           </a:p>
         </p:txBody>
@@ -5022,6 +4766,100 @@
           <a:p>
             <a:pPr algn="ctr"/>
             <a:endParaRPr lang="en-US"/>
+          </a:p>
+        </p:txBody>
+      </p:sp>
+      <p:sp>
+        <p:nvSpPr>
+          <p:cNvPr id="8" name="Rectangle 7"/>
+          <p:cNvSpPr/>
+          <p:nvPr/>
+        </p:nvSpPr>
+        <p:spPr>
+          <a:xfrm>
+            <a:off x="288757" y="716867"/>
+            <a:ext cx="9357132" cy="400110"/>
+          </a:xfrm>
+          <a:prstGeom prst="rect">
+            <a:avLst/>
+          </a:prstGeom>
+        </p:spPr>
+        <p:txBody>
+          <a:bodyPr wrap="square">
+            <a:spAutoFit/>
+          </a:bodyPr>
+          <a:lstStyle/>
+          <a:p>
+            <a:r xmlns:a="http://schemas.openxmlformats.org/drawingml/2006/main">
+              <a:rPr lang="en" sz="2000" b="1" dirty="0"/>
+              <a:t>Note: </a:t>
+            </a:r>
+            <a:r xmlns:a="http://schemas.openxmlformats.org/drawingml/2006/main">
+              <a:rPr lang="en" sz="2000" dirty="0"/>
+              <a:t>This lab uses the </a:t>
+            </a:r>
+            <a:r xmlns:a="http://schemas.openxmlformats.org/drawingml/2006/main">
+              <a:rPr lang="en" sz="2000" b="1" dirty="0"/>
+              <a:t>lab2.xlsx file </a:t>
+            </a:r>
+            <a:r xmlns:a="http://schemas.openxmlformats.org/drawingml/2006/main">
+              <a:rPr lang="en" sz="2000" dirty="0"/>
+              <a:t>in the </a:t>
+            </a:r>
+            <a:r xmlns:a="http://schemas.openxmlformats.org/drawingml/2006/main">
+              <a:rPr lang="en" sz="2000" b="1" dirty="0"/>
+              <a:t>Sales Model template</a:t>
+            </a:r>
+            <a:endParaRPr xmlns:a="http://schemas.openxmlformats.org/drawingml/2006/main" lang="en-US" sz="2000" b="1" dirty="0"/>
+          </a:p>
+        </p:txBody>
+      </p:sp>
+      <p:sp>
+        <p:nvSpPr>
+          <p:cNvPr id="10" name="Rectangle 9"/>
+          <p:cNvSpPr/>
+          <p:nvPr/>
+        </p:nvSpPr>
+        <p:spPr>
+          <a:xfrm>
+            <a:off x="346050" y="1192531"/>
+            <a:ext cx="11314269" cy="400110"/>
+          </a:xfrm>
+          <a:prstGeom prst="rect">
+            <a:avLst/>
+          </a:prstGeom>
+        </p:spPr>
+        <p:txBody>
+          <a:bodyPr wrap="square">
+            <a:spAutoFit/>
+          </a:bodyPr>
+          <a:lstStyle/>
+          <a:p>
+            <a:r xmlns:a="http://schemas.openxmlformats.org/drawingml/2006/main">
+              <a:rPr lang="en" sz="2000" b="1" dirty="0"/>
+              <a:t>Objective: Transform the </a:t>
+            </a:r>
+            <a:r xmlns:a="http://schemas.openxmlformats.org/drawingml/2006/main">
+              <a:rPr lang="en" sz="2000" b="1" dirty="0" err="1"/>
+              <a:t>Inmon </a:t>
+            </a:r>
+            <a:r xmlns:a="http://schemas.openxmlformats.org/drawingml/2006/main">
+              <a:rPr lang="en" sz="2000" dirty="0"/>
+              <a:t>model schema </a:t>
+            </a:r>
+            <a:r xmlns:a="http://schemas.openxmlformats.org/drawingml/2006/main">
+              <a:rPr lang="en" sz="2000" b="1" dirty="0"/>
+              <a:t>(snowflake schema) </a:t>
+            </a:r>
+            <a:r xmlns:a="http://schemas.openxmlformats.org/drawingml/2006/main">
+              <a:rPr lang="en" sz="2000" dirty="0"/>
+              <a:t>to </a:t>
+            </a:r>
+            <a:r xmlns:a="http://schemas.openxmlformats.org/drawingml/2006/main">
+              <a:rPr lang="en" sz="2000" b="1" dirty="0"/>
+              <a:t>Kimball (star schema)</a:t>
+            </a:r>
+            <a:endParaRPr xmlns:a="http://schemas.openxmlformats.org/drawingml/2006/main" lang="en-US" sz="2000" b="1" dirty="0"/>
           </a:p>
         </p:txBody>
       </p:sp>
@@ -5057,14 +4895,14 @@
       </p:grpSpPr>
       <p:sp>
         <p:nvSpPr>
-          <p:cNvPr id="2" name="TextBox 1"/>
+          <p:cNvPr id="5" name="TextBox 4"/>
           <p:cNvSpPr txBox="1"/>
           <p:nvPr/>
         </p:nvSpPr>
         <p:spPr>
           <a:xfrm>
             <a:off x="288758" y="275007"/>
-            <a:ext cx="2613023" cy="400110"/>
+            <a:ext cx="3824637" cy="400110"/>
           </a:xfrm>
           <a:prstGeom prst="rect">
             <a:avLst/>
@@ -5077,14 +4915,14 @@
           </a:bodyPr>
           <a:lstStyle/>
           <a:p>
-            <a:r>
-              <a:rPr lang="fr-FR" sz="2000" dirty="0" smtClean="0">
+            <a:r xmlns:a="http://schemas.openxmlformats.org/drawingml/2006/main">
+              <a:rPr lang="en" sz="2000" b="1" dirty="0" smtClean="0">
                 <a:latin typeface="Segoe UI" panose="020B0502040204020203" pitchFamily="34" charset="0"/>
                 <a:cs typeface="Segoe UI" panose="020B0502040204020203" pitchFamily="34" charset="0"/>
               </a:rPr>
-              <a:t>Manage Relationship</a:t>
-            </a:r>
-            <a:endParaRPr lang="en-US" sz="2000" dirty="0">
+              <a:t>Create and organize diagrams</a:t>
+            </a:r>
+            <a:endParaRPr xmlns:a="http://schemas.openxmlformats.org/drawingml/2006/main" lang="en-US" sz="2000" b="1" dirty="0">
               <a:latin typeface="Segoe UI" panose="020B0502040204020203" pitchFamily="34" charset="0"/>
               <a:cs typeface="Segoe UI" panose="020B0502040204020203" pitchFamily="34" charset="0"/>
             </a:endParaRPr>
@@ -5093,494 +4931,183 @@
       </p:sp>
       <p:sp>
         <p:nvSpPr>
-          <p:cNvPr id="7" name="Rectangle 6"/>
+          <p:cNvPr id="4" name="Rectangle 3"/>
           <p:cNvSpPr/>
           <p:nvPr/>
         </p:nvSpPr>
         <p:spPr>
           <a:xfrm>
-            <a:off x="288758" y="861062"/>
-            <a:ext cx="9842977" cy="366895"/>
+            <a:off x="443920" y="815143"/>
+            <a:ext cx="4817857" cy="400110"/>
           </a:xfrm>
           <a:prstGeom prst="rect">
             <a:avLst/>
           </a:prstGeom>
         </p:spPr>
         <p:txBody>
+          <a:bodyPr wrap="none">
+            <a:spAutoFit/>
+          </a:bodyPr>
+          <a:lstStyle/>
+          <a:p>
+            <a:r xmlns:a="http://schemas.openxmlformats.org/drawingml/2006/main">
+              <a:rPr lang="en" sz="2000" dirty="0" smtClean="0"/>
+              <a:t>Load </a:t>
+            </a:r>
+            <a:r xmlns:a="http://schemas.openxmlformats.org/drawingml/2006/main">
+              <a:rPr lang="en" sz="2000" dirty="0"/>
+              <a:t>the data into Power BI Desktop.</a:t>
+            </a:r>
+            <a:endParaRPr xmlns:a="http://schemas.openxmlformats.org/drawingml/2006/main" lang="en-US" sz="2000" dirty="0"/>
+          </a:p>
+        </p:txBody>
+      </p:sp>
+      <p:sp>
+        <p:nvSpPr>
+          <p:cNvPr id="6" name="Rectangle 5"/>
+          <p:cNvSpPr/>
+          <p:nvPr/>
+        </p:nvSpPr>
+        <p:spPr>
+          <a:xfrm>
+            <a:off x="504180" y="1350172"/>
+            <a:ext cx="11396770" cy="1631216"/>
+          </a:xfrm>
+          <a:prstGeom prst="rect">
+            <a:avLst/>
+          </a:prstGeom>
+        </p:spPr>
+        <p:txBody>
           <a:bodyPr wrap="square">
             <a:spAutoFit/>
           </a:bodyPr>
           <a:lstStyle/>
           <a:p>
-            <a:pPr>
-              <a:lnSpc>
-                <a:spcPct val="107000"/>
-              </a:lnSpc>
-              <a:spcBef>
-                <a:spcPts val="1200"/>
-              </a:spcBef>
-              <a:spcAft>
-                <a:spcPts val="0"/>
-              </a:spcAft>
-            </a:pPr>
-            <a:r>
-              <a:rPr lang="en-US" kern="0" dirty="0" smtClean="0">
-                <a:latin typeface="Segoe UI" panose="020B0502040204020203" pitchFamily="34" charset="0"/>
-                <a:ea typeface="Times New Roman" panose="02020603050405020304" pitchFamily="18" charset="0"/>
-                <a:cs typeface="Times New Roman" panose="02020603050405020304" pitchFamily="18" charset="0"/>
-              </a:rPr>
-              <a:t>Start by loading the data into Power BI Desktop</a:t>
-            </a:r>
-            <a:endParaRPr lang="en-US" sz="2800" kern="0" dirty="0">
-              <a:effectLst/>
-              <a:latin typeface="Segoe UI" panose="020B0502040204020203" pitchFamily="34" charset="0"/>
-              <a:ea typeface="Times New Roman" panose="02020603050405020304" pitchFamily="18" charset="0"/>
-              <a:cs typeface="Times New Roman" panose="02020603050405020304" pitchFamily="18" charset="0"/>
-            </a:endParaRPr>
-          </a:p>
-        </p:txBody>
-      </p:sp>
-      <p:sp>
-        <p:nvSpPr>
-          <p:cNvPr id="3" name="Rectangle 1"/>
-          <p:cNvSpPr>
-            <a:spLocks noChangeArrowheads="1"/>
-          </p:cNvSpPr>
+            <a:r xmlns:a="http://schemas.openxmlformats.org/drawingml/2006/main">
+              <a:rPr lang="en" sz="2000" dirty="0" smtClean="0"/>
+              <a:t>Implement </a:t>
+            </a:r>
+            <a:r xmlns:a="http://schemas.openxmlformats.org/drawingml/2006/main">
+              <a:rPr lang="en" sz="2000" dirty="0"/>
+              <a:t>the star schema </a:t>
+            </a:r>
+            <a:r xmlns:a="http://schemas.openxmlformats.org/drawingml/2006/main">
+              <a:rPr lang="en" sz="2000" b="1" dirty="0"/>
+              <a:t>(Kimball </a:t>
+            </a:r>
+            <a:r xmlns:a="http://schemas.openxmlformats.org/drawingml/2006/main">
+              <a:rPr lang="en" sz="2000" b="1" dirty="0" err="1"/>
+              <a:t>Approach </a:t>
+            </a:r>
+            <a:r xmlns:a="http://schemas.openxmlformats.org/drawingml/2006/main">
+              <a:rPr lang="en" sz="2000" b="1" dirty="0"/>
+              <a:t>) </a:t>
+            </a:r>
+            <a:r xmlns:a="http://schemas.openxmlformats.org/drawingml/2006/main">
+              <a:rPr lang="en" sz="2000" dirty="0"/>
+              <a:t>ensuring that </a:t>
+            </a:r>
+            <a:r xmlns:a="http://schemas.openxmlformats.org/drawingml/2006/main">
+              <a:rPr lang="en" sz="2000" b="1" dirty="0"/>
+              <a:t>FactSales </a:t>
+            </a:r>
+            <a:r xmlns:a="http://schemas.openxmlformats.org/drawingml/2006/main">
+              <a:rPr lang="en" sz="2000" dirty="0"/>
+              <a:t>is</a:t>
+            </a:r>
+            <a:endParaRPr xmlns:a="http://schemas.openxmlformats.org/drawingml/2006/main" lang="fr-FR" sz="2000" dirty="0" smtClean="0"/>
+          </a:p>
+          <a:p>
+            <a:r xmlns:a="http://schemas.openxmlformats.org/drawingml/2006/main">
+              <a:rPr lang="en" sz="2000" dirty="0"/>
+              <a:t> </a:t>
+            </a:r>
+            <a:r xmlns:a="http://schemas.openxmlformats.org/drawingml/2006/main">
+              <a:rPr lang="en" sz="2000" dirty="0" smtClean="0"/>
+              <a:t>directly connected to</a:t>
+            </a:r>
+          </a:p>
+          <a:p>
+            <a:r xmlns:a="http://schemas.openxmlformats.org/drawingml/2006/main">
+              <a:rPr lang="en" sz="2000" b="1" dirty="0"/>
+              <a:t> </a:t>
+            </a:r>
+            <a:r xmlns:a="http://schemas.openxmlformats.org/drawingml/2006/main">
+              <a:rPr lang="en" sz="2000" b="1" dirty="0" err="1" smtClean="0"/>
+              <a:t>DimProduct</a:t>
+            </a:r>
+            <a:endParaRPr xmlns:a="http://schemas.openxmlformats.org/drawingml/2006/main" lang="fr-FR" sz="2000" dirty="0"/>
+          </a:p>
+          <a:p>
+            <a:r xmlns:a="http://schemas.openxmlformats.org/drawingml/2006/main">
+              <a:rPr lang="en" sz="2000" b="1" dirty="0" smtClean="0"/>
+              <a:t> </a:t>
+            </a:r>
+            <a:r xmlns:a="http://schemas.openxmlformats.org/drawingml/2006/main">
+              <a:rPr lang="en" sz="2000" b="1" dirty="0" err="1" smtClean="0"/>
+              <a:t>DimCustomer</a:t>
+            </a:r>
+            <a:endParaRPr xmlns:a="http://schemas.openxmlformats.org/drawingml/2006/main" lang="fr-FR" sz="2000" dirty="0"/>
+          </a:p>
+          <a:p>
+            <a:r xmlns:a="http://schemas.openxmlformats.org/drawingml/2006/main">
+              <a:rPr lang="en" sz="2000" b="1" dirty="0" smtClean="0"/>
+              <a:t> </a:t>
+            </a:r>
+            <a:r xmlns:a="http://schemas.openxmlformats.org/drawingml/2006/main">
+              <a:rPr lang="en" sz="2000" b="1" dirty="0" err="1" smtClean="0"/>
+              <a:t>DimDate</a:t>
+            </a:r>
+            <a:endParaRPr xmlns:a="http://schemas.openxmlformats.org/drawingml/2006/main" lang="fr-FR" sz="2000" dirty="0"/>
+          </a:p>
+        </p:txBody>
+      </p:sp>
+      <p:sp>
+        <p:nvSpPr>
+          <p:cNvPr id="8" name="Rectangle 7"/>
+          <p:cNvSpPr/>
           <p:nvPr/>
         </p:nvSpPr>
-        <p:spPr bwMode="auto">
-          <a:xfrm>
-            <a:off x="350636" y="1324502"/>
-            <a:ext cx="9636934" cy="2585323"/>
+        <p:spPr>
+          <a:xfrm>
+            <a:off x="443920" y="3250214"/>
+            <a:ext cx="9834486" cy="400110"/>
           </a:xfrm>
           <a:prstGeom prst="rect">
             <a:avLst/>
           </a:prstGeom>
-          <a:noFill/>
-          <a:ln>
-            <a:noFill/>
-          </a:ln>
-          <a:effectLst/>
-          <a:extLst>
-            <a:ext uri="{909E8E84-426E-40DD-AFC4-6F175D3DCCD1}">
-              <a14:hiddenFill xmlns:a14="http://schemas.microsoft.com/office/drawing/2010/main">
-                <a:solidFill>
-                  <a:schemeClr val="accent1"/>
-                </a:solidFill>
-              </a14:hiddenFill>
-            </a:ext>
-            <a:ext uri="{91240B29-F687-4F45-9708-019B960494DF}">
-              <a14:hiddenLine xmlns:a14="http://schemas.microsoft.com/office/drawing/2010/main" w="9525">
-                <a:solidFill>
-                  <a:schemeClr val="tx1"/>
-                </a:solidFill>
-                <a:miter lim="800000"/>
-                <a:headEnd/>
-                <a:tailEnd/>
-              </a14:hiddenLine>
-            </a:ext>
-            <a:ext uri="{AF507438-7753-43E0-B8FC-AC1667EBCBE1}">
-              <a14:hiddenEffects xmlns:a14="http://schemas.microsoft.com/office/drawing/2010/main">
-                <a:effectLst>
-                  <a:outerShdw dist="35921" dir="2700000" algn="ctr" rotWithShape="0">
-                    <a:schemeClr val="bg2"/>
-                  </a:outerShdw>
-                </a:effectLst>
-              </a14:hiddenEffects>
-            </a:ext>
-          </a:extLst>
-        </p:spPr>
-        <p:txBody>
-          <a:bodyPr vert="horz" wrap="none" lIns="91440" tIns="45720" rIns="91440" bIns="45720" numCol="1" anchor="ctr" anchorCtr="0" compatLnSpc="1">
-            <a:prstTxWarp prst="textNoShape">
-              <a:avLst/>
-            </a:prstTxWarp>
+        </p:spPr>
+        <p:txBody>
+          <a:bodyPr wrap="square">
             <a:spAutoFit/>
           </a:bodyPr>
           <a:lstStyle/>
           <a:p>
-            <a:pPr marL="0" marR="0" lvl="0" indent="0" algn="l" defTabSz="914400" rtl="0" eaLnBrk="0" fontAlgn="base" latinLnBrk="0" hangingPunct="0">
-              <a:lnSpc>
-                <a:spcPct val="100000"/>
-              </a:lnSpc>
-              <a:spcBef>
-                <a:spcPct val="0"/>
-              </a:spcBef>
-              <a:spcAft>
-                <a:spcPct val="0"/>
-              </a:spcAft>
-              <a:buClrTx/>
-              <a:buSzTx/>
-              <a:buFontTx/>
-              <a:buNone/>
-              <a:tabLst/>
-            </a:pPr>
-            <a:r>
-              <a:rPr kumimoji="0" lang="en-US" altLang="en-US" b="1" i="0" u="none" strike="noStrike" cap="none" normalizeH="0" baseline="0" dirty="0" smtClean="0">
-                <a:ln>
-                  <a:noFill/>
-                </a:ln>
-                <a:solidFill>
-                  <a:schemeClr val="tx1"/>
-                </a:solidFill>
-                <a:effectLst/>
-                <a:latin typeface="Segoe UI" panose="020B0502040204020203" pitchFamily="34" charset="0"/>
-                <a:cs typeface="Segoe UI" panose="020B0502040204020203" pitchFamily="34" charset="0"/>
-              </a:rPr>
-              <a:t>Implement the Star Schema (Kimball Approach)</a:t>
-            </a:r>
-          </a:p>
-          <a:p>
-            <a:pPr marL="0" marR="0" lvl="0" indent="0" algn="l" defTabSz="914400" rtl="0" eaLnBrk="0" fontAlgn="base" latinLnBrk="0" hangingPunct="0">
-              <a:lnSpc>
-                <a:spcPct val="100000"/>
-              </a:lnSpc>
-              <a:spcBef>
-                <a:spcPct val="0"/>
-              </a:spcBef>
-              <a:spcAft>
-                <a:spcPct val="0"/>
-              </a:spcAft>
-              <a:buClrTx/>
-              <a:buSzTx/>
-              <a:tabLst/>
-            </a:pPr>
-            <a:endParaRPr kumimoji="0" lang="en-US" altLang="en-US" b="0" i="0" u="none" strike="noStrike" cap="none" normalizeH="0" baseline="0" dirty="0" smtClean="0">
-              <a:ln>
-                <a:noFill/>
-              </a:ln>
-              <a:solidFill>
-                <a:schemeClr val="tx1"/>
-              </a:solidFill>
-              <a:effectLst/>
-              <a:latin typeface="Segoe UI" panose="020B0502040204020203" pitchFamily="34" charset="0"/>
-              <a:cs typeface="Segoe UI" panose="020B0502040204020203" pitchFamily="34" charset="0"/>
-            </a:endParaRPr>
-          </a:p>
-          <a:p>
-            <a:pPr marL="0" marR="0" lvl="0" indent="0" algn="l" defTabSz="914400" rtl="0" eaLnBrk="0" fontAlgn="base" latinLnBrk="0" hangingPunct="0">
-              <a:lnSpc>
-                <a:spcPct val="100000"/>
-              </a:lnSpc>
-              <a:spcBef>
-                <a:spcPct val="0"/>
-              </a:spcBef>
-              <a:spcAft>
-                <a:spcPct val="0"/>
-              </a:spcAft>
-              <a:buClrTx/>
-              <a:buSzTx/>
-              <a:tabLst/>
-            </a:pPr>
-            <a:r>
-              <a:rPr kumimoji="0" lang="en-US" altLang="en-US" b="0" i="0" u="none" strike="noStrike" cap="none" normalizeH="0" baseline="0" dirty="0" smtClean="0">
-                <a:ln>
-                  <a:noFill/>
-                </a:ln>
-                <a:solidFill>
-                  <a:schemeClr val="tx1"/>
-                </a:solidFill>
-                <a:effectLst/>
-                <a:latin typeface="Segoe UI" panose="020B0502040204020203" pitchFamily="34" charset="0"/>
-                <a:cs typeface="Segoe UI" panose="020B0502040204020203" pitchFamily="34" charset="0"/>
-              </a:rPr>
-              <a:t>Model </a:t>
-            </a:r>
-            <a:r>
-              <a:rPr kumimoji="0" lang="en-US" altLang="en-US" b="1" i="0" u="none" strike="noStrike" cap="none" normalizeH="0" baseline="0" dirty="0" err="1" smtClean="0">
-                <a:ln>
-                  <a:noFill/>
-                </a:ln>
-                <a:solidFill>
-                  <a:schemeClr val="tx1"/>
-                </a:solidFill>
-                <a:effectLst/>
-                <a:latin typeface="Segoe UI" panose="020B0502040204020203" pitchFamily="34" charset="0"/>
-                <a:cs typeface="Segoe UI" panose="020B0502040204020203" pitchFamily="34" charset="0"/>
-              </a:rPr>
-              <a:t>FactSales</a:t>
-            </a:r>
-            <a:r>
-              <a:rPr kumimoji="0" lang="en-US" altLang="en-US" b="0" i="0" u="none" strike="noStrike" cap="none" normalizeH="0" baseline="0" dirty="0" smtClean="0">
-                <a:ln>
-                  <a:noFill/>
-                </a:ln>
-                <a:solidFill>
-                  <a:schemeClr val="tx1"/>
-                </a:solidFill>
-                <a:effectLst/>
-                <a:latin typeface="Segoe UI" panose="020B0502040204020203" pitchFamily="34" charset="0"/>
-                <a:cs typeface="Segoe UI" panose="020B0502040204020203" pitchFamily="34" charset="0"/>
-              </a:rPr>
-              <a:t> connected directly to:</a:t>
-            </a:r>
-          </a:p>
-          <a:p>
-            <a:pPr marL="457200" marR="0" lvl="1" indent="0" algn="l" defTabSz="914400" rtl="0" eaLnBrk="0" fontAlgn="base" latinLnBrk="0" hangingPunct="0">
-              <a:lnSpc>
-                <a:spcPct val="100000"/>
-              </a:lnSpc>
-              <a:spcBef>
-                <a:spcPct val="0"/>
-              </a:spcBef>
-              <a:spcAft>
-                <a:spcPct val="0"/>
-              </a:spcAft>
-              <a:buClrTx/>
-              <a:buSzTx/>
-              <a:tabLst/>
-            </a:pPr>
-            <a:r>
-              <a:rPr kumimoji="0" lang="en-US" altLang="en-US" b="1" i="0" u="none" strike="noStrike" cap="none" normalizeH="0" baseline="0" dirty="0" err="1" smtClean="0">
-                <a:ln>
-                  <a:noFill/>
-                </a:ln>
-                <a:solidFill>
-                  <a:schemeClr val="tx1"/>
-                </a:solidFill>
-                <a:effectLst/>
-                <a:latin typeface="Segoe UI" panose="020B0502040204020203" pitchFamily="34" charset="0"/>
-                <a:cs typeface="Segoe UI" panose="020B0502040204020203" pitchFamily="34" charset="0"/>
-              </a:rPr>
-              <a:t>DimProduct</a:t>
-            </a:r>
-            <a:endParaRPr kumimoji="0" lang="en-US" altLang="en-US" b="0" i="0" u="none" strike="noStrike" cap="none" normalizeH="0" baseline="0" dirty="0" smtClean="0">
-              <a:ln>
-                <a:noFill/>
-              </a:ln>
-              <a:solidFill>
-                <a:schemeClr val="tx1"/>
-              </a:solidFill>
-              <a:effectLst/>
-              <a:latin typeface="Segoe UI" panose="020B0502040204020203" pitchFamily="34" charset="0"/>
-              <a:cs typeface="Segoe UI" panose="020B0502040204020203" pitchFamily="34" charset="0"/>
-            </a:endParaRPr>
-          </a:p>
-          <a:p>
-            <a:pPr marL="457200" marR="0" lvl="1" indent="0" algn="l" defTabSz="914400" rtl="0" eaLnBrk="0" fontAlgn="base" latinLnBrk="0" hangingPunct="0">
-              <a:lnSpc>
-                <a:spcPct val="100000"/>
-              </a:lnSpc>
-              <a:spcBef>
-                <a:spcPct val="0"/>
-              </a:spcBef>
-              <a:spcAft>
-                <a:spcPct val="0"/>
-              </a:spcAft>
-              <a:buClrTx/>
-              <a:buSzTx/>
-              <a:tabLst/>
-            </a:pPr>
-            <a:r>
-              <a:rPr kumimoji="0" lang="en-US" altLang="en-US" b="1" i="0" u="none" strike="noStrike" cap="none" normalizeH="0" baseline="0" dirty="0" err="1" smtClean="0">
-                <a:ln>
-                  <a:noFill/>
-                </a:ln>
-                <a:solidFill>
-                  <a:schemeClr val="tx1"/>
-                </a:solidFill>
-                <a:effectLst/>
-                <a:latin typeface="Segoe UI" panose="020B0502040204020203" pitchFamily="34" charset="0"/>
-                <a:cs typeface="Segoe UI" panose="020B0502040204020203" pitchFamily="34" charset="0"/>
-              </a:rPr>
-              <a:t>DimCustomer</a:t>
-            </a:r>
-            <a:endParaRPr kumimoji="0" lang="en-US" altLang="en-US" b="0" i="0" u="none" strike="noStrike" cap="none" normalizeH="0" baseline="0" dirty="0" smtClean="0">
-              <a:ln>
-                <a:noFill/>
-              </a:ln>
-              <a:solidFill>
-                <a:schemeClr val="tx1"/>
-              </a:solidFill>
-              <a:effectLst/>
-              <a:latin typeface="Segoe UI" panose="020B0502040204020203" pitchFamily="34" charset="0"/>
-              <a:cs typeface="Segoe UI" panose="020B0502040204020203" pitchFamily="34" charset="0"/>
-            </a:endParaRPr>
-          </a:p>
-          <a:p>
-            <a:pPr marL="457200" marR="0" lvl="1" indent="0" algn="l" defTabSz="914400" rtl="0" eaLnBrk="0" fontAlgn="base" latinLnBrk="0" hangingPunct="0">
-              <a:lnSpc>
-                <a:spcPct val="100000"/>
-              </a:lnSpc>
-              <a:spcBef>
-                <a:spcPct val="0"/>
-              </a:spcBef>
-              <a:spcAft>
-                <a:spcPct val="0"/>
-              </a:spcAft>
-              <a:buClrTx/>
-              <a:buSzTx/>
-              <a:tabLst/>
-            </a:pPr>
-            <a:r>
-              <a:rPr kumimoji="0" lang="en-US" altLang="en-US" b="1" i="0" u="none" strike="noStrike" cap="none" normalizeH="0" baseline="0" dirty="0" err="1" smtClean="0">
-                <a:ln>
-                  <a:noFill/>
-                </a:ln>
-                <a:solidFill>
-                  <a:schemeClr val="tx1"/>
-                </a:solidFill>
-                <a:effectLst/>
-                <a:latin typeface="Segoe UI" panose="020B0502040204020203" pitchFamily="34" charset="0"/>
-                <a:cs typeface="Segoe UI" panose="020B0502040204020203" pitchFamily="34" charset="0"/>
-              </a:rPr>
-              <a:t>DimDate</a:t>
-            </a:r>
-            <a:endParaRPr kumimoji="0" lang="en-US" altLang="en-US" b="1" i="0" u="none" strike="noStrike" cap="none" normalizeH="0" baseline="0" dirty="0" smtClean="0">
-              <a:ln>
-                <a:noFill/>
-              </a:ln>
-              <a:solidFill>
-                <a:schemeClr val="tx1"/>
-              </a:solidFill>
-              <a:effectLst/>
-              <a:latin typeface="Segoe UI" panose="020B0502040204020203" pitchFamily="34" charset="0"/>
-              <a:cs typeface="Segoe UI" panose="020B0502040204020203" pitchFamily="34" charset="0"/>
-            </a:endParaRPr>
-          </a:p>
-          <a:p>
-            <a:pPr marL="457200" marR="0" lvl="1" indent="0" algn="l" defTabSz="914400" rtl="0" eaLnBrk="0" fontAlgn="base" latinLnBrk="0" hangingPunct="0">
-              <a:lnSpc>
-                <a:spcPct val="100000"/>
-              </a:lnSpc>
-              <a:spcBef>
-                <a:spcPct val="0"/>
-              </a:spcBef>
-              <a:spcAft>
-                <a:spcPct val="0"/>
-              </a:spcAft>
-              <a:buClrTx/>
-              <a:buSzTx/>
-              <a:buFontTx/>
-              <a:buChar char="•"/>
-              <a:tabLst/>
-            </a:pPr>
-            <a:endParaRPr kumimoji="0" lang="en-US" altLang="en-US" b="0" i="0" u="none" strike="noStrike" cap="none" normalizeH="0" baseline="0" dirty="0" smtClean="0">
-              <a:ln>
-                <a:noFill/>
-              </a:ln>
-              <a:solidFill>
-                <a:schemeClr val="tx1"/>
-              </a:solidFill>
-              <a:effectLst/>
-              <a:latin typeface="Segoe UI" panose="020B0502040204020203" pitchFamily="34" charset="0"/>
-              <a:cs typeface="Segoe UI" panose="020B0502040204020203" pitchFamily="34" charset="0"/>
-            </a:endParaRPr>
-          </a:p>
-          <a:p>
-            <a:pPr marL="0" marR="0" lvl="0" indent="0" algn="l" defTabSz="914400" rtl="0" eaLnBrk="0" fontAlgn="base" latinLnBrk="0" hangingPunct="0">
-              <a:lnSpc>
-                <a:spcPct val="100000"/>
-              </a:lnSpc>
-              <a:spcBef>
-                <a:spcPct val="0"/>
-              </a:spcBef>
-              <a:spcAft>
-                <a:spcPct val="0"/>
-              </a:spcAft>
-              <a:buClrTx/>
-              <a:buSzTx/>
-              <a:tabLst/>
-            </a:pPr>
-            <a:r>
-              <a:rPr kumimoji="0" lang="en-US" altLang="en-US" b="0" i="0" u="none" strike="noStrike" cap="none" normalizeH="0" baseline="0" dirty="0" smtClean="0">
-                <a:ln>
-                  <a:noFill/>
-                </a:ln>
-                <a:solidFill>
-                  <a:schemeClr val="tx1"/>
-                </a:solidFill>
-                <a:effectLst/>
-                <a:latin typeface="Segoe UI" panose="020B0502040204020203" pitchFamily="34" charset="0"/>
-                <a:cs typeface="Segoe UI" panose="020B0502040204020203" pitchFamily="34" charset="0"/>
-              </a:rPr>
-              <a:t>Ensure all dimension tables are deformalized (e.g., </a:t>
-            </a:r>
-            <a:r>
-              <a:rPr kumimoji="0" lang="en-US" altLang="en-US" b="1" i="0" u="none" strike="noStrike" cap="none" normalizeH="0" baseline="0" dirty="0" err="1" smtClean="0">
-                <a:ln>
-                  <a:noFill/>
-                </a:ln>
-                <a:solidFill>
-                  <a:schemeClr val="tx1"/>
-                </a:solidFill>
-                <a:effectLst/>
-                <a:latin typeface="Segoe UI" panose="020B0502040204020203" pitchFamily="34" charset="0"/>
-                <a:cs typeface="Segoe UI" panose="020B0502040204020203" pitchFamily="34" charset="0"/>
-              </a:rPr>
-              <a:t>DimProduct</a:t>
-            </a:r>
-            <a:r>
-              <a:rPr kumimoji="0" lang="en-US" altLang="en-US" b="0" i="0" u="none" strike="noStrike" cap="none" normalizeH="0" baseline="0" dirty="0" smtClean="0">
-                <a:ln>
-                  <a:noFill/>
-                </a:ln>
-                <a:solidFill>
-                  <a:schemeClr val="tx1"/>
-                </a:solidFill>
-                <a:effectLst/>
-                <a:latin typeface="Segoe UI" panose="020B0502040204020203" pitchFamily="34" charset="0"/>
-                <a:cs typeface="Segoe UI" panose="020B0502040204020203" pitchFamily="34" charset="0"/>
-              </a:rPr>
-              <a:t> includes both </a:t>
-            </a:r>
-            <a:r>
-              <a:rPr kumimoji="0" lang="en-US" altLang="en-US" b="1" i="0" u="none" strike="noStrike" cap="none" normalizeH="0" baseline="0" dirty="0" err="1" smtClean="0">
-                <a:ln>
-                  <a:noFill/>
-                </a:ln>
-                <a:solidFill>
-                  <a:schemeClr val="tx1"/>
-                </a:solidFill>
-                <a:effectLst/>
-                <a:latin typeface="Segoe UI" panose="020B0502040204020203" pitchFamily="34" charset="0"/>
-                <a:cs typeface="Segoe UI" panose="020B0502040204020203" pitchFamily="34" charset="0"/>
-              </a:rPr>
-              <a:t>DimCategory</a:t>
-            </a:r>
-            <a:r>
-              <a:rPr kumimoji="0" lang="en-US" altLang="en-US" b="0" i="0" u="none" strike="noStrike" cap="none" normalizeH="0" baseline="0" dirty="0" smtClean="0">
-                <a:ln>
-                  <a:noFill/>
-                </a:ln>
-                <a:solidFill>
-                  <a:schemeClr val="tx1"/>
-                </a:solidFill>
-                <a:effectLst/>
-                <a:latin typeface="Segoe UI" panose="020B0502040204020203" pitchFamily="34" charset="0"/>
-                <a:cs typeface="Segoe UI" panose="020B0502040204020203" pitchFamily="34" charset="0"/>
-              </a:rPr>
+            <a:r xmlns:a="http://schemas.openxmlformats.org/drawingml/2006/main">
+              <a:rPr lang="en" sz="2000" dirty="0" smtClean="0"/>
+              <a:t>De-normalize </a:t>
+            </a:r>
+            <a:r xmlns:a="http://schemas.openxmlformats.org/drawingml/2006/main">
+              <a:rPr lang="en" sz="2000" dirty="0"/>
+              <a:t>all dimension tables (eg. </a:t>
+            </a:r>
+            <a:r xmlns:a="http://schemas.openxmlformats.org/drawingml/2006/main">
+              <a:rPr lang="en" sz="2000" b="1" dirty="0" err="1"/>
+              <a:t>DimProduct </a:t>
+            </a:r>
+            <a:r xmlns:a="http://schemas.openxmlformats.org/drawingml/2006/main">
+              <a:rPr lang="en" sz="2000" dirty="0"/>
+              <a:t>must include </a:t>
+            </a:r>
+            <a:r xmlns:a="http://schemas.openxmlformats.org/drawingml/2006/main">
+              <a:rPr lang="en" sz="2000" b="1" dirty="0" err="1"/>
+              <a:t>DimCategory </a:t>
+            </a:r>
+            <a:r xmlns:a="http://schemas.openxmlformats.org/drawingml/2006/main">
+              <a:rPr lang="en" sz="2000" dirty="0"/>
               <a:t>).</a:t>
             </a:r>
-          </a:p>
-          <a:p>
-            <a:pPr marL="0" marR="0" lvl="0" indent="0" algn="l" defTabSz="914400" rtl="0" eaLnBrk="0" fontAlgn="base" latinLnBrk="0" hangingPunct="0">
-              <a:lnSpc>
-                <a:spcPct val="100000"/>
-              </a:lnSpc>
-              <a:spcBef>
-                <a:spcPct val="0"/>
-              </a:spcBef>
-              <a:spcAft>
-                <a:spcPct val="0"/>
-              </a:spcAft>
-              <a:buClrTx/>
-              <a:buSzTx/>
-              <a:buFontTx/>
-              <a:buNone/>
-              <a:tabLst/>
-            </a:pPr>
-            <a:endParaRPr kumimoji="0" lang="en-US" altLang="en-US" b="0" i="0" u="none" strike="noStrike" cap="none" normalizeH="0" baseline="0" dirty="0" smtClean="0">
-              <a:ln>
-                <a:noFill/>
-              </a:ln>
-              <a:solidFill>
-                <a:schemeClr val="tx1"/>
-              </a:solidFill>
-              <a:effectLst/>
-              <a:latin typeface="Segoe UI" panose="020B0502040204020203" pitchFamily="34" charset="0"/>
-              <a:cs typeface="Segoe UI" panose="020B0502040204020203" pitchFamily="34" charset="0"/>
-            </a:endParaRPr>
+            <a:endParaRPr xmlns:a="http://schemas.openxmlformats.org/drawingml/2006/main" lang="en-US" sz="2000" dirty="0"/>
           </a:p>
         </p:txBody>
       </p:sp>
@@ -5614,188 +5141,6 @@
           <a:chExt cx="0" cy="0"/>
         </a:xfrm>
       </p:grpSpPr>
-      <p:sp>
-        <p:nvSpPr>
-          <p:cNvPr id="2" name="TextBox 1"/>
-          <p:cNvSpPr txBox="1"/>
-          <p:nvPr/>
-        </p:nvSpPr>
-        <p:spPr>
-          <a:xfrm>
-            <a:off x="288758" y="275007"/>
-            <a:ext cx="2613023" cy="400110"/>
-          </a:xfrm>
-          <a:prstGeom prst="rect">
-            <a:avLst/>
-          </a:prstGeom>
-          <a:noFill/>
-        </p:spPr>
-        <p:txBody>
-          <a:bodyPr wrap="none" rtlCol="0">
-            <a:spAutoFit/>
-          </a:bodyPr>
-          <a:lstStyle/>
-          <a:p>
-            <a:r>
-              <a:rPr lang="fr-FR" sz="2000" dirty="0" smtClean="0">
-                <a:latin typeface="Segoe UI" panose="020B0502040204020203" pitchFamily="34" charset="0"/>
-                <a:cs typeface="Segoe UI" panose="020B0502040204020203" pitchFamily="34" charset="0"/>
-              </a:rPr>
-              <a:t>Manage Relationship</a:t>
-            </a:r>
-            <a:endParaRPr lang="en-US" sz="2000" dirty="0">
-              <a:latin typeface="Segoe UI" panose="020B0502040204020203" pitchFamily="34" charset="0"/>
-              <a:cs typeface="Segoe UI" panose="020B0502040204020203" pitchFamily="34" charset="0"/>
-            </a:endParaRPr>
-          </a:p>
-        </p:txBody>
-      </p:sp>
-      <p:sp>
-        <p:nvSpPr>
-          <p:cNvPr id="3" name="Rectangle 1"/>
-          <p:cNvSpPr>
-            <a:spLocks noChangeArrowheads="1"/>
-          </p:cNvSpPr>
-          <p:nvPr/>
-        </p:nvSpPr>
-        <p:spPr bwMode="auto">
-          <a:xfrm>
-            <a:off x="288758" y="782349"/>
-            <a:ext cx="9667390" cy="369332"/>
-          </a:xfrm>
-          <a:prstGeom prst="rect">
-            <a:avLst/>
-          </a:prstGeom>
-          <a:noFill/>
-          <a:ln>
-            <a:noFill/>
-          </a:ln>
-          <a:effectLst/>
-          <a:extLst>
-            <a:ext uri="{909E8E84-426E-40DD-AFC4-6F175D3DCCD1}">
-              <a14:hiddenFill xmlns:a14="http://schemas.microsoft.com/office/drawing/2010/main">
-                <a:solidFill>
-                  <a:schemeClr val="accent1"/>
-                </a:solidFill>
-              </a14:hiddenFill>
-            </a:ext>
-            <a:ext uri="{91240B29-F687-4F45-9708-019B960494DF}">
-              <a14:hiddenLine xmlns:a14="http://schemas.microsoft.com/office/drawing/2010/main" w="9525">
-                <a:solidFill>
-                  <a:schemeClr val="tx1"/>
-                </a:solidFill>
-                <a:miter lim="800000"/>
-                <a:headEnd/>
-                <a:tailEnd/>
-              </a14:hiddenLine>
-            </a:ext>
-            <a:ext uri="{AF507438-7753-43E0-B8FC-AC1667EBCBE1}">
-              <a14:hiddenEffects xmlns:a14="http://schemas.microsoft.com/office/drawing/2010/main">
-                <a:effectLst>
-                  <a:outerShdw dist="35921" dir="2700000" algn="ctr" rotWithShape="0">
-                    <a:schemeClr val="bg2"/>
-                  </a:outerShdw>
-                </a:effectLst>
-              </a14:hiddenEffects>
-            </a:ext>
-          </a:extLst>
-        </p:spPr>
-        <p:txBody>
-          <a:bodyPr vert="horz" wrap="none" lIns="91440" tIns="45720" rIns="91440" bIns="45720" numCol="1" anchor="ctr" anchorCtr="0" compatLnSpc="1">
-            <a:prstTxWarp prst="textNoShape">
-              <a:avLst/>
-            </a:prstTxWarp>
-            <a:spAutoFit/>
-          </a:bodyPr>
-          <a:lstStyle/>
-          <a:p>
-            <a:pPr marL="0" marR="0" lvl="0" indent="0" algn="l" defTabSz="914400" rtl="0" eaLnBrk="0" fontAlgn="base" latinLnBrk="0" hangingPunct="0">
-              <a:lnSpc>
-                <a:spcPct val="100000"/>
-              </a:lnSpc>
-              <a:spcBef>
-                <a:spcPct val="0"/>
-              </a:spcBef>
-              <a:spcAft>
-                <a:spcPct val="0"/>
-              </a:spcAft>
-              <a:buClrTx/>
-              <a:buSzTx/>
-              <a:tabLst/>
-            </a:pPr>
-            <a:r>
-              <a:rPr kumimoji="0" lang="en-US" altLang="en-US" b="0" i="0" u="none" strike="noStrike" cap="none" normalizeH="0" baseline="0" dirty="0" smtClean="0">
-                <a:ln>
-                  <a:noFill/>
-                </a:ln>
-                <a:solidFill>
-                  <a:schemeClr val="tx1"/>
-                </a:solidFill>
-                <a:effectLst/>
-                <a:latin typeface="Segoe UI" panose="020B0502040204020203" pitchFamily="34" charset="0"/>
-                <a:cs typeface="Segoe UI" panose="020B0502040204020203" pitchFamily="34" charset="0"/>
-              </a:rPr>
-              <a:t>Ensure all dimension tables are deformalized (e.g., </a:t>
-            </a:r>
-            <a:r>
-              <a:rPr kumimoji="0" lang="en-US" altLang="en-US" b="1" i="0" u="none" strike="noStrike" cap="none" normalizeH="0" baseline="0" dirty="0" err="1" smtClean="0">
-                <a:ln>
-                  <a:noFill/>
-                </a:ln>
-                <a:solidFill>
-                  <a:schemeClr val="tx1"/>
-                </a:solidFill>
-                <a:effectLst/>
-                <a:latin typeface="Segoe UI" panose="020B0502040204020203" pitchFamily="34" charset="0"/>
-                <a:cs typeface="Segoe UI" panose="020B0502040204020203" pitchFamily="34" charset="0"/>
-              </a:rPr>
-              <a:t>DimProduct</a:t>
-            </a:r>
-            <a:r>
-              <a:rPr kumimoji="0" lang="en-US" altLang="en-US" b="0" i="0" u="none" strike="noStrike" cap="none" normalizeH="0" baseline="0" dirty="0" smtClean="0">
-                <a:ln>
-                  <a:noFill/>
-                </a:ln>
-                <a:solidFill>
-                  <a:schemeClr val="tx1"/>
-                </a:solidFill>
-                <a:effectLst/>
-                <a:latin typeface="Segoe UI" panose="020B0502040204020203" pitchFamily="34" charset="0"/>
-                <a:cs typeface="Segoe UI" panose="020B0502040204020203" pitchFamily="34" charset="0"/>
-              </a:rPr>
-              <a:t> includes both </a:t>
-            </a:r>
-            <a:r>
-              <a:rPr kumimoji="0" lang="en-US" altLang="en-US" b="1" i="0" u="none" strike="noStrike" cap="none" normalizeH="0" baseline="0" dirty="0" err="1" smtClean="0">
-                <a:ln>
-                  <a:noFill/>
-                </a:ln>
-                <a:solidFill>
-                  <a:schemeClr val="tx1"/>
-                </a:solidFill>
-                <a:effectLst/>
-                <a:latin typeface="Segoe UI" panose="020B0502040204020203" pitchFamily="34" charset="0"/>
-                <a:cs typeface="Segoe UI" panose="020B0502040204020203" pitchFamily="34" charset="0"/>
-              </a:rPr>
-              <a:t>DimCategory</a:t>
-            </a:r>
-            <a:r>
-              <a:rPr kumimoji="0" lang="en-US" altLang="en-US" b="0" i="0" u="none" strike="noStrike" cap="none" normalizeH="0" baseline="0" dirty="0" smtClean="0">
-                <a:ln>
-                  <a:noFill/>
-                </a:ln>
-                <a:solidFill>
-                  <a:schemeClr val="tx1"/>
-                </a:solidFill>
-                <a:effectLst/>
-                <a:latin typeface="Segoe UI" panose="020B0502040204020203" pitchFamily="34" charset="0"/>
-                <a:cs typeface="Segoe UI" panose="020B0502040204020203" pitchFamily="34" charset="0"/>
-              </a:rPr>
-              <a:t>).</a:t>
-            </a:r>
-          </a:p>
-        </p:txBody>
-      </p:sp>
       <p:pic>
         <p:nvPicPr>
           <p:cNvPr id="4" name="Picture 3"/>
@@ -6009,6 +5354,91 @@
           <a:p>
             <a:pPr algn="ctr"/>
             <a:endParaRPr lang="en-US"/>
+          </a:p>
+        </p:txBody>
+      </p:sp>
+      <p:sp>
+        <p:nvSpPr>
+          <p:cNvPr id="12" name="TextBox 11"/>
+          <p:cNvSpPr txBox="1"/>
+          <p:nvPr/>
+        </p:nvSpPr>
+        <p:spPr>
+          <a:xfrm>
+            <a:off x="288758" y="275007"/>
+            <a:ext cx="3824637" cy="400110"/>
+          </a:xfrm>
+          <a:prstGeom prst="rect">
+            <a:avLst/>
+          </a:prstGeom>
+          <a:noFill/>
+        </p:spPr>
+        <p:txBody>
+          <a:bodyPr wrap="none" rtlCol="0">
+            <a:spAutoFit/>
+          </a:bodyPr>
+          <a:lstStyle/>
+          <a:p>
+            <a:r xmlns:a="http://schemas.openxmlformats.org/drawingml/2006/main">
+              <a:rPr lang="en" sz="2000" b="1" dirty="0" smtClean="0">
+                <a:latin typeface="Segoe UI" panose="020B0502040204020203" pitchFamily="34" charset="0"/>
+                <a:cs typeface="Segoe UI" panose="020B0502040204020203" pitchFamily="34" charset="0"/>
+              </a:rPr>
+              <a:t>Create and organize diagrams</a:t>
+            </a:r>
+            <a:endParaRPr xmlns:a="http://schemas.openxmlformats.org/drawingml/2006/main" lang="en-US" sz="2000" b="1" dirty="0">
+              <a:latin typeface="Segoe UI" panose="020B0502040204020203" pitchFamily="34" charset="0"/>
+              <a:cs typeface="Segoe UI" panose="020B0502040204020203" pitchFamily="34" charset="0"/>
+            </a:endParaRPr>
+          </a:p>
+        </p:txBody>
+      </p:sp>
+      <p:sp>
+        <p:nvSpPr>
+          <p:cNvPr id="13" name="Rectangle 12"/>
+          <p:cNvSpPr/>
+          <p:nvPr/>
+        </p:nvSpPr>
+        <p:spPr>
+          <a:xfrm>
+            <a:off x="288758" y="794424"/>
+            <a:ext cx="9834486" cy="400110"/>
+          </a:xfrm>
+          <a:prstGeom prst="rect">
+            <a:avLst/>
+          </a:prstGeom>
+        </p:spPr>
+        <p:txBody>
+          <a:bodyPr wrap="square">
+            <a:spAutoFit/>
+          </a:bodyPr>
+          <a:lstStyle/>
+          <a:p>
+            <a:r xmlns:a="http://schemas.openxmlformats.org/drawingml/2006/main">
+              <a:rPr lang="en" sz="2000" dirty="0" smtClean="0"/>
+              <a:t>De-normalize </a:t>
+            </a:r>
+            <a:r xmlns:a="http://schemas.openxmlformats.org/drawingml/2006/main">
+              <a:rPr lang="en" sz="2000" dirty="0"/>
+              <a:t>all dimension tables (eg. </a:t>
+            </a:r>
+            <a:r xmlns:a="http://schemas.openxmlformats.org/drawingml/2006/main">
+              <a:rPr lang="en" sz="2000" b="1" dirty="0" err="1"/>
+              <a:t>DimProduct </a:t>
+            </a:r>
+            <a:r xmlns:a="http://schemas.openxmlformats.org/drawingml/2006/main">
+              <a:rPr lang="en" sz="2000" dirty="0"/>
+              <a:t>must include </a:t>
+            </a:r>
+            <a:r xmlns:a="http://schemas.openxmlformats.org/drawingml/2006/main">
+              <a:rPr lang="en" sz="2000" b="1" dirty="0" err="1"/>
+              <a:t>DimCategory </a:t>
+            </a:r>
+            <a:r xmlns:a="http://schemas.openxmlformats.org/drawingml/2006/main">
+              <a:rPr lang="en" sz="2000" dirty="0"/>
+              <a:t>).</a:t>
+            </a:r>
+            <a:endParaRPr xmlns:a="http://schemas.openxmlformats.org/drawingml/2006/main" lang="en-US" sz="2000" dirty="0"/>
           </a:p>
         </p:txBody>
       </p:sp>
@@ -6042,213 +5472,6 @@
           <a:chExt cx="0" cy="0"/>
         </a:xfrm>
       </p:grpSpPr>
-      <p:sp>
-        <p:nvSpPr>
-          <p:cNvPr id="2" name="TextBox 1"/>
-          <p:cNvSpPr txBox="1"/>
-          <p:nvPr/>
-        </p:nvSpPr>
-        <p:spPr>
-          <a:xfrm>
-            <a:off x="288758" y="275007"/>
-            <a:ext cx="2613023" cy="400110"/>
-          </a:xfrm>
-          <a:prstGeom prst="rect">
-            <a:avLst/>
-          </a:prstGeom>
-          <a:noFill/>
-        </p:spPr>
-        <p:txBody>
-          <a:bodyPr wrap="none" rtlCol="0">
-            <a:spAutoFit/>
-          </a:bodyPr>
-          <a:lstStyle/>
-          <a:p>
-            <a:r>
-              <a:rPr lang="fr-FR" sz="2000" dirty="0" smtClean="0">
-                <a:latin typeface="Segoe UI" panose="020B0502040204020203" pitchFamily="34" charset="0"/>
-                <a:cs typeface="Segoe UI" panose="020B0502040204020203" pitchFamily="34" charset="0"/>
-              </a:rPr>
-              <a:t>Manage Relationship</a:t>
-            </a:r>
-            <a:endParaRPr lang="en-US" sz="2000" dirty="0">
-              <a:latin typeface="Segoe UI" panose="020B0502040204020203" pitchFamily="34" charset="0"/>
-              <a:cs typeface="Segoe UI" panose="020B0502040204020203" pitchFamily="34" charset="0"/>
-            </a:endParaRPr>
-          </a:p>
-        </p:txBody>
-      </p:sp>
-      <p:sp>
-        <p:nvSpPr>
-          <p:cNvPr id="3" name="Rectangle 1"/>
-          <p:cNvSpPr>
-            <a:spLocks noChangeArrowheads="1"/>
-          </p:cNvSpPr>
-          <p:nvPr/>
-        </p:nvSpPr>
-        <p:spPr bwMode="auto">
-          <a:xfrm>
-            <a:off x="288758" y="782349"/>
-            <a:ext cx="8778813" cy="369332"/>
-          </a:xfrm>
-          <a:prstGeom prst="rect">
-            <a:avLst/>
-          </a:prstGeom>
-          <a:noFill/>
-          <a:ln>
-            <a:noFill/>
-          </a:ln>
-          <a:effectLst/>
-          <a:extLst>
-            <a:ext uri="{909E8E84-426E-40DD-AFC4-6F175D3DCCD1}">
-              <a14:hiddenFill xmlns:a14="http://schemas.microsoft.com/office/drawing/2010/main">
-                <a:solidFill>
-                  <a:schemeClr val="accent1"/>
-                </a:solidFill>
-              </a14:hiddenFill>
-            </a:ext>
-            <a:ext uri="{91240B29-F687-4F45-9708-019B960494DF}">
-              <a14:hiddenLine xmlns:a14="http://schemas.microsoft.com/office/drawing/2010/main" w="9525">
-                <a:solidFill>
-                  <a:schemeClr val="tx1"/>
-                </a:solidFill>
-                <a:miter lim="800000"/>
-                <a:headEnd/>
-                <a:tailEnd/>
-              </a14:hiddenLine>
-            </a:ext>
-            <a:ext uri="{AF507438-7753-43E0-B8FC-AC1667EBCBE1}">
-              <a14:hiddenEffects xmlns:a14="http://schemas.microsoft.com/office/drawing/2010/main">
-                <a:effectLst>
-                  <a:outerShdw dist="35921" dir="2700000" algn="ctr" rotWithShape="0">
-                    <a:schemeClr val="bg2"/>
-                  </a:outerShdw>
-                </a:effectLst>
-              </a14:hiddenEffects>
-            </a:ext>
-          </a:extLst>
-        </p:spPr>
-        <p:txBody>
-          <a:bodyPr vert="horz" wrap="none" lIns="91440" tIns="45720" rIns="91440" bIns="45720" numCol="1" anchor="ctr" anchorCtr="0" compatLnSpc="1">
-            <a:prstTxWarp prst="textNoShape">
-              <a:avLst/>
-            </a:prstTxWarp>
-            <a:spAutoFit/>
-          </a:bodyPr>
-          <a:lstStyle/>
-          <a:p>
-            <a:pPr marL="0" marR="0" lvl="0" indent="0" algn="l" defTabSz="914400" rtl="0" eaLnBrk="0" fontAlgn="base" latinLnBrk="0" hangingPunct="0">
-              <a:lnSpc>
-                <a:spcPct val="100000"/>
-              </a:lnSpc>
-              <a:spcBef>
-                <a:spcPct val="0"/>
-              </a:spcBef>
-              <a:spcAft>
-                <a:spcPct val="0"/>
-              </a:spcAft>
-              <a:buClrTx/>
-              <a:buSzTx/>
-              <a:tabLst/>
-            </a:pPr>
-            <a:r>
-              <a:rPr lang="fr-FR" altLang="en-US" dirty="0" smtClean="0">
-                <a:latin typeface="Segoe UI" panose="020B0502040204020203" pitchFamily="34" charset="0"/>
-                <a:cs typeface="Segoe UI" panose="020B0502040204020203" pitchFamily="34" charset="0"/>
-              </a:rPr>
-              <a:t>Select </a:t>
-            </a:r>
-            <a:r>
-              <a:rPr lang="fr-FR" altLang="en-US" b="1" dirty="0" err="1" smtClean="0">
-                <a:latin typeface="Segoe UI" panose="020B0502040204020203" pitchFamily="34" charset="0"/>
-                <a:cs typeface="Segoe UI" panose="020B0502040204020203" pitchFamily="34" charset="0"/>
-              </a:rPr>
-              <a:t>CategoryName</a:t>
-            </a:r>
-            <a:r>
-              <a:rPr lang="fr-FR" altLang="en-US" dirty="0" smtClean="0">
-                <a:latin typeface="Segoe UI" panose="020B0502040204020203" pitchFamily="34" charset="0"/>
-                <a:cs typeface="Segoe UI" panose="020B0502040204020203" pitchFamily="34" charset="0"/>
-              </a:rPr>
-              <a:t> </a:t>
-            </a:r>
-            <a:r>
-              <a:rPr lang="fr-FR" altLang="en-US" dirty="0" err="1" smtClean="0">
-                <a:latin typeface="Segoe UI" panose="020B0502040204020203" pitchFamily="34" charset="0"/>
-                <a:cs typeface="Segoe UI" panose="020B0502040204020203" pitchFamily="34" charset="0"/>
-              </a:rPr>
-              <a:t>from</a:t>
-            </a:r>
-            <a:r>
-              <a:rPr lang="fr-FR" altLang="en-US" dirty="0" smtClean="0">
-                <a:latin typeface="Segoe UI" panose="020B0502040204020203" pitchFamily="34" charset="0"/>
-                <a:cs typeface="Segoe UI" panose="020B0502040204020203" pitchFamily="34" charset="0"/>
-              </a:rPr>
-              <a:t> </a:t>
-            </a:r>
-            <a:r>
-              <a:rPr lang="fr-FR" altLang="en-US" b="1" dirty="0" err="1" smtClean="0">
-                <a:latin typeface="Segoe UI" panose="020B0502040204020203" pitchFamily="34" charset="0"/>
-                <a:cs typeface="Segoe UI" panose="020B0502040204020203" pitchFamily="34" charset="0"/>
-              </a:rPr>
-              <a:t>DimCategory</a:t>
-            </a:r>
-            <a:r>
-              <a:rPr lang="fr-FR" altLang="en-US" dirty="0" smtClean="0">
-                <a:latin typeface="Segoe UI" panose="020B0502040204020203" pitchFamily="34" charset="0"/>
-                <a:cs typeface="Segoe UI" panose="020B0502040204020203" pitchFamily="34" charset="0"/>
-              </a:rPr>
-              <a:t> and </a:t>
-            </a:r>
-            <a:r>
-              <a:rPr lang="fr-FR" altLang="en-US" b="1" dirty="0" err="1" smtClean="0">
-                <a:latin typeface="Segoe UI" panose="020B0502040204020203" pitchFamily="34" charset="0"/>
-                <a:cs typeface="Segoe UI" panose="020B0502040204020203" pitchFamily="34" charset="0"/>
-              </a:rPr>
-              <a:t>CategoryColumn</a:t>
-            </a:r>
-            <a:r>
-              <a:rPr lang="fr-FR" altLang="en-US" dirty="0" smtClean="0">
-                <a:latin typeface="Segoe UI" panose="020B0502040204020203" pitchFamily="34" charset="0"/>
-                <a:cs typeface="Segoe UI" panose="020B0502040204020203" pitchFamily="34" charset="0"/>
-              </a:rPr>
-              <a:t> </a:t>
-            </a:r>
-            <a:r>
-              <a:rPr lang="fr-FR" altLang="en-US" dirty="0" err="1" smtClean="0">
-                <a:latin typeface="Segoe UI" panose="020B0502040204020203" pitchFamily="34" charset="0"/>
-                <a:cs typeface="Segoe UI" panose="020B0502040204020203" pitchFamily="34" charset="0"/>
-              </a:rPr>
-              <a:t>from</a:t>
-            </a:r>
-            <a:r>
-              <a:rPr lang="fr-FR" altLang="en-US" dirty="0" smtClean="0">
-                <a:latin typeface="Segoe UI" panose="020B0502040204020203" pitchFamily="34" charset="0"/>
-                <a:cs typeface="Segoe UI" panose="020B0502040204020203" pitchFamily="34" charset="0"/>
-              </a:rPr>
-              <a:t> </a:t>
-            </a:r>
-            <a:r>
-              <a:rPr lang="fr-FR" altLang="en-US" b="1" dirty="0" err="1" smtClean="0">
-                <a:latin typeface="Segoe UI" panose="020B0502040204020203" pitchFamily="34" charset="0"/>
-                <a:cs typeface="Segoe UI" panose="020B0502040204020203" pitchFamily="34" charset="0"/>
-              </a:rPr>
-              <a:t>DimProduct</a:t>
-            </a:r>
-            <a:endParaRPr kumimoji="0" lang="en-US" altLang="en-US" b="1" i="0" u="none" strike="noStrike" cap="none" normalizeH="0" baseline="0" dirty="0" smtClean="0">
-              <a:ln>
-                <a:noFill/>
-              </a:ln>
-              <a:solidFill>
-                <a:schemeClr val="tx1"/>
-              </a:solidFill>
-              <a:effectLst/>
-              <a:latin typeface="Segoe UI" panose="020B0502040204020203" pitchFamily="34" charset="0"/>
-              <a:cs typeface="Segoe UI" panose="020B0502040204020203" pitchFamily="34" charset="0"/>
-            </a:endParaRPr>
-          </a:p>
-        </p:txBody>
-      </p:sp>
       <p:pic>
         <p:nvPicPr>
           <p:cNvPr id="6" name="Picture 5"/>
@@ -6265,7 +5488,7 @@
         </p:blipFill>
         <p:spPr>
           <a:xfrm>
-            <a:off x="288758" y="1368916"/>
+            <a:off x="3121553" y="1499544"/>
             <a:ext cx="5156366" cy="4767500"/>
           </a:xfrm>
           <a:prstGeom prst="rect">
@@ -6291,7 +5514,7 @@
         </p:nvSpPr>
         <p:spPr>
           <a:xfrm>
-            <a:off x="1015865" y="2371939"/>
+            <a:off x="3820941" y="2502567"/>
             <a:ext cx="785434" cy="330009"/>
           </a:xfrm>
           <a:prstGeom prst="rect">
@@ -6339,7 +5562,7 @@
         </p:nvSpPr>
         <p:spPr>
           <a:xfrm>
-            <a:off x="1690779" y="3803124"/>
+            <a:off x="4495855" y="3933752"/>
             <a:ext cx="557407" cy="486993"/>
           </a:xfrm>
           <a:prstGeom prst="rect">
@@ -6376,6 +5599,131 @@
           <a:p>
             <a:pPr algn="ctr"/>
             <a:endParaRPr lang="en-US"/>
+          </a:p>
+        </p:txBody>
+      </p:sp>
+      <p:sp>
+        <p:nvSpPr>
+          <p:cNvPr id="7" name="TextBox 6"/>
+          <p:cNvSpPr txBox="1"/>
+          <p:nvPr/>
+        </p:nvSpPr>
+        <p:spPr>
+          <a:xfrm>
+            <a:off x="288758" y="275007"/>
+            <a:ext cx="3824637" cy="400110"/>
+          </a:xfrm>
+          <a:prstGeom prst="rect">
+            <a:avLst/>
+          </a:prstGeom>
+          <a:noFill/>
+        </p:spPr>
+        <p:txBody>
+          <a:bodyPr wrap="none" rtlCol="0">
+            <a:spAutoFit/>
+          </a:bodyPr>
+          <a:lstStyle/>
+          <a:p>
+            <a:r xmlns:a="http://schemas.openxmlformats.org/drawingml/2006/main">
+              <a:rPr lang="en" sz="2000" b="1" dirty="0" smtClean="0">
+                <a:latin typeface="Segoe UI" panose="020B0502040204020203" pitchFamily="34" charset="0"/>
+                <a:cs typeface="Segoe UI" panose="020B0502040204020203" pitchFamily="34" charset="0"/>
+              </a:rPr>
+              <a:t>Create and organize diagrams</a:t>
+            </a:r>
+            <a:endParaRPr xmlns:a="http://schemas.openxmlformats.org/drawingml/2006/main" lang="en-US" sz="2000" b="1" dirty="0">
+              <a:latin typeface="Segoe UI" panose="020B0502040204020203" pitchFamily="34" charset="0"/>
+              <a:cs typeface="Segoe UI" panose="020B0502040204020203" pitchFamily="34" charset="0"/>
+            </a:endParaRPr>
+          </a:p>
+        </p:txBody>
+      </p:sp>
+      <p:sp>
+        <p:nvSpPr>
+          <p:cNvPr id="4" name="Rectangle 3"/>
+          <p:cNvSpPr/>
+          <p:nvPr/>
+        </p:nvSpPr>
+        <p:spPr>
+          <a:xfrm>
+            <a:off x="288758" y="785503"/>
+            <a:ext cx="10952174" cy="400110"/>
+          </a:xfrm>
+          <a:prstGeom prst="rect">
+            <a:avLst/>
+          </a:prstGeom>
+        </p:spPr>
+        <p:txBody>
+          <a:bodyPr wrap="square">
+            <a:spAutoFit/>
+          </a:bodyPr>
+          <a:lstStyle/>
+          <a:p>
+            <a:r xmlns:a="http://schemas.openxmlformats.org/drawingml/2006/main">
+              <a:rPr lang="en" sz="2000" dirty="0"/>
+              <a:t>Select </a:t>
+            </a:r>
+            <a:r xmlns:a="http://schemas.openxmlformats.org/drawingml/2006/main">
+              <a:rPr lang="en" sz="2000" b="1" dirty="0"/>
+              <a:t>" </a:t>
+            </a:r>
+            <a:r xmlns:a="http://schemas.openxmlformats.org/drawingml/2006/main">
+              <a:rPr lang="en" sz="2000" b="1" dirty="0" err="1"/>
+              <a:t>CategoryName </a:t>
+            </a:r>
+            <a:r xmlns:a="http://schemas.openxmlformats.org/drawingml/2006/main">
+              <a:rPr lang="en" sz="2000" b="1" dirty="0"/>
+              <a:t>" </a:t>
+            </a:r>
+            <a:r xmlns:a="http://schemas.openxmlformats.org/drawingml/2006/main">
+              <a:rPr lang="en" sz="2000" dirty="0"/>
+              <a:t>from</a:t>
+            </a:r>
+            <a:r xmlns:a="http://schemas.openxmlformats.org/drawingml/2006/main">
+              <a:rPr lang="en" sz="2000" b="1" dirty="0"/>
+              <a:t> </a:t>
+            </a:r>
+            <a:r xmlns:a="http://schemas.openxmlformats.org/drawingml/2006/main">
+              <a:rPr lang="en" sz="2000" b="1" dirty="0" err="1"/>
+              <a:t>DimCategory</a:t>
+            </a:r>
+            <a:r xmlns:a="http://schemas.openxmlformats.org/drawingml/2006/main">
+              <a:rPr lang="en" sz="2000" b="1" dirty="0"/>
+              <a:t> </a:t>
+            </a:r>
+            <a:r xmlns:a="http://schemas.openxmlformats.org/drawingml/2006/main">
+              <a:rPr lang="en" sz="2000" dirty="0"/>
+              <a:t>and </a:t>
+            </a:r>
+            <a:r xmlns:a="http://schemas.openxmlformats.org/drawingml/2006/main">
+              <a:rPr lang="en" sz="2000" b="1" dirty="0"/>
+              <a:t>" </a:t>
+            </a:r>
+            <a:r xmlns:a="http://schemas.openxmlformats.org/drawingml/2006/main">
+              <a:rPr lang="en" sz="2000" b="1" dirty="0" err="1"/>
+              <a:t>CategoryColumn </a:t>
+            </a:r>
+            <a:r xmlns:a="http://schemas.openxmlformats.org/drawingml/2006/main">
+              <a:rPr lang="en" sz="2000" b="1" dirty="0"/>
+              <a:t>" </a:t>
+            </a:r>
+            <a:r xmlns:a="http://schemas.openxmlformats.org/drawingml/2006/main">
+              <a:rPr lang="en" sz="2000" dirty="0"/>
+              <a:t>since</a:t>
+            </a:r>
+            <a:r xmlns:a="http://schemas.openxmlformats.org/drawingml/2006/main">
+              <a:rPr lang="en" sz="2000" b="1" dirty="0"/>
+              <a:t> </a:t>
+            </a:r>
+            <a:r xmlns:a="http://schemas.openxmlformats.org/drawingml/2006/main">
+              <a:rPr lang="en" sz="2000" b="1" dirty="0" err="1"/>
+              <a:t>DimProduct </a:t>
+            </a:r>
+            <a:r xmlns:a="http://schemas.openxmlformats.org/drawingml/2006/main">
+              <a:rPr lang="en" sz="2000" dirty="0"/>
+              <a:t>.</a:t>
+            </a:r>
+            <a:endParaRPr xmlns:a="http://schemas.openxmlformats.org/drawingml/2006/main" lang="en-US" sz="2000" dirty="0"/>
           </a:p>
         </p:txBody>
       </p:sp>
@@ -6409,157 +5757,6 @@
           <a:chExt cx="0" cy="0"/>
         </a:xfrm>
       </p:grpSpPr>
-      <p:sp>
-        <p:nvSpPr>
-          <p:cNvPr id="2" name="TextBox 1"/>
-          <p:cNvSpPr txBox="1"/>
-          <p:nvPr/>
-        </p:nvSpPr>
-        <p:spPr>
-          <a:xfrm>
-            <a:off x="288758" y="275007"/>
-            <a:ext cx="2613023" cy="400110"/>
-          </a:xfrm>
-          <a:prstGeom prst="rect">
-            <a:avLst/>
-          </a:prstGeom>
-          <a:noFill/>
-        </p:spPr>
-        <p:txBody>
-          <a:bodyPr wrap="none" rtlCol="0">
-            <a:spAutoFit/>
-          </a:bodyPr>
-          <a:lstStyle/>
-          <a:p>
-            <a:r>
-              <a:rPr lang="fr-FR" sz="2000" dirty="0" smtClean="0">
-                <a:latin typeface="Segoe UI" panose="020B0502040204020203" pitchFamily="34" charset="0"/>
-                <a:cs typeface="Segoe UI" panose="020B0502040204020203" pitchFamily="34" charset="0"/>
-              </a:rPr>
-              <a:t>Manage Relationship</a:t>
-            </a:r>
-            <a:endParaRPr lang="en-US" sz="2000" dirty="0">
-              <a:latin typeface="Segoe UI" panose="020B0502040204020203" pitchFamily="34" charset="0"/>
-              <a:cs typeface="Segoe UI" panose="020B0502040204020203" pitchFamily="34" charset="0"/>
-            </a:endParaRPr>
-          </a:p>
-        </p:txBody>
-      </p:sp>
-      <p:sp>
-        <p:nvSpPr>
-          <p:cNvPr id="3" name="Rectangle 1"/>
-          <p:cNvSpPr>
-            <a:spLocks noChangeArrowheads="1"/>
-          </p:cNvSpPr>
-          <p:nvPr/>
-        </p:nvSpPr>
-        <p:spPr bwMode="auto">
-          <a:xfrm>
-            <a:off x="288758" y="782349"/>
-            <a:ext cx="10076220" cy="369332"/>
-          </a:xfrm>
-          <a:prstGeom prst="rect">
-            <a:avLst/>
-          </a:prstGeom>
-          <a:noFill/>
-          <a:ln>
-            <a:noFill/>
-          </a:ln>
-          <a:effectLst/>
-          <a:extLst>
-            <a:ext uri="{909E8E84-426E-40DD-AFC4-6F175D3DCCD1}">
-              <a14:hiddenFill xmlns:a14="http://schemas.microsoft.com/office/drawing/2010/main">
-                <a:solidFill>
-                  <a:schemeClr val="accent1"/>
-                </a:solidFill>
-              </a14:hiddenFill>
-            </a:ext>
-            <a:ext uri="{91240B29-F687-4F45-9708-019B960494DF}">
-              <a14:hiddenLine xmlns:a14="http://schemas.microsoft.com/office/drawing/2010/main" w="9525">
-                <a:solidFill>
-                  <a:schemeClr val="tx1"/>
-                </a:solidFill>
-                <a:miter lim="800000"/>
-                <a:headEnd/>
-                <a:tailEnd/>
-              </a14:hiddenLine>
-            </a:ext>
-            <a:ext uri="{AF507438-7753-43E0-B8FC-AC1667EBCBE1}">
-              <a14:hiddenEffects xmlns:a14="http://schemas.microsoft.com/office/drawing/2010/main">
-                <a:effectLst>
-                  <a:outerShdw dist="35921" dir="2700000" algn="ctr" rotWithShape="0">
-                    <a:schemeClr val="bg2"/>
-                  </a:outerShdw>
-                </a:effectLst>
-              </a14:hiddenEffects>
-            </a:ext>
-          </a:extLst>
-        </p:spPr>
-        <p:txBody>
-          <a:bodyPr vert="horz" wrap="none" lIns="91440" tIns="45720" rIns="91440" bIns="45720" numCol="1" anchor="ctr" anchorCtr="0" compatLnSpc="1">
-            <a:prstTxWarp prst="textNoShape">
-              <a:avLst/>
-            </a:prstTxWarp>
-            <a:spAutoFit/>
-          </a:bodyPr>
-          <a:lstStyle/>
-          <a:p>
-            <a:pPr marL="0" marR="0" lvl="0" indent="0" algn="l" defTabSz="914400" rtl="0" eaLnBrk="0" fontAlgn="base" latinLnBrk="0" hangingPunct="0">
-              <a:lnSpc>
-                <a:spcPct val="100000"/>
-              </a:lnSpc>
-              <a:spcBef>
-                <a:spcPct val="0"/>
-              </a:spcBef>
-              <a:spcAft>
-                <a:spcPct val="0"/>
-              </a:spcAft>
-              <a:buClrTx/>
-              <a:buSzTx/>
-              <a:tabLst/>
-            </a:pPr>
-            <a:r>
-              <a:rPr lang="en-US" altLang="en-US" dirty="0" smtClean="0">
-                <a:latin typeface="Segoe UI" panose="020B0502040204020203" pitchFamily="34" charset="0"/>
-                <a:cs typeface="Segoe UI" panose="020B0502040204020203" pitchFamily="34" charset="0"/>
-              </a:rPr>
-              <a:t>Create, clean and reshape the new </a:t>
-            </a:r>
-            <a:r>
-              <a:rPr lang="en-US" altLang="en-US" b="1" dirty="0" smtClean="0">
-                <a:latin typeface="Segoe UI" panose="020B0502040204020203" pitchFamily="34" charset="0"/>
-                <a:cs typeface="Segoe UI" panose="020B0502040204020203" pitchFamily="34" charset="0"/>
-              </a:rPr>
-              <a:t>DimProduct2 </a:t>
-            </a:r>
-            <a:r>
-              <a:rPr lang="en-US" altLang="en-US" dirty="0" smtClean="0">
-                <a:latin typeface="Segoe UI" panose="020B0502040204020203" pitchFamily="34" charset="0"/>
-                <a:cs typeface="Segoe UI" panose="020B0502040204020203" pitchFamily="34" charset="0"/>
-              </a:rPr>
-              <a:t>table to be as follow using </a:t>
-            </a:r>
-            <a:r>
-              <a:rPr lang="en-US" altLang="en-US" b="1" dirty="0" smtClean="0">
-                <a:latin typeface="Segoe UI" panose="020B0502040204020203" pitchFamily="34" charset="0"/>
-                <a:cs typeface="Segoe UI" panose="020B0502040204020203" pitchFamily="34" charset="0"/>
-              </a:rPr>
-              <a:t>Power Query Editor</a:t>
-            </a:r>
-            <a:endParaRPr kumimoji="0" lang="en-US" altLang="en-US" b="1" i="0" u="none" strike="noStrike" cap="none" normalizeH="0" baseline="0" dirty="0" smtClean="0">
-              <a:ln>
-                <a:noFill/>
-              </a:ln>
-              <a:solidFill>
-                <a:schemeClr val="tx1"/>
-              </a:solidFill>
-              <a:effectLst/>
-              <a:latin typeface="Segoe UI" panose="020B0502040204020203" pitchFamily="34" charset="0"/>
-              <a:cs typeface="Segoe UI" panose="020B0502040204020203" pitchFamily="34" charset="0"/>
-            </a:endParaRPr>
-          </a:p>
-        </p:txBody>
-      </p:sp>
       <p:pic>
         <p:nvPicPr>
           <p:cNvPr id="4" name="Picture 3"/>
@@ -6594,6 +5791,95 @@
           </a:effectLst>
         </p:spPr>
       </p:pic>
+      <p:sp>
+        <p:nvSpPr>
+          <p:cNvPr id="5" name="TextBox 4"/>
+          <p:cNvSpPr txBox="1"/>
+          <p:nvPr/>
+        </p:nvSpPr>
+        <p:spPr>
+          <a:xfrm>
+            <a:off x="288758" y="275007"/>
+            <a:ext cx="3824637" cy="400110"/>
+          </a:xfrm>
+          <a:prstGeom prst="rect">
+            <a:avLst/>
+          </a:prstGeom>
+          <a:noFill/>
+        </p:spPr>
+        <p:txBody>
+          <a:bodyPr wrap="none" rtlCol="0">
+            <a:spAutoFit/>
+          </a:bodyPr>
+          <a:lstStyle/>
+          <a:p>
+            <a:r xmlns:a="http://schemas.openxmlformats.org/drawingml/2006/main">
+              <a:rPr lang="en" sz="2000" b="1" dirty="0" smtClean="0">
+                <a:latin typeface="Segoe UI" panose="020B0502040204020203" pitchFamily="34" charset="0"/>
+                <a:cs typeface="Segoe UI" panose="020B0502040204020203" pitchFamily="34" charset="0"/>
+              </a:rPr>
+              <a:t>Create and organize diagrams</a:t>
+            </a:r>
+            <a:endParaRPr xmlns:a="http://schemas.openxmlformats.org/drawingml/2006/main" lang="en-US" sz="2000" b="1" dirty="0">
+              <a:latin typeface="Segoe UI" panose="020B0502040204020203" pitchFamily="34" charset="0"/>
+              <a:cs typeface="Segoe UI" panose="020B0502040204020203" pitchFamily="34" charset="0"/>
+            </a:endParaRPr>
+          </a:p>
+        </p:txBody>
+      </p:sp>
+      <p:sp>
+        <p:nvSpPr>
+          <p:cNvPr id="6" name="Rectangle 5"/>
+          <p:cNvSpPr/>
+          <p:nvPr/>
+        </p:nvSpPr>
+        <p:spPr>
+          <a:xfrm>
+            <a:off x="388065" y="761395"/>
+            <a:ext cx="11127112" cy="400110"/>
+          </a:xfrm>
+          <a:prstGeom prst="rect">
+            <a:avLst/>
+          </a:prstGeom>
+        </p:spPr>
+        <p:txBody>
+          <a:bodyPr wrap="square">
+            <a:spAutoFit/>
+          </a:bodyPr>
+          <a:lstStyle/>
+          <a:p>
+            <a:r xmlns:a="http://schemas.openxmlformats.org/drawingml/2006/main">
+              <a:rPr lang="en" sz="2000" dirty="0"/>
+              <a:t>Create, clean, and reformat a new </a:t>
+            </a:r>
+            <a:r xmlns:a="http://schemas.openxmlformats.org/drawingml/2006/main">
+              <a:rPr lang="en" sz="2000" b="1" dirty="0"/>
+              <a:t>DimProduct2 table </a:t>
+            </a:r>
+            <a:r xmlns:a="http://schemas.openxmlformats.org/drawingml/2006/main">
+              <a:rPr lang="en" sz="2000" dirty="0"/>
+              <a:t>in </a:t>
+            </a:r>
+            <a:r xmlns:a="http://schemas.openxmlformats.org/drawingml/2006/main">
+              <a:rPr lang="en" sz="2000" b="1" dirty="0"/>
+              <a:t>Power </a:t>
+            </a:r>
+            <a:r xmlns:a="http://schemas.openxmlformats.org/drawingml/2006/main">
+              <a:rPr lang="en" sz="2000" b="1" dirty="0" err="1"/>
+              <a:t>Query </a:t>
+            </a:r>
+            <a:r xmlns:a="http://schemas.openxmlformats.org/drawingml/2006/main">
+              <a:rPr lang="en" sz="2000" b="1" dirty="0"/>
+              <a:t>Editor </a:t>
+            </a:r>
+            <a:r xmlns:a="http://schemas.openxmlformats.org/drawingml/2006/main">
+              <a:rPr lang="en" sz="2000" dirty="0"/>
+              <a:t>.</a:t>
+            </a:r>
+            <a:endParaRPr xmlns:a="http://schemas.openxmlformats.org/drawingml/2006/main" lang="en-US" sz="2000" dirty="0"/>
+          </a:p>
+        </p:txBody>
+      </p:sp>
     </p:spTree>
     <p:extLst>
       <p:ext uri="{BB962C8B-B14F-4D97-AF65-F5344CB8AC3E}">
@@ -6624,136 +5910,6 @@
           <a:chExt cx="0" cy="0"/>
         </a:xfrm>
       </p:grpSpPr>
-      <p:sp>
-        <p:nvSpPr>
-          <p:cNvPr id="2" name="TextBox 1"/>
-          <p:cNvSpPr txBox="1"/>
-          <p:nvPr/>
-        </p:nvSpPr>
-        <p:spPr>
-          <a:xfrm>
-            <a:off x="288758" y="275007"/>
-            <a:ext cx="2613023" cy="400110"/>
-          </a:xfrm>
-          <a:prstGeom prst="rect">
-            <a:avLst/>
-          </a:prstGeom>
-          <a:noFill/>
-        </p:spPr>
-        <p:txBody>
-          <a:bodyPr wrap="none" rtlCol="0">
-            <a:spAutoFit/>
-          </a:bodyPr>
-          <a:lstStyle/>
-          <a:p>
-            <a:r>
-              <a:rPr lang="fr-FR" sz="2000" dirty="0" smtClean="0">
-                <a:latin typeface="Segoe UI" panose="020B0502040204020203" pitchFamily="34" charset="0"/>
-                <a:cs typeface="Segoe UI" panose="020B0502040204020203" pitchFamily="34" charset="0"/>
-              </a:rPr>
-              <a:t>Manage Relationship</a:t>
-            </a:r>
-            <a:endParaRPr lang="en-US" sz="2000" dirty="0">
-              <a:latin typeface="Segoe UI" panose="020B0502040204020203" pitchFamily="34" charset="0"/>
-              <a:cs typeface="Segoe UI" panose="020B0502040204020203" pitchFamily="34" charset="0"/>
-            </a:endParaRPr>
-          </a:p>
-        </p:txBody>
-      </p:sp>
-      <p:sp>
-        <p:nvSpPr>
-          <p:cNvPr id="3" name="Rectangle 1"/>
-          <p:cNvSpPr>
-            <a:spLocks noChangeArrowheads="1"/>
-          </p:cNvSpPr>
-          <p:nvPr/>
-        </p:nvSpPr>
-        <p:spPr bwMode="auto">
-          <a:xfrm>
-            <a:off x="288758" y="782349"/>
-            <a:ext cx="3345788" cy="369332"/>
-          </a:xfrm>
-          <a:prstGeom prst="rect">
-            <a:avLst/>
-          </a:prstGeom>
-          <a:noFill/>
-          <a:ln>
-            <a:noFill/>
-          </a:ln>
-          <a:effectLst/>
-          <a:extLst>
-            <a:ext uri="{909E8E84-426E-40DD-AFC4-6F175D3DCCD1}">
-              <a14:hiddenFill xmlns:a14="http://schemas.microsoft.com/office/drawing/2010/main">
-                <a:solidFill>
-                  <a:schemeClr val="accent1"/>
-                </a:solidFill>
-              </a14:hiddenFill>
-            </a:ext>
-            <a:ext uri="{91240B29-F687-4F45-9708-019B960494DF}">
-              <a14:hiddenLine xmlns:a14="http://schemas.microsoft.com/office/drawing/2010/main" w="9525">
-                <a:solidFill>
-                  <a:schemeClr val="tx1"/>
-                </a:solidFill>
-                <a:miter lim="800000"/>
-                <a:headEnd/>
-                <a:tailEnd/>
-              </a14:hiddenLine>
-            </a:ext>
-            <a:ext uri="{AF507438-7753-43E0-B8FC-AC1667EBCBE1}">
-              <a14:hiddenEffects xmlns:a14="http://schemas.microsoft.com/office/drawing/2010/main">
-                <a:effectLst>
-                  <a:outerShdw dist="35921" dir="2700000" algn="ctr" rotWithShape="0">
-                    <a:schemeClr val="bg2"/>
-                  </a:outerShdw>
-                </a:effectLst>
-              </a14:hiddenEffects>
-            </a:ext>
-          </a:extLst>
-        </p:spPr>
-        <p:txBody>
-          <a:bodyPr vert="horz" wrap="none" lIns="91440" tIns="45720" rIns="91440" bIns="45720" numCol="1" anchor="ctr" anchorCtr="0" compatLnSpc="1">
-            <a:prstTxWarp prst="textNoShape">
-              <a:avLst/>
-            </a:prstTxWarp>
-            <a:spAutoFit/>
-          </a:bodyPr>
-          <a:lstStyle/>
-          <a:p>
-            <a:pPr marL="0" marR="0" lvl="0" indent="0" algn="l" defTabSz="914400" rtl="0" eaLnBrk="0" fontAlgn="base" latinLnBrk="0" hangingPunct="0">
-              <a:lnSpc>
-                <a:spcPct val="100000"/>
-              </a:lnSpc>
-              <a:spcBef>
-                <a:spcPct val="0"/>
-              </a:spcBef>
-              <a:spcAft>
-                <a:spcPct val="0"/>
-              </a:spcAft>
-              <a:buClrTx/>
-              <a:buSzTx/>
-              <a:tabLst/>
-            </a:pPr>
-            <a:r>
-              <a:rPr lang="en-US" altLang="en-US" dirty="0" smtClean="0">
-                <a:latin typeface="Segoe UI" panose="020B0502040204020203" pitchFamily="34" charset="0"/>
-                <a:cs typeface="Segoe UI" panose="020B0502040204020203" pitchFamily="34" charset="0"/>
-              </a:rPr>
-              <a:t>Delete both relationship if exist</a:t>
-            </a:r>
-            <a:endParaRPr kumimoji="0" lang="en-US" altLang="en-US" b="1" i="0" u="none" strike="noStrike" cap="none" normalizeH="0" baseline="0" dirty="0" smtClean="0">
-              <a:ln>
-                <a:noFill/>
-              </a:ln>
-              <a:solidFill>
-                <a:schemeClr val="tx1"/>
-              </a:solidFill>
-              <a:effectLst/>
-              <a:latin typeface="Segoe UI" panose="020B0502040204020203" pitchFamily="34" charset="0"/>
-              <a:cs typeface="Segoe UI" panose="020B0502040204020203" pitchFamily="34" charset="0"/>
-            </a:endParaRPr>
-          </a:p>
-        </p:txBody>
-      </p:sp>
       <p:pic>
         <p:nvPicPr>
           <p:cNvPr id="5" name="Picture 4"/>
@@ -6877,6 +6033,71 @@
           <a:p>
             <a:pPr algn="ctr"/>
             <a:endParaRPr lang="en-US"/>
+          </a:p>
+        </p:txBody>
+      </p:sp>
+      <p:sp>
+        <p:nvSpPr>
+          <p:cNvPr id="8" name="TextBox 7"/>
+          <p:cNvSpPr txBox="1"/>
+          <p:nvPr/>
+        </p:nvSpPr>
+        <p:spPr>
+          <a:xfrm>
+            <a:off x="288758" y="275007"/>
+            <a:ext cx="3824637" cy="400110"/>
+          </a:xfrm>
+          <a:prstGeom prst="rect">
+            <a:avLst/>
+          </a:prstGeom>
+          <a:noFill/>
+        </p:spPr>
+        <p:txBody>
+          <a:bodyPr wrap="none" rtlCol="0">
+            <a:spAutoFit/>
+          </a:bodyPr>
+          <a:lstStyle/>
+          <a:p>
+            <a:r xmlns:a="http://schemas.openxmlformats.org/drawingml/2006/main">
+              <a:rPr lang="en" sz="2000" b="1" dirty="0" smtClean="0">
+                <a:latin typeface="Segoe UI" panose="020B0502040204020203" pitchFamily="34" charset="0"/>
+                <a:cs typeface="Segoe UI" panose="020B0502040204020203" pitchFamily="34" charset="0"/>
+              </a:rPr>
+              <a:t>Create and organize diagrams</a:t>
+            </a:r>
+            <a:endParaRPr xmlns:a="http://schemas.openxmlformats.org/drawingml/2006/main" lang="en-US" sz="2000" b="1" dirty="0">
+              <a:latin typeface="Segoe UI" panose="020B0502040204020203" pitchFamily="34" charset="0"/>
+              <a:cs typeface="Segoe UI" panose="020B0502040204020203" pitchFamily="34" charset="0"/>
+            </a:endParaRPr>
+          </a:p>
+        </p:txBody>
+      </p:sp>
+      <p:sp>
+        <p:nvSpPr>
+          <p:cNvPr id="4" name="Rectangle 3"/>
+          <p:cNvSpPr/>
+          <p:nvPr/>
+        </p:nvSpPr>
+        <p:spPr>
+          <a:xfrm>
+            <a:off x="344566" y="783017"/>
+            <a:ext cx="5586914" cy="400110"/>
+          </a:xfrm>
+          <a:prstGeom prst="rect">
+            <a:avLst/>
+          </a:prstGeom>
+        </p:spPr>
+        <p:txBody>
+          <a:bodyPr wrap="none">
+            <a:spAutoFit/>
+          </a:bodyPr>
+          <a:lstStyle/>
+          <a:p>
+            <a:r xmlns:a="http://schemas.openxmlformats.org/drawingml/2006/main">
+              <a:rPr lang="en" sz="2000" dirty="0"/>
+              <a:t>Delete existing relationships, if they exist.</a:t>
+            </a:r>
+            <a:endParaRPr xmlns:a="http://schemas.openxmlformats.org/drawingml/2006/main" lang="en-US" sz="2000" dirty="0"/>
           </a:p>
         </p:txBody>
       </p:sp>
@@ -6910,236 +6131,6 @@
           <a:chExt cx="0" cy="0"/>
         </a:xfrm>
       </p:grpSpPr>
-      <p:sp>
-        <p:nvSpPr>
-          <p:cNvPr id="2" name="TextBox 1"/>
-          <p:cNvSpPr txBox="1"/>
-          <p:nvPr/>
-        </p:nvSpPr>
-        <p:spPr>
-          <a:xfrm>
-            <a:off x="288758" y="275007"/>
-            <a:ext cx="2613023" cy="400110"/>
-          </a:xfrm>
-          <a:prstGeom prst="rect">
-            <a:avLst/>
-          </a:prstGeom>
-          <a:noFill/>
-        </p:spPr>
-        <p:txBody>
-          <a:bodyPr wrap="none" rtlCol="0">
-            <a:spAutoFit/>
-          </a:bodyPr>
-          <a:lstStyle/>
-          <a:p>
-            <a:r>
-              <a:rPr lang="fr-FR" sz="2000" dirty="0" smtClean="0">
-                <a:latin typeface="Segoe UI" panose="020B0502040204020203" pitchFamily="34" charset="0"/>
-                <a:cs typeface="Segoe UI" panose="020B0502040204020203" pitchFamily="34" charset="0"/>
-              </a:rPr>
-              <a:t>Manage Relationship</a:t>
-            </a:r>
-            <a:endParaRPr lang="en-US" sz="2000" dirty="0">
-              <a:latin typeface="Segoe UI" panose="020B0502040204020203" pitchFamily="34" charset="0"/>
-              <a:cs typeface="Segoe UI" panose="020B0502040204020203" pitchFamily="34" charset="0"/>
-            </a:endParaRPr>
-          </a:p>
-        </p:txBody>
-      </p:sp>
-      <p:sp>
-        <p:nvSpPr>
-          <p:cNvPr id="3" name="Rectangle 1"/>
-          <p:cNvSpPr>
-            <a:spLocks noChangeArrowheads="1"/>
-          </p:cNvSpPr>
-          <p:nvPr/>
-        </p:nvSpPr>
-        <p:spPr bwMode="auto">
-          <a:xfrm>
-            <a:off x="288757" y="794109"/>
-            <a:ext cx="10519037" cy="923330"/>
-          </a:xfrm>
-          <a:prstGeom prst="rect">
-            <a:avLst/>
-          </a:prstGeom>
-          <a:noFill/>
-          <a:ln>
-            <a:noFill/>
-          </a:ln>
-          <a:effectLst/>
-          <a:extLst>
-            <a:ext uri="{909E8E84-426E-40DD-AFC4-6F175D3DCCD1}">
-              <a14:hiddenFill xmlns:a14="http://schemas.microsoft.com/office/drawing/2010/main">
-                <a:solidFill>
-                  <a:schemeClr val="accent1"/>
-                </a:solidFill>
-              </a14:hiddenFill>
-            </a:ext>
-            <a:ext uri="{91240B29-F687-4F45-9708-019B960494DF}">
-              <a14:hiddenLine xmlns:a14="http://schemas.microsoft.com/office/drawing/2010/main" w="9525">
-                <a:solidFill>
-                  <a:schemeClr val="tx1"/>
-                </a:solidFill>
-                <a:miter lim="800000"/>
-                <a:headEnd/>
-                <a:tailEnd/>
-              </a14:hiddenLine>
-            </a:ext>
-            <a:ext uri="{AF507438-7753-43E0-B8FC-AC1667EBCBE1}">
-              <a14:hiddenEffects xmlns:a14="http://schemas.microsoft.com/office/drawing/2010/main">
-                <a:effectLst>
-                  <a:outerShdw dist="35921" dir="2700000" algn="ctr" rotWithShape="0">
-                    <a:schemeClr val="bg2"/>
-                  </a:outerShdw>
-                </a:effectLst>
-              </a14:hiddenEffects>
-            </a:ext>
-          </a:extLst>
-        </p:spPr>
-        <p:txBody>
-          <a:bodyPr vert="horz" wrap="square" lIns="91440" tIns="45720" rIns="91440" bIns="45720" numCol="1" anchor="ctr" anchorCtr="0" compatLnSpc="1">
-            <a:prstTxWarp prst="textNoShape">
-              <a:avLst/>
-            </a:prstTxWarp>
-            <a:spAutoFit/>
-          </a:bodyPr>
-          <a:lstStyle/>
-          <a:p>
-            <a:pPr marL="0" marR="0" lvl="0" indent="0" algn="l" defTabSz="914400" rtl="0" eaLnBrk="0" fontAlgn="base" latinLnBrk="0" hangingPunct="0">
-              <a:lnSpc>
-                <a:spcPct val="100000"/>
-              </a:lnSpc>
-              <a:spcBef>
-                <a:spcPct val="0"/>
-              </a:spcBef>
-              <a:spcAft>
-                <a:spcPct val="0"/>
-              </a:spcAft>
-              <a:buClrTx/>
-              <a:buSzTx/>
-              <a:tabLst/>
-            </a:pPr>
-            <a:r>
-              <a:rPr lang="en-US" altLang="en-US" dirty="0" smtClean="0">
-                <a:latin typeface="Segoe UI" panose="020B0502040204020203" pitchFamily="34" charset="0"/>
-                <a:cs typeface="Segoe UI" panose="020B0502040204020203" pitchFamily="34" charset="0"/>
-              </a:rPr>
-              <a:t>Then establish the relation between the </a:t>
-            </a:r>
-            <a:r>
-              <a:rPr lang="en-US" altLang="en-US" b="1" dirty="0" smtClean="0">
-                <a:latin typeface="Segoe UI" panose="020B0502040204020203" pitchFamily="34" charset="0"/>
-                <a:cs typeface="Segoe UI" panose="020B0502040204020203" pitchFamily="34" charset="0"/>
-              </a:rPr>
-              <a:t>DimProduct2</a:t>
-            </a:r>
-            <a:r>
-              <a:rPr lang="en-US" altLang="en-US" dirty="0" smtClean="0">
-                <a:latin typeface="Segoe UI" panose="020B0502040204020203" pitchFamily="34" charset="0"/>
-                <a:cs typeface="Segoe UI" panose="020B0502040204020203" pitchFamily="34" charset="0"/>
-              </a:rPr>
-              <a:t> and </a:t>
-            </a:r>
-            <a:r>
-              <a:rPr lang="en-US" altLang="en-US" b="1" dirty="0" err="1" smtClean="0">
-                <a:latin typeface="Segoe UI" panose="020B0502040204020203" pitchFamily="34" charset="0"/>
-                <a:cs typeface="Segoe UI" panose="020B0502040204020203" pitchFamily="34" charset="0"/>
-              </a:rPr>
-              <a:t>FactSales</a:t>
-            </a:r>
-            <a:r>
-              <a:rPr lang="en-US" altLang="en-US" b="1" dirty="0" smtClean="0">
-                <a:latin typeface="Segoe UI" panose="020B0502040204020203" pitchFamily="34" charset="0"/>
-                <a:cs typeface="Segoe UI" panose="020B0502040204020203" pitchFamily="34" charset="0"/>
-              </a:rPr>
-              <a:t> </a:t>
-            </a:r>
-            <a:r>
-              <a:rPr lang="en-US" altLang="en-US" dirty="0" smtClean="0">
-                <a:latin typeface="Segoe UI" panose="020B0502040204020203" pitchFamily="34" charset="0"/>
-                <a:cs typeface="Segoe UI" panose="020B0502040204020203" pitchFamily="34" charset="0"/>
-              </a:rPr>
-              <a:t>by dragging  </a:t>
-            </a:r>
-            <a:r>
-              <a:rPr lang="en-US" altLang="en-US" b="1" dirty="0" err="1" smtClean="0">
-                <a:latin typeface="Segoe UI" panose="020B0502040204020203" pitchFamily="34" charset="0"/>
-                <a:cs typeface="Segoe UI" panose="020B0502040204020203" pitchFamily="34" charset="0"/>
-              </a:rPr>
-              <a:t>ProductID</a:t>
-            </a:r>
-            <a:r>
-              <a:rPr lang="en-US" altLang="en-US" dirty="0" smtClean="0">
-                <a:latin typeface="Segoe UI" panose="020B0502040204020203" pitchFamily="34" charset="0"/>
-                <a:cs typeface="Segoe UI" panose="020B0502040204020203" pitchFamily="34" charset="0"/>
-              </a:rPr>
-              <a:t> from </a:t>
-            </a:r>
-            <a:r>
-              <a:rPr lang="en-US" altLang="en-US" b="1" dirty="0" err="1" smtClean="0">
-                <a:latin typeface="Segoe UI" panose="020B0502040204020203" pitchFamily="34" charset="0"/>
-                <a:cs typeface="Segoe UI" panose="020B0502040204020203" pitchFamily="34" charset="0"/>
-              </a:rPr>
-              <a:t>FactSales</a:t>
-            </a:r>
-            <a:r>
-              <a:rPr lang="en-US" altLang="en-US" dirty="0" smtClean="0">
-                <a:latin typeface="Segoe UI" panose="020B0502040204020203" pitchFamily="34" charset="0"/>
-                <a:cs typeface="Segoe UI" panose="020B0502040204020203" pitchFamily="34" charset="0"/>
-              </a:rPr>
-              <a:t> to </a:t>
-            </a:r>
-            <a:r>
-              <a:rPr lang="en-US" altLang="en-US" b="1" dirty="0" smtClean="0">
-                <a:latin typeface="Segoe UI" panose="020B0502040204020203" pitchFamily="34" charset="0"/>
-                <a:cs typeface="Segoe UI" panose="020B0502040204020203" pitchFamily="34" charset="0"/>
-              </a:rPr>
-              <a:t>DimProduct2</a:t>
-            </a:r>
-            <a:r>
-              <a:rPr lang="en-US" altLang="en-US" dirty="0" smtClean="0">
-                <a:latin typeface="Segoe UI" panose="020B0502040204020203" pitchFamily="34" charset="0"/>
-                <a:cs typeface="Segoe UI" panose="020B0502040204020203" pitchFamily="34" charset="0"/>
-              </a:rPr>
-              <a:t>  </a:t>
-            </a:r>
-          </a:p>
-          <a:p>
-            <a:pPr marL="0" marR="0" lvl="0" indent="0" algn="l" defTabSz="914400" rtl="0" eaLnBrk="0" fontAlgn="base" latinLnBrk="0" hangingPunct="0">
-              <a:lnSpc>
-                <a:spcPct val="100000"/>
-              </a:lnSpc>
-              <a:spcBef>
-                <a:spcPct val="0"/>
-              </a:spcBef>
-              <a:spcAft>
-                <a:spcPct val="0"/>
-              </a:spcAft>
-              <a:buClrTx/>
-              <a:buSzTx/>
-              <a:tabLst/>
-            </a:pPr>
-            <a:r>
-              <a:rPr lang="en-US" altLang="en-US" dirty="0" smtClean="0">
-                <a:latin typeface="Segoe UI" panose="020B0502040204020203" pitchFamily="34" charset="0"/>
-                <a:cs typeface="Segoe UI" panose="020B0502040204020203" pitchFamily="34" charset="0"/>
-              </a:rPr>
-              <a:t> </a:t>
-            </a:r>
-            <a:endParaRPr kumimoji="0" lang="en-US" altLang="en-US" b="1" i="0" u="none" strike="noStrike" cap="none" normalizeH="0" baseline="0" dirty="0" smtClean="0">
-              <a:ln>
-                <a:noFill/>
-              </a:ln>
-              <a:solidFill>
-                <a:schemeClr val="tx1"/>
-              </a:solidFill>
-              <a:effectLst/>
-              <a:latin typeface="Segoe UI" panose="020B0502040204020203" pitchFamily="34" charset="0"/>
-              <a:cs typeface="Segoe UI" panose="020B0502040204020203" pitchFamily="34" charset="0"/>
-            </a:endParaRPr>
-          </a:p>
-        </p:txBody>
-      </p:sp>
       <p:pic>
         <p:nvPicPr>
           <p:cNvPr id="4" name="Picture 3"/>
@@ -7219,6 +6210,111 @@
           <a:p>
             <a:pPr algn="ctr"/>
             <a:endParaRPr lang="en-US"/>
+          </a:p>
+        </p:txBody>
+      </p:sp>
+      <p:sp>
+        <p:nvSpPr>
+          <p:cNvPr id="6" name="TextBox 5"/>
+          <p:cNvSpPr txBox="1"/>
+          <p:nvPr/>
+        </p:nvSpPr>
+        <p:spPr>
+          <a:xfrm>
+            <a:off x="288758" y="275007"/>
+            <a:ext cx="3824637" cy="400110"/>
+          </a:xfrm>
+          <a:prstGeom prst="rect">
+            <a:avLst/>
+          </a:prstGeom>
+          <a:noFill/>
+        </p:spPr>
+        <p:txBody>
+          <a:bodyPr wrap="none" rtlCol="0">
+            <a:spAutoFit/>
+          </a:bodyPr>
+          <a:lstStyle/>
+          <a:p>
+            <a:r xmlns:a="http://schemas.openxmlformats.org/drawingml/2006/main">
+              <a:rPr lang="en" sz="2000" b="1" dirty="0" smtClean="0">
+                <a:latin typeface="Segoe UI" panose="020B0502040204020203" pitchFamily="34" charset="0"/>
+                <a:cs typeface="Segoe UI" panose="020B0502040204020203" pitchFamily="34" charset="0"/>
+              </a:rPr>
+              <a:t>Create and organize diagrams</a:t>
+            </a:r>
+            <a:endParaRPr xmlns:a="http://schemas.openxmlformats.org/drawingml/2006/main" lang="en-US" sz="2000" b="1" dirty="0">
+              <a:latin typeface="Segoe UI" panose="020B0502040204020203" pitchFamily="34" charset="0"/>
+              <a:cs typeface="Segoe UI" panose="020B0502040204020203" pitchFamily="34" charset="0"/>
+            </a:endParaRPr>
+          </a:p>
+        </p:txBody>
+      </p:sp>
+      <p:sp>
+        <p:nvSpPr>
+          <p:cNvPr id="5" name="Rectangle 4"/>
+          <p:cNvSpPr/>
+          <p:nvPr/>
+        </p:nvSpPr>
+        <p:spPr>
+          <a:xfrm>
+            <a:off x="288757" y="768271"/>
+            <a:ext cx="11041553" cy="707886"/>
+          </a:xfrm>
+          <a:prstGeom prst="rect">
+            <a:avLst/>
+          </a:prstGeom>
+        </p:spPr>
+        <p:txBody>
+          <a:bodyPr wrap="square">
+            <a:spAutoFit/>
+          </a:bodyPr>
+          <a:lstStyle/>
+          <a:p>
+            <a:r xmlns:a="http://schemas.openxmlformats.org/drawingml/2006/main">
+              <a:rPr lang="en" sz="2000" dirty="0"/>
+              <a:t>Establish the relationship between </a:t>
+            </a:r>
+            <a:r xmlns:a="http://schemas.openxmlformats.org/drawingml/2006/main">
+              <a:rPr lang="en" sz="2000" b="1" dirty="0"/>
+              <a:t>DimProduct2 </a:t>
+            </a:r>
+            <a:r xmlns:a="http://schemas.openxmlformats.org/drawingml/2006/main">
+              <a:rPr lang="en" sz="2000" dirty="0"/>
+              <a:t>and </a:t>
+            </a:r>
+            <a:r xmlns:a="http://schemas.openxmlformats.org/drawingml/2006/main">
+              <a:rPr lang="en" sz="2000" b="1" dirty="0"/>
+              <a:t>FactSales </a:t>
+            </a:r>
+            <a:r xmlns:a="http://schemas.openxmlformats.org/drawingml/2006/main">
+              <a:rPr lang="en" sz="2000" dirty="0"/>
+              <a:t>by dragging </a:t>
+            </a:r>
+            <a:r xmlns:a="http://schemas.openxmlformats.org/drawingml/2006/main">
+              <a:rPr lang="en" sz="2000" b="1" dirty="0" err="1"/>
+              <a:t>ProductID </a:t>
+            </a:r>
+            <a:r xmlns:a="http://schemas.openxmlformats.org/drawingml/2006/main">
+              <a:rPr lang="en" sz="2000" dirty="0"/>
+              <a:t>from </a:t>
+            </a:r>
+            <a:r xmlns:a="http://schemas.openxmlformats.org/drawingml/2006/main">
+              <a:rPr lang="en" sz="2000" b="1" dirty="0"/>
+              <a:t>FactSales </a:t>
+            </a:r>
+            <a:r xmlns:a="http://schemas.openxmlformats.org/drawingml/2006/main">
+              <a:rPr lang="en" sz="2000" dirty="0"/>
+              <a:t>to </a:t>
+            </a:r>
+            <a:r xmlns:a="http://schemas.openxmlformats.org/drawingml/2006/main">
+              <a:rPr lang="en" sz="2000" b="1" dirty="0"/>
+              <a:t>DimProduct2 </a:t>
+            </a:r>
+            <a:r xmlns:a="http://schemas.openxmlformats.org/drawingml/2006/main">
+              <a:rPr lang="en" sz="2000" dirty="0"/>
+              <a:t>.</a:t>
+            </a:r>
+            <a:endParaRPr xmlns:a="http://schemas.openxmlformats.org/drawingml/2006/main" lang="en-US" sz="2000" dirty="0"/>
           </a:p>
         </p:txBody>
       </p:sp>
@@ -7252,178 +6348,6 @@
           <a:chExt cx="0" cy="0"/>
         </a:xfrm>
       </p:grpSpPr>
-      <p:sp>
-        <p:nvSpPr>
-          <p:cNvPr id="2" name="TextBox 1"/>
-          <p:cNvSpPr txBox="1"/>
-          <p:nvPr/>
-        </p:nvSpPr>
-        <p:spPr>
-          <a:xfrm>
-            <a:off x="288758" y="275007"/>
-            <a:ext cx="2613023" cy="400110"/>
-          </a:xfrm>
-          <a:prstGeom prst="rect">
-            <a:avLst/>
-          </a:prstGeom>
-          <a:noFill/>
-        </p:spPr>
-        <p:txBody>
-          <a:bodyPr wrap="none" rtlCol="0">
-            <a:spAutoFit/>
-          </a:bodyPr>
-          <a:lstStyle/>
-          <a:p>
-            <a:r>
-              <a:rPr lang="fr-FR" sz="2000" dirty="0" smtClean="0">
-                <a:latin typeface="Segoe UI" panose="020B0502040204020203" pitchFamily="34" charset="0"/>
-                <a:cs typeface="Segoe UI" panose="020B0502040204020203" pitchFamily="34" charset="0"/>
-              </a:rPr>
-              <a:t>Manage Relationship</a:t>
-            </a:r>
-            <a:endParaRPr lang="en-US" sz="2000" dirty="0">
-              <a:latin typeface="Segoe UI" panose="020B0502040204020203" pitchFamily="34" charset="0"/>
-              <a:cs typeface="Segoe UI" panose="020B0502040204020203" pitchFamily="34" charset="0"/>
-            </a:endParaRPr>
-          </a:p>
-        </p:txBody>
-      </p:sp>
-      <p:sp>
-        <p:nvSpPr>
-          <p:cNvPr id="3" name="Rectangle 1"/>
-          <p:cNvSpPr>
-            <a:spLocks noChangeArrowheads="1"/>
-          </p:cNvSpPr>
-          <p:nvPr/>
-        </p:nvSpPr>
-        <p:spPr bwMode="auto">
-          <a:xfrm>
-            <a:off x="288757" y="906103"/>
-            <a:ext cx="10519037" cy="369332"/>
-          </a:xfrm>
-          <a:prstGeom prst="rect">
-            <a:avLst/>
-          </a:prstGeom>
-          <a:noFill/>
-          <a:ln>
-            <a:noFill/>
-          </a:ln>
-          <a:effectLst/>
-          <a:extLst>
-            <a:ext uri="{909E8E84-426E-40DD-AFC4-6F175D3DCCD1}">
-              <a14:hiddenFill xmlns:a14="http://schemas.microsoft.com/office/drawing/2010/main">
-                <a:solidFill>
-                  <a:schemeClr val="accent1"/>
-                </a:solidFill>
-              </a14:hiddenFill>
-            </a:ext>
-            <a:ext uri="{91240B29-F687-4F45-9708-019B960494DF}">
-              <a14:hiddenLine xmlns:a14="http://schemas.microsoft.com/office/drawing/2010/main" w="9525">
-                <a:solidFill>
-                  <a:schemeClr val="tx1"/>
-                </a:solidFill>
-                <a:miter lim="800000"/>
-                <a:headEnd/>
-                <a:tailEnd/>
-              </a14:hiddenLine>
-            </a:ext>
-            <a:ext uri="{AF507438-7753-43E0-B8FC-AC1667EBCBE1}">
-              <a14:hiddenEffects xmlns:a14="http://schemas.microsoft.com/office/drawing/2010/main">
-                <a:effectLst>
-                  <a:outerShdw dist="35921" dir="2700000" algn="ctr" rotWithShape="0">
-                    <a:schemeClr val="bg2"/>
-                  </a:outerShdw>
-                </a:effectLst>
-              </a14:hiddenEffects>
-            </a:ext>
-          </a:extLst>
-        </p:spPr>
-        <p:txBody>
-          <a:bodyPr vert="horz" wrap="square" lIns="91440" tIns="45720" rIns="91440" bIns="45720" numCol="1" anchor="ctr" anchorCtr="0" compatLnSpc="1">
-            <a:prstTxWarp prst="textNoShape">
-              <a:avLst/>
-            </a:prstTxWarp>
-            <a:spAutoFit/>
-          </a:bodyPr>
-          <a:lstStyle/>
-          <a:p>
-            <a:pPr marL="0" marR="0" lvl="0" indent="0" algn="l" defTabSz="914400" rtl="0" eaLnBrk="0" fontAlgn="base" latinLnBrk="0" hangingPunct="0">
-              <a:lnSpc>
-                <a:spcPct val="100000"/>
-              </a:lnSpc>
-              <a:spcBef>
-                <a:spcPct val="0"/>
-              </a:spcBef>
-              <a:spcAft>
-                <a:spcPct val="0"/>
-              </a:spcAft>
-              <a:buClrTx/>
-              <a:buSzTx/>
-              <a:tabLst/>
-            </a:pPr>
-            <a:r>
-              <a:rPr lang="en-US" altLang="en-US" dirty="0" smtClean="0">
-                <a:latin typeface="Segoe UI" panose="020B0502040204020203" pitchFamily="34" charset="0"/>
-                <a:cs typeface="Segoe UI" panose="020B0502040204020203" pitchFamily="34" charset="0"/>
-              </a:rPr>
-              <a:t>Let’s Merge </a:t>
-            </a:r>
-            <a:r>
-              <a:rPr lang="en-US" altLang="en-US" b="1" dirty="0" err="1" smtClean="0">
-                <a:latin typeface="Segoe UI" panose="020B0502040204020203" pitchFamily="34" charset="0"/>
-                <a:cs typeface="Segoe UI" panose="020B0502040204020203" pitchFamily="34" charset="0"/>
-              </a:rPr>
-              <a:t>DimCustomer</a:t>
-            </a:r>
-            <a:r>
-              <a:rPr lang="en-US" altLang="en-US" dirty="0" smtClean="0">
-                <a:latin typeface="Segoe UI" panose="020B0502040204020203" pitchFamily="34" charset="0"/>
-                <a:cs typeface="Segoe UI" panose="020B0502040204020203" pitchFamily="34" charset="0"/>
-              </a:rPr>
-              <a:t> and </a:t>
-            </a:r>
-            <a:r>
-              <a:rPr lang="en-US" altLang="en-US" b="1" dirty="0" err="1" smtClean="0">
-                <a:latin typeface="Segoe UI" panose="020B0502040204020203" pitchFamily="34" charset="0"/>
-                <a:cs typeface="Segoe UI" panose="020B0502040204020203" pitchFamily="34" charset="0"/>
-              </a:rPr>
-              <a:t>DimCountry</a:t>
-            </a:r>
-            <a:r>
-              <a:rPr lang="en-US" altLang="en-US" b="1" dirty="0" smtClean="0">
-                <a:latin typeface="Segoe UI" panose="020B0502040204020203" pitchFamily="34" charset="0"/>
-                <a:cs typeface="Segoe UI" panose="020B0502040204020203" pitchFamily="34" charset="0"/>
-              </a:rPr>
-              <a:t> </a:t>
-            </a:r>
-            <a:r>
-              <a:rPr lang="en-US" altLang="en-US" dirty="0" smtClean="0">
-                <a:latin typeface="Segoe UI" panose="020B0502040204020203" pitchFamily="34" charset="0"/>
-                <a:cs typeface="Segoe UI" panose="020B0502040204020203" pitchFamily="34" charset="0"/>
-              </a:rPr>
-              <a:t>and  generate </a:t>
-            </a:r>
-            <a:r>
-              <a:rPr lang="en-US" altLang="en-US" b="1" dirty="0" smtClean="0">
-                <a:latin typeface="Segoe UI" panose="020B0502040204020203" pitchFamily="34" charset="0"/>
-                <a:cs typeface="Segoe UI" panose="020B0502040204020203" pitchFamily="34" charset="0"/>
-              </a:rPr>
-              <a:t>DimCustomer2</a:t>
-            </a:r>
-            <a:endParaRPr kumimoji="0" lang="en-US" altLang="en-US" b="1" i="0" u="none" strike="noStrike" cap="none" normalizeH="0" baseline="0" dirty="0" smtClean="0">
-              <a:ln>
-                <a:noFill/>
-              </a:ln>
-              <a:solidFill>
-                <a:schemeClr val="tx1"/>
-              </a:solidFill>
-              <a:effectLst/>
-              <a:latin typeface="Segoe UI" panose="020B0502040204020203" pitchFamily="34" charset="0"/>
-              <a:cs typeface="Segoe UI" panose="020B0502040204020203" pitchFamily="34" charset="0"/>
-            </a:endParaRPr>
-          </a:p>
-        </p:txBody>
-      </p:sp>
       <p:pic>
         <p:nvPicPr>
           <p:cNvPr id="4" name="Picture 3"/>
@@ -7503,6 +6427,106 @@
           <a:p>
             <a:pPr algn="ctr"/>
             <a:endParaRPr lang="en-US"/>
+          </a:p>
+        </p:txBody>
+      </p:sp>
+      <p:sp>
+        <p:nvSpPr>
+          <p:cNvPr id="6" name="TextBox 5"/>
+          <p:cNvSpPr txBox="1"/>
+          <p:nvPr/>
+        </p:nvSpPr>
+        <p:spPr>
+          <a:xfrm>
+            <a:off x="288758" y="275007"/>
+            <a:ext cx="3824637" cy="400110"/>
+          </a:xfrm>
+          <a:prstGeom prst="rect">
+            <a:avLst/>
+          </a:prstGeom>
+          <a:noFill/>
+        </p:spPr>
+        <p:txBody>
+          <a:bodyPr wrap="none" rtlCol="0">
+            <a:spAutoFit/>
+          </a:bodyPr>
+          <a:lstStyle/>
+          <a:p>
+            <a:r xmlns:a="http://schemas.openxmlformats.org/drawingml/2006/main">
+              <a:rPr lang="en" sz="2000" b="1" dirty="0" smtClean="0">
+                <a:latin typeface="Segoe UI" panose="020B0502040204020203" pitchFamily="34" charset="0"/>
+                <a:cs typeface="Segoe UI" panose="020B0502040204020203" pitchFamily="34" charset="0"/>
+              </a:rPr>
+              <a:t>Create and organize diagrams</a:t>
+            </a:r>
+            <a:endParaRPr xmlns:a="http://schemas.openxmlformats.org/drawingml/2006/main" lang="en-US" sz="2000" b="1" dirty="0">
+              <a:latin typeface="Segoe UI" panose="020B0502040204020203" pitchFamily="34" charset="0"/>
+              <a:cs typeface="Segoe UI" panose="020B0502040204020203" pitchFamily="34" charset="0"/>
+            </a:endParaRPr>
+          </a:p>
+        </p:txBody>
+      </p:sp>
+      <p:sp>
+        <p:nvSpPr>
+          <p:cNvPr id="5" name="Rectangle 4"/>
+          <p:cNvSpPr/>
+          <p:nvPr/>
+        </p:nvSpPr>
+        <p:spPr>
+          <a:xfrm>
+            <a:off x="288758" y="782022"/>
+            <a:ext cx="10209654" cy="400110"/>
+          </a:xfrm>
+          <a:prstGeom prst="rect">
+            <a:avLst/>
+          </a:prstGeom>
+        </p:spPr>
+        <p:txBody>
+          <a:bodyPr wrap="square">
+            <a:spAutoFit/>
+          </a:bodyPr>
+          <a:lstStyle/>
+          <a:p>
+            <a:r xmlns:a="http://schemas.openxmlformats.org/drawingml/2006/main">
+              <a:rPr lang="en" sz="2000" dirty="0" err="1" smtClean="0"/>
+              <a:t>Merge</a:t>
+            </a:r>
+            <a:r xmlns:a="http://schemas.openxmlformats.org/drawingml/2006/main">
+              <a:rPr lang="en" sz="2000" dirty="0" smtClean="0"/>
+              <a:t> </a:t>
+            </a:r>
+            <a:r xmlns:a="http://schemas.openxmlformats.org/drawingml/2006/main">
+              <a:rPr lang="en" sz="2000" b="1" dirty="0" err="1"/>
+              <a:t>DimCustomer </a:t>
+            </a:r>
+            <a:r xmlns:a="http://schemas.openxmlformats.org/drawingml/2006/main">
+              <a:rPr lang="en" sz="2000" dirty="0"/>
+              <a:t>and </a:t>
+            </a:r>
+            <a:r xmlns:a="http://schemas.openxmlformats.org/drawingml/2006/main">
+              <a:rPr lang="en" sz="2000" b="1" dirty="0" err="1"/>
+              <a:t>DimCountry </a:t>
+            </a:r>
+            <a:r xmlns:a="http://schemas.openxmlformats.org/drawingml/2006/main">
+              <a:rPr lang="en" sz="2000" dirty="0"/>
+              <a:t>to </a:t>
+            </a:r>
+            <a:r xmlns:a="http://schemas.openxmlformats.org/drawingml/2006/main">
+              <a:rPr lang="en" sz="2000" dirty="0" err="1"/>
+              <a:t>generate</a:t>
+            </a:r>
+            <a:r xmlns:a="http://schemas.openxmlformats.org/drawingml/2006/main">
+              <a:rPr lang="en" sz="2000" dirty="0"/>
+              <a:t> </a:t>
+            </a:r>
+            <a:r xmlns:a="http://schemas.openxmlformats.org/drawingml/2006/main">
+              <a:rPr lang="en" sz="2000" b="1" dirty="0"/>
+              <a:t>DimCustomer2 </a:t>
+            </a:r>
+            <a:r xmlns:a="http://schemas.openxmlformats.org/drawingml/2006/main">
+              <a:rPr lang="en" sz="2000" dirty="0"/>
+              <a:t>.</a:t>
+            </a:r>
           </a:p>
         </p:txBody>
       </p:sp>

--- a/English/3.Modeling/2.Create and handle Schema.pptx
+++ b/English/3.Modeling/2.Create and handle Schema.pptx
@@ -210,7 +210,7 @@
           <a:p>
             <a:fld id="{056BA3B8-9F76-4D81-B71D-76CB85363062}" type="datetimeFigureOut">
               <a:rPr lang="en-US" smtClean="0"/>
-              <a:t>3/5/2025</a:t>
+              <a:t>4/3/2025</a:t>
             </a:fld>
             <a:endParaRPr lang="en-US"/>
           </a:p>
@@ -609,7 +609,7 @@
           <a:p>
             <a:fld id="{6F01DA4D-20EA-48D2-973C-0311EC3005D6}" type="datetimeFigureOut">
               <a:rPr lang="en-US" smtClean="0"/>
-              <a:t>3/5/2025</a:t>
+              <a:t>4/3/2025</a:t>
             </a:fld>
             <a:endParaRPr lang="en-US"/>
           </a:p>
@@ -779,7 +779,7 @@
           <a:p>
             <a:fld id="{6F01DA4D-20EA-48D2-973C-0311EC3005D6}" type="datetimeFigureOut">
               <a:rPr lang="en-US" smtClean="0"/>
-              <a:t>3/5/2025</a:t>
+              <a:t>4/3/2025</a:t>
             </a:fld>
             <a:endParaRPr lang="en-US"/>
           </a:p>
@@ -959,7 +959,7 @@
           <a:p>
             <a:fld id="{6F01DA4D-20EA-48D2-973C-0311EC3005D6}" type="datetimeFigureOut">
               <a:rPr lang="en-US" smtClean="0"/>
-              <a:t>3/5/2025</a:t>
+              <a:t>4/3/2025</a:t>
             </a:fld>
             <a:endParaRPr lang="en-US"/>
           </a:p>
@@ -1129,7 +1129,7 @@
           <a:p>
             <a:fld id="{6F01DA4D-20EA-48D2-973C-0311EC3005D6}" type="datetimeFigureOut">
               <a:rPr lang="en-US" smtClean="0"/>
-              <a:t>3/5/2025</a:t>
+              <a:t>4/3/2025</a:t>
             </a:fld>
             <a:endParaRPr lang="en-US"/>
           </a:p>
@@ -1375,7 +1375,7 @@
           <a:p>
             <a:fld id="{6F01DA4D-20EA-48D2-973C-0311EC3005D6}" type="datetimeFigureOut">
               <a:rPr lang="en-US" smtClean="0"/>
-              <a:t>3/5/2025</a:t>
+              <a:t>4/3/2025</a:t>
             </a:fld>
             <a:endParaRPr lang="en-US"/>
           </a:p>
@@ -1607,7 +1607,7 @@
           <a:p>
             <a:fld id="{6F01DA4D-20EA-48D2-973C-0311EC3005D6}" type="datetimeFigureOut">
               <a:rPr lang="en-US" smtClean="0"/>
-              <a:t>3/5/2025</a:t>
+              <a:t>4/3/2025</a:t>
             </a:fld>
             <a:endParaRPr lang="en-US"/>
           </a:p>
@@ -1974,7 +1974,7 @@
           <a:p>
             <a:fld id="{6F01DA4D-20EA-48D2-973C-0311EC3005D6}" type="datetimeFigureOut">
               <a:rPr lang="en-US" smtClean="0"/>
-              <a:t>3/5/2025</a:t>
+              <a:t>4/3/2025</a:t>
             </a:fld>
             <a:endParaRPr lang="en-US"/>
           </a:p>
@@ -2092,7 +2092,7 @@
           <a:p>
             <a:fld id="{6F01DA4D-20EA-48D2-973C-0311EC3005D6}" type="datetimeFigureOut">
               <a:rPr lang="en-US" smtClean="0"/>
-              <a:t>3/5/2025</a:t>
+              <a:t>4/3/2025</a:t>
             </a:fld>
             <a:endParaRPr lang="en-US"/>
           </a:p>
@@ -2187,7 +2187,7 @@
           <a:p>
             <a:fld id="{6F01DA4D-20EA-48D2-973C-0311EC3005D6}" type="datetimeFigureOut">
               <a:rPr lang="en-US" smtClean="0"/>
-              <a:t>3/5/2025</a:t>
+              <a:t>4/3/2025</a:t>
             </a:fld>
             <a:endParaRPr lang="en-US"/>
           </a:p>
@@ -2464,7 +2464,7 @@
           <a:p>
             <a:fld id="{6F01DA4D-20EA-48D2-973C-0311EC3005D6}" type="datetimeFigureOut">
               <a:rPr lang="en-US" smtClean="0"/>
-              <a:t>3/5/2025</a:t>
+              <a:t>4/3/2025</a:t>
             </a:fld>
             <a:endParaRPr lang="en-US"/>
           </a:p>
@@ -2717,7 +2717,7 @@
           <a:p>
             <a:fld id="{6F01DA4D-20EA-48D2-973C-0311EC3005D6}" type="datetimeFigureOut">
               <a:rPr lang="en-US" smtClean="0"/>
-              <a:t>3/5/2025</a:t>
+              <a:t>4/3/2025</a:t>
             </a:fld>
             <a:endParaRPr lang="en-US"/>
           </a:p>
@@ -2930,7 +2930,7 @@
           <a:p>
             <a:fld id="{6F01DA4D-20EA-48D2-973C-0311EC3005D6}" type="datetimeFigureOut">
               <a:rPr lang="en-US" smtClean="0"/>
-              <a:t>3/5/2025</a:t>
+              <a:t>4/3/2025</a:t>
             </a:fld>
             <a:endParaRPr lang="en-US"/>
           </a:p>
@@ -3351,7 +3351,7 @@
         </p:nvSpPr>
         <p:spPr>
           <a:xfrm>
-            <a:off x="1274214" y="2140303"/>
+            <a:off x="1487345" y="2284682"/>
             <a:ext cx="9199606" cy="2308324"/>
           </a:xfrm>
           <a:prstGeom prst="rect">
@@ -3365,8 +3365,8 @@
           </a:bodyPr>
           <a:lstStyle/>
           <a:p>
-            <a:pPr xmlns:a="http://schemas.openxmlformats.org/drawingml/2006/main" algn="ctr"/>
-            <a:r xmlns:a="http://schemas.openxmlformats.org/drawingml/2006/main">
+            <a:pPr algn="ctr"/>
+            <a:r>
               <a:rPr lang="en" sz="7200" b="1" dirty="0" smtClean="0">
                 <a:solidFill>
                   <a:srgbClr val="7030A0"/>
@@ -3375,9 +3375,20 @@
                 <a:ea typeface="Verdana" panose="020B0604030504040204" pitchFamily="34" charset="0"/>
                 <a:cs typeface="Segoe UI" panose="020B0502040204020203" pitchFamily="34" charset="0"/>
               </a:rPr>
-              <a:t>Create and organize diagrams</a:t>
-            </a:r>
-            <a:endParaRPr xmlns:a="http://schemas.openxmlformats.org/drawingml/2006/main" lang="en-US" sz="7200" b="1" dirty="0">
+              <a:t>Create and organize </a:t>
+            </a:r>
+            <a:r>
+              <a:rPr lang="en" sz="7200" b="1" dirty="0" smtClean="0">
+                <a:solidFill>
+                  <a:srgbClr val="7030A0"/>
+                </a:solidFill>
+                <a:latin typeface="Segoe UI" panose="020B0502040204020203" pitchFamily="34" charset="0"/>
+                <a:ea typeface="Verdana" panose="020B0604030504040204" pitchFamily="34" charset="0"/>
+                <a:cs typeface="Segoe UI" panose="020B0502040204020203" pitchFamily="34" charset="0"/>
+              </a:rPr>
+              <a:t>schemas</a:t>
+            </a:r>
+            <a:endParaRPr lang="en-US" sz="7200" b="1" dirty="0">
               <a:solidFill>
                 <a:srgbClr val="7030A0"/>
               </a:solidFill>
@@ -3396,7 +3407,7 @@
         </p:nvSpPr>
         <p:spPr>
           <a:xfrm>
-            <a:off x="1198587" y="2079572"/>
+            <a:off x="1487345" y="2230826"/>
             <a:ext cx="9199606" cy="2308324"/>
           </a:xfrm>
           <a:prstGeom prst="rect">
@@ -3410,8 +3421,8 @@
           </a:bodyPr>
           <a:lstStyle/>
           <a:p>
-            <a:pPr xmlns:a="http://schemas.openxmlformats.org/drawingml/2006/main" algn="ctr"/>
-            <a:r xmlns:a="http://schemas.openxmlformats.org/drawingml/2006/main">
+            <a:pPr algn="ctr"/>
+            <a:r>
               <a:rPr lang="en" sz="7200" b="1" dirty="0" smtClean="0">
                 <a:solidFill>
                   <a:schemeClr val="bg1"/>
@@ -3420,23 +3431,9 @@
                 <a:ea typeface="Verdana" panose="020B0604030504040204" pitchFamily="34" charset="0"/>
                 <a:cs typeface="Segoe UI" panose="020B0502040204020203" pitchFamily="34" charset="0"/>
               </a:rPr>
-              <a:t>Create and organize</a:t>
-            </a:r>
-          </a:p>
-          <a:p>
-            <a:pPr xmlns:a="http://schemas.openxmlformats.org/drawingml/2006/main" algn="ctr"/>
-            <a:r xmlns:a="http://schemas.openxmlformats.org/drawingml/2006/main">
-              <a:rPr lang="en" sz="7200" b="1" dirty="0">
-                <a:solidFill>
-                  <a:schemeClr val="bg1"/>
-                </a:solidFill>
-                <a:latin typeface="Segoe UI" panose="020B0502040204020203" pitchFamily="34" charset="0"/>
-                <a:ea typeface="Verdana" panose="020B0604030504040204" pitchFamily="34" charset="0"/>
-                <a:cs typeface="Segoe UI" panose="020B0502040204020203" pitchFamily="34" charset="0"/>
-              </a:rPr>
-              <a:t>the </a:t>
-            </a:r>
-            <a:r xmlns:a="http://schemas.openxmlformats.org/drawingml/2006/main">
+              <a:t>Create and </a:t>
+            </a:r>
+            <a:r>
               <a:rPr lang="en" sz="7200" b="1" dirty="0" smtClean="0">
                 <a:solidFill>
                   <a:schemeClr val="bg1"/>
@@ -3445,9 +3442,23 @@
                 <a:ea typeface="Verdana" panose="020B0604030504040204" pitchFamily="34" charset="0"/>
                 <a:cs typeface="Segoe UI" panose="020B0502040204020203" pitchFamily="34" charset="0"/>
               </a:rPr>
-              <a:t>diagrams</a:t>
-            </a:r>
-            <a:endParaRPr xmlns:a="http://schemas.openxmlformats.org/drawingml/2006/main" lang="en-US" sz="7200" b="1" dirty="0">
+              <a:t>organize</a:t>
+            </a:r>
+          </a:p>
+          <a:p>
+            <a:pPr algn="ctr"/>
+            <a:r>
+              <a:rPr lang="en" sz="7200" b="1" dirty="0" smtClean="0">
+                <a:solidFill>
+                  <a:schemeClr val="bg1"/>
+                </a:solidFill>
+                <a:latin typeface="Segoe UI" panose="020B0502040204020203" pitchFamily="34" charset="0"/>
+                <a:ea typeface="Verdana" panose="020B0604030504040204" pitchFamily="34" charset="0"/>
+                <a:cs typeface="Segoe UI" panose="020B0502040204020203" pitchFamily="34" charset="0"/>
+              </a:rPr>
+              <a:t>schemas</a:t>
+            </a:r>
+            <a:endParaRPr lang="en-US" sz="7200" b="1" dirty="0">
               <a:solidFill>
                 <a:schemeClr val="bg1"/>
               </a:solidFill>
@@ -3592,14 +3603,14 @@
           </a:bodyPr>
           <a:lstStyle/>
           <a:p>
-            <a:r xmlns:a="http://schemas.openxmlformats.org/drawingml/2006/main">
+            <a:r>
               <a:rPr lang="en" sz="2000" b="1" dirty="0" smtClean="0">
                 <a:latin typeface="Segoe UI" panose="020B0502040204020203" pitchFamily="34" charset="0"/>
                 <a:cs typeface="Segoe UI" panose="020B0502040204020203" pitchFamily="34" charset="0"/>
               </a:rPr>
               <a:t>Create and organize diagrams</a:t>
             </a:r>
-            <a:endParaRPr xmlns:a="http://schemas.openxmlformats.org/drawingml/2006/main" lang="en-US" sz="2000" b="1" dirty="0">
+            <a:endParaRPr lang="en-US" sz="2000" b="1" dirty="0">
               <a:latin typeface="Segoe UI" panose="020B0502040204020203" pitchFamily="34" charset="0"/>
               <a:cs typeface="Segoe UI" panose="020B0502040204020203" pitchFamily="34" charset="0"/>
             </a:endParaRPr>
@@ -3627,19 +3638,19 @@
           </a:bodyPr>
           <a:lstStyle/>
           <a:p>
-            <a:r xmlns:a="http://schemas.openxmlformats.org/drawingml/2006/main">
+            <a:r>
               <a:rPr lang="en" sz="2000" dirty="0"/>
               <a:t>Restructure </a:t>
             </a:r>
-            <a:r xmlns:a="http://schemas.openxmlformats.org/drawingml/2006/main">
+            <a:r>
               <a:rPr lang="en" sz="2000" b="1" dirty="0"/>
               <a:t>DimCustomer2 </a:t>
             </a:r>
-            <a:r xmlns:a="http://schemas.openxmlformats.org/drawingml/2006/main">
+            <a:r>
               <a:rPr lang="en" sz="2000" dirty="0"/>
               <a:t>in the same way as the other dimensions.</a:t>
             </a:r>
-            <a:endParaRPr xmlns:a="http://schemas.openxmlformats.org/drawingml/2006/main" lang="en-US" sz="2000" dirty="0"/>
+            <a:endParaRPr lang="en-US" sz="2000" dirty="0"/>
           </a:p>
         </p:txBody>
       </p:sp>
@@ -3729,14 +3740,14 @@
           </a:bodyPr>
           <a:lstStyle/>
           <a:p>
-            <a:r xmlns:a="http://schemas.openxmlformats.org/drawingml/2006/main">
+            <a:r>
               <a:rPr lang="en" sz="2000" b="1" dirty="0" smtClean="0">
                 <a:latin typeface="Segoe UI" panose="020B0502040204020203" pitchFamily="34" charset="0"/>
                 <a:cs typeface="Segoe UI" panose="020B0502040204020203" pitchFamily="34" charset="0"/>
               </a:rPr>
               <a:t>Create and organize diagrams</a:t>
             </a:r>
-            <a:endParaRPr xmlns:a="http://schemas.openxmlformats.org/drawingml/2006/main" lang="en-US" sz="2000" b="1" dirty="0">
+            <a:endParaRPr lang="en-US" sz="2000" b="1" dirty="0">
               <a:latin typeface="Segoe UI" panose="020B0502040204020203" pitchFamily="34" charset="0"/>
               <a:cs typeface="Segoe UI" panose="020B0502040204020203" pitchFamily="34" charset="0"/>
             </a:endParaRPr>
@@ -3764,19 +3775,19 @@
           </a:bodyPr>
           <a:lstStyle/>
           <a:p>
-            <a:r xmlns:a="http://schemas.openxmlformats.org/drawingml/2006/main">
+            <a:r>
               <a:rPr lang="en" sz="2000" dirty="0"/>
               <a:t>Restructure </a:t>
             </a:r>
-            <a:r xmlns:a="http://schemas.openxmlformats.org/drawingml/2006/main">
+            <a:r>
               <a:rPr lang="en" sz="2000" b="1" dirty="0"/>
               <a:t>DimCustomer2 </a:t>
             </a:r>
-            <a:r xmlns:a="http://schemas.openxmlformats.org/drawingml/2006/main">
+            <a:r>
               <a:rPr lang="en" sz="2000" dirty="0"/>
               <a:t>in the same way as the previous dimensions</a:t>
             </a:r>
-            <a:endParaRPr xmlns:a="http://schemas.openxmlformats.org/drawingml/2006/main" lang="en-US" sz="2000" dirty="0"/>
+            <a:endParaRPr lang="en-US" sz="2000" dirty="0"/>
           </a:p>
         </p:txBody>
       </p:sp>
@@ -3869,7 +3880,7 @@
           </a:bodyPr>
           <a:lstStyle/>
           <a:p>
-            <a:pPr xmlns:a="http://schemas.openxmlformats.org/drawingml/2006/main" marL="0" marR="0" lvl="0" indent="0" algn="l" defTabSz="914400" rtl="0" eaLnBrk="0" fontAlgn="base" latinLnBrk="0" hangingPunct="0">
+            <a:pPr marL="0" marR="0" lvl="0" indent="0" algn="l" defTabSz="914400" rtl="0" eaLnBrk="0" fontAlgn="base" latinLnBrk="0" hangingPunct="0">
               <a:lnSpc>
                 <a:spcPct val="100000"/>
               </a:lnSpc>
@@ -3883,14 +3894,14 @@
               <a:buSzTx/>
               <a:tabLst/>
             </a:pPr>
-            <a:r xmlns:a="http://schemas.openxmlformats.org/drawingml/2006/main">
+            <a:r>
               <a:rPr lang="en" altLang="en-US" dirty="0" smtClean="0">
                 <a:latin typeface="Segoe UI" panose="020B0502040204020203" pitchFamily="34" charset="0"/>
                 <a:cs typeface="Segoe UI" panose="020B0502040204020203" pitchFamily="34" charset="0"/>
               </a:rPr>
               <a:t>Delete relationships if they exist</a:t>
             </a:r>
-            <a:endParaRPr xmlns:a="http://schemas.openxmlformats.org/drawingml/2006/main" kumimoji="0" lang="fr-FR" altLang="en-US" b="1" i="0" u="none" strike="noStrike" cap="none" normalizeH="0" baseline="0" dirty="0" smtClean="0">
+            <a:endParaRPr kumimoji="0" lang="fr-FR" altLang="en-US" b="1" i="0" u="none" strike="noStrike" cap="none" normalizeH="0" baseline="0" dirty="0" smtClean="0">
               <a:ln>
                 <a:noFill/>
               </a:ln>
@@ -4088,14 +4099,14 @@
           </a:bodyPr>
           <a:lstStyle/>
           <a:p>
-            <a:r xmlns:a="http://schemas.openxmlformats.org/drawingml/2006/main">
+            <a:r>
               <a:rPr lang="en" sz="2000" b="1" dirty="0" smtClean="0">
                 <a:latin typeface="Segoe UI" panose="020B0502040204020203" pitchFamily="34" charset="0"/>
                 <a:cs typeface="Segoe UI" panose="020B0502040204020203" pitchFamily="34" charset="0"/>
               </a:rPr>
               <a:t>Create and organize diagrams</a:t>
             </a:r>
-            <a:endParaRPr xmlns:a="http://schemas.openxmlformats.org/drawingml/2006/main" lang="en-US" sz="2000" b="1" dirty="0">
+            <a:endParaRPr lang="en-US" sz="2000" b="1" dirty="0">
               <a:latin typeface="Segoe UI" panose="020B0502040204020203" pitchFamily="34" charset="0"/>
               <a:cs typeface="Segoe UI" panose="020B0502040204020203" pitchFamily="34" charset="0"/>
             </a:endParaRPr>
@@ -4178,14 +4189,14 @@
           </a:bodyPr>
           <a:lstStyle/>
           <a:p>
-            <a:r xmlns:a="http://schemas.openxmlformats.org/drawingml/2006/main">
+            <a:r>
               <a:rPr lang="en" sz="2000" b="1" dirty="0" smtClean="0">
                 <a:latin typeface="Segoe UI" panose="020B0502040204020203" pitchFamily="34" charset="0"/>
                 <a:cs typeface="Segoe UI" panose="020B0502040204020203" pitchFamily="34" charset="0"/>
               </a:rPr>
               <a:t>Create and organize diagrams</a:t>
             </a:r>
-            <a:endParaRPr xmlns:a="http://schemas.openxmlformats.org/drawingml/2006/main" lang="en-US" sz="2000" b="1" dirty="0">
+            <a:endParaRPr lang="en-US" sz="2000" b="1" dirty="0">
               <a:latin typeface="Segoe UI" panose="020B0502040204020203" pitchFamily="34" charset="0"/>
               <a:cs typeface="Segoe UI" panose="020B0502040204020203" pitchFamily="34" charset="0"/>
             </a:endParaRPr>
@@ -4251,7 +4262,7 @@
           </a:bodyPr>
           <a:lstStyle/>
           <a:p>
-            <a:pPr xmlns:a="http://schemas.openxmlformats.org/drawingml/2006/main" marL="0" marR="0" lvl="0" indent="0" algn="l" defTabSz="914400" rtl="0" eaLnBrk="0" fontAlgn="base" latinLnBrk="0" hangingPunct="0">
+            <a:pPr marL="0" marR="0" lvl="0" indent="0" algn="l" defTabSz="914400" rtl="0" eaLnBrk="0" fontAlgn="base" latinLnBrk="0" hangingPunct="0">
               <a:lnSpc>
                 <a:spcPct val="100000"/>
               </a:lnSpc>
@@ -4267,7 +4278,7 @@
               <a:buNone/>
               <a:tabLst/>
             </a:pPr>
-            <a:r xmlns:a="http://schemas.openxmlformats.org/drawingml/2006/main">
+            <a:r>
               <a:rPr kumimoji="0" lang="en" altLang="en-US" sz="1800" i="0" u="none" strike="noStrike" cap="none" normalizeH="0" baseline="0" dirty="0" smtClean="0">
                 <a:ln>
                   <a:noFill/>
@@ -4280,7 +4291,7 @@
               </a:rPr>
               <a:t>Now let's establish a new connection between </a:t>
             </a:r>
-            <a:r xmlns:a="http://schemas.openxmlformats.org/drawingml/2006/main">
+            <a:r>
               <a:rPr kumimoji="0" lang="en" altLang="en-US" sz="1800" b="1" i="0" u="none" strike="noStrike" cap="none" normalizeH="0" baseline="0" dirty="0" smtClean="0">
                 <a:ln>
                   <a:noFill/>
@@ -4293,7 +4304,7 @@
               </a:rPr>
               <a:t>DimCustomer2 </a:t>
             </a:r>
-            <a:r xmlns:a="http://schemas.openxmlformats.org/drawingml/2006/main">
+            <a:r>
               <a:rPr kumimoji="0" lang="en" altLang="en-US" sz="1800" i="0" u="none" strike="noStrike" cap="none" normalizeH="0" baseline="0" dirty="0" smtClean="0">
                 <a:ln>
                   <a:noFill/>
@@ -4306,7 +4317,7 @@
               </a:rPr>
               <a:t>and </a:t>
             </a:r>
-            <a:r xmlns:a="http://schemas.openxmlformats.org/drawingml/2006/main">
+            <a:r>
               <a:rPr kumimoji="0" lang="en" altLang="en-US" sz="1800" b="1" i="0" u="none" strike="noStrike" cap="none" normalizeH="0" baseline="0" dirty="0" smtClean="0">
                 <a:ln>
                   <a:noFill/>
@@ -4319,7 +4330,7 @@
               </a:rPr>
               <a:t>FactSales</a:t>
             </a:r>
-            <a:r xmlns:a="http://schemas.openxmlformats.org/drawingml/2006/main">
+            <a:r>
               <a:rPr kumimoji="0" lang="en" altLang="en-US" sz="1800" i="0" u="none" strike="noStrike" cap="none" normalizeH="0" baseline="0" dirty="0" smtClean="0">
                 <a:ln>
                   <a:noFill/>
@@ -4334,7 +4345,7 @@
             </a:r>
           </a:p>
           <a:p>
-            <a:pPr xmlns:a="http://schemas.openxmlformats.org/drawingml/2006/main" marL="0" marR="0" lvl="0" indent="0" algn="l" defTabSz="914400" rtl="0" eaLnBrk="0" fontAlgn="base" latinLnBrk="0" hangingPunct="0">
+            <a:pPr marL="0" marR="0" lvl="0" indent="0" algn="l" defTabSz="914400" rtl="0" eaLnBrk="0" fontAlgn="base" latinLnBrk="0" hangingPunct="0">
               <a:lnSpc>
                 <a:spcPct val="100000"/>
               </a:lnSpc>
@@ -4350,7 +4361,7 @@
               <a:buNone/>
               <a:tabLst/>
             </a:pPr>
-            <a:r xmlns:a="http://schemas.openxmlformats.org/drawingml/2006/main">
+            <a:r>
               <a:rPr kumimoji="0" lang="en" altLang="en-US" sz="1800" i="0" u="none" strike="noStrike" cap="none" normalizeH="0" baseline="0" dirty="0" smtClean="0">
                 <a:ln>
                   <a:noFill/>
@@ -4363,7 +4374,7 @@
               </a:rPr>
               <a:t>by dragging </a:t>
             </a:r>
-            <a:r xmlns:a="http://schemas.openxmlformats.org/drawingml/2006/main">
+            <a:r>
               <a:rPr kumimoji="0" lang="en" altLang="en-US" sz="1800" b="1" i="0" u="none" strike="noStrike" cap="none" normalizeH="0" baseline="0" dirty="0" err="1" smtClean="0">
                 <a:ln>
                   <a:noFill/>
@@ -4376,7 +4387,7 @@
               </a:rPr>
               <a:t>CustomerID </a:t>
             </a:r>
-            <a:r xmlns:a="http://schemas.openxmlformats.org/drawingml/2006/main">
+            <a:r>
               <a:rPr kumimoji="0" lang="en" altLang="en-US" sz="1800" i="0" u="none" strike="noStrike" cap="none" normalizeH="0" baseline="0" dirty="0" smtClean="0">
                 <a:ln>
                   <a:noFill/>
@@ -4389,7 +4400,7 @@
               </a:rPr>
               <a:t>from </a:t>
             </a:r>
-            <a:r xmlns:a="http://schemas.openxmlformats.org/drawingml/2006/main">
+            <a:r>
               <a:rPr kumimoji="0" lang="en" altLang="en-US" sz="1800" b="1" i="0" u="none" strike="noStrike" cap="none" normalizeH="0" baseline="0" dirty="0" smtClean="0">
                 <a:ln>
                   <a:noFill/>
@@ -4402,7 +4413,7 @@
               </a:rPr>
               <a:t>FactSales </a:t>
             </a:r>
-            <a:r xmlns:a="http://schemas.openxmlformats.org/drawingml/2006/main">
+            <a:r>
               <a:rPr kumimoji="0" lang="en" altLang="en-US" sz="1800" i="0" u="none" strike="noStrike" cap="none" normalizeH="0" baseline="0" dirty="0" smtClean="0">
                 <a:ln>
                   <a:noFill/>
@@ -4415,7 +4426,7 @@
               </a:rPr>
               <a:t>to </a:t>
             </a:r>
-            <a:r xmlns:a="http://schemas.openxmlformats.org/drawingml/2006/main">
+            <a:r>
               <a:rPr kumimoji="0" lang="en" altLang="en-US" sz="1800" b="1" i="0" u="none" strike="noStrike" cap="none" normalizeH="0" baseline="0" dirty="0" smtClean="0">
                 <a:ln>
                   <a:noFill/>
@@ -4428,7 +4439,7 @@
               </a:rPr>
               <a:t>DimCustomer2 </a:t>
             </a:r>
-            <a:r xmlns:a="http://schemas.openxmlformats.org/drawingml/2006/main">
+            <a:r>
               <a:rPr kumimoji="0" lang="en" altLang="en-US" sz="1800" i="0" u="none" strike="noStrike" cap="none" normalizeH="0" baseline="0" dirty="0" smtClean="0">
                 <a:ln>
                   <a:noFill/>
@@ -4529,8 +4540,8 @@
         </p:nvSpPr>
         <p:spPr>
           <a:xfrm>
-            <a:off x="4023104" y="2629946"/>
-            <a:ext cx="3456395" cy="1569660"/>
+            <a:off x="2799321" y="2506192"/>
+            <a:ext cx="6230360" cy="1569660"/>
           </a:xfrm>
           <a:prstGeom prst="rect">
             <a:avLst/>
@@ -4543,8 +4554,8 @@
           </a:bodyPr>
           <a:lstStyle/>
           <a:p>
-            <a:r xmlns:a="http://schemas.openxmlformats.org/drawingml/2006/main">
-              <a:rPr lang="en" sz="9600" b="1" dirty="0" smtClean="0">
+            <a:r>
+              <a:rPr lang="en-US" sz="9600" b="1" dirty="0" smtClean="0">
                 <a:solidFill>
                   <a:srgbClr val="7030A0"/>
                 </a:solidFill>
@@ -4552,9 +4563,9 @@
                 <a:ea typeface="Verdana" panose="020B0604030504040204" pitchFamily="34" charset="0"/>
                 <a:cs typeface="Segoe UI" panose="020B0502040204020203" pitchFamily="34" charset="0"/>
               </a:rPr>
-              <a:t>THANKS</a:t>
-            </a:r>
-            <a:endParaRPr xmlns:a="http://schemas.openxmlformats.org/drawingml/2006/main" lang="en-US" sz="9600" b="1" dirty="0">
+              <a:t>Thank you</a:t>
+            </a:r>
+            <a:endParaRPr lang="en-US" sz="9600" b="1" dirty="0">
               <a:solidFill>
                 <a:srgbClr val="7030A0"/>
               </a:solidFill>
@@ -4573,8 +4584,8 @@
         </p:nvSpPr>
         <p:spPr>
           <a:xfrm>
-            <a:off x="3962373" y="2541714"/>
-            <a:ext cx="3456395" cy="1569660"/>
+            <a:off x="2738590" y="2417960"/>
+            <a:ext cx="6230360" cy="1569660"/>
           </a:xfrm>
           <a:prstGeom prst="rect">
             <a:avLst/>
@@ -4587,8 +4598,8 @@
           </a:bodyPr>
           <a:lstStyle/>
           <a:p>
-            <a:r xmlns:a="http://schemas.openxmlformats.org/drawingml/2006/main">
-              <a:rPr lang="en" sz="9600" b="1" dirty="0" smtClean="0">
+            <a:r>
+              <a:rPr lang="en-US" sz="9600" b="1" dirty="0" smtClean="0">
                 <a:solidFill>
                   <a:schemeClr val="bg1"/>
                 </a:solidFill>
@@ -4596,9 +4607,9 @@
                 <a:ea typeface="Verdana" panose="020B0604030504040204" pitchFamily="34" charset="0"/>
                 <a:cs typeface="Segoe UI" panose="020B0502040204020203" pitchFamily="34" charset="0"/>
               </a:rPr>
-              <a:t>THANKS</a:t>
-            </a:r>
-            <a:endParaRPr xmlns:a="http://schemas.openxmlformats.org/drawingml/2006/main" lang="en-US" sz="9600" b="1" dirty="0">
+              <a:t>Thank you</a:t>
+            </a:r>
+            <a:endParaRPr lang="en-US" sz="9600" b="1" dirty="0">
               <a:solidFill>
                 <a:schemeClr val="bg1"/>
               </a:solidFill>
@@ -4661,14 +4672,14 @@
           </a:bodyPr>
           <a:lstStyle/>
           <a:p>
-            <a:r xmlns:a="http://schemas.openxmlformats.org/drawingml/2006/main">
+            <a:r>
               <a:rPr lang="en" sz="2000" b="1" dirty="0" smtClean="0">
                 <a:latin typeface="Segoe UI" panose="020B0502040204020203" pitchFamily="34" charset="0"/>
                 <a:cs typeface="Segoe UI" panose="020B0502040204020203" pitchFamily="34" charset="0"/>
               </a:rPr>
               <a:t>Create and organize diagrams</a:t>
             </a:r>
-            <a:endParaRPr xmlns:a="http://schemas.openxmlformats.org/drawingml/2006/main" lang="en-US" sz="2000" b="1" dirty="0">
+            <a:endParaRPr lang="en-US" sz="2000" b="1" dirty="0">
               <a:latin typeface="Segoe UI" panose="020B0502040204020203" pitchFamily="34" charset="0"/>
               <a:cs typeface="Segoe UI" panose="020B0502040204020203" pitchFamily="34" charset="0"/>
             </a:endParaRPr>
@@ -4790,27 +4801,27 @@
           </a:bodyPr>
           <a:lstStyle/>
           <a:p>
-            <a:r xmlns:a="http://schemas.openxmlformats.org/drawingml/2006/main">
+            <a:r>
               <a:rPr lang="en" sz="2000" b="1" dirty="0"/>
               <a:t>Note: </a:t>
             </a:r>
-            <a:r xmlns:a="http://schemas.openxmlformats.org/drawingml/2006/main">
+            <a:r>
               <a:rPr lang="en" sz="2000" dirty="0"/>
               <a:t>This lab uses the </a:t>
             </a:r>
-            <a:r xmlns:a="http://schemas.openxmlformats.org/drawingml/2006/main">
+            <a:r>
               <a:rPr lang="en" sz="2000" b="1" dirty="0"/>
               <a:t>lab2.xlsx file </a:t>
             </a:r>
-            <a:r xmlns:a="http://schemas.openxmlformats.org/drawingml/2006/main">
+            <a:r>
               <a:rPr lang="en" sz="2000" dirty="0"/>
               <a:t>in the </a:t>
             </a:r>
-            <a:r xmlns:a="http://schemas.openxmlformats.org/drawingml/2006/main">
+            <a:r>
               <a:rPr lang="en" sz="2000" b="1" dirty="0"/>
               <a:t>Sales Model template</a:t>
             </a:r>
-            <a:endParaRPr xmlns:a="http://schemas.openxmlformats.org/drawingml/2006/main" lang="en-US" sz="2000" b="1" dirty="0"/>
+            <a:endParaRPr lang="en-US" sz="2000" b="1" dirty="0"/>
           </a:p>
         </p:txBody>
       </p:sp>
@@ -4835,31 +4846,31 @@
           </a:bodyPr>
           <a:lstStyle/>
           <a:p>
-            <a:r xmlns:a="http://schemas.openxmlformats.org/drawingml/2006/main">
+            <a:r>
               <a:rPr lang="en" sz="2000" b="1" dirty="0"/>
               <a:t>Objective: Transform the </a:t>
             </a:r>
-            <a:r xmlns:a="http://schemas.openxmlformats.org/drawingml/2006/main">
+            <a:r>
               <a:rPr lang="en" sz="2000" b="1" dirty="0" err="1"/>
               <a:t>Inmon </a:t>
             </a:r>
-            <a:r xmlns:a="http://schemas.openxmlformats.org/drawingml/2006/main">
+            <a:r>
               <a:rPr lang="en" sz="2000" dirty="0"/>
               <a:t>model schema </a:t>
             </a:r>
-            <a:r xmlns:a="http://schemas.openxmlformats.org/drawingml/2006/main">
+            <a:r>
               <a:rPr lang="en" sz="2000" b="1" dirty="0"/>
               <a:t>(snowflake schema) </a:t>
             </a:r>
-            <a:r xmlns:a="http://schemas.openxmlformats.org/drawingml/2006/main">
+            <a:r>
               <a:rPr lang="en" sz="2000" dirty="0"/>
               <a:t>to </a:t>
             </a:r>
-            <a:r xmlns:a="http://schemas.openxmlformats.org/drawingml/2006/main">
+            <a:r>
               <a:rPr lang="en" sz="2000" b="1" dirty="0"/>
               <a:t>Kimball (star schema)</a:t>
             </a:r>
-            <a:endParaRPr xmlns:a="http://schemas.openxmlformats.org/drawingml/2006/main" lang="en-US" sz="2000" b="1" dirty="0"/>
+            <a:endParaRPr lang="en-US" sz="2000" b="1" dirty="0"/>
           </a:p>
         </p:txBody>
       </p:sp>
@@ -4915,14 +4926,14 @@
           </a:bodyPr>
           <a:lstStyle/>
           <a:p>
-            <a:r xmlns:a="http://schemas.openxmlformats.org/drawingml/2006/main">
+            <a:r>
               <a:rPr lang="en" sz="2000" b="1" dirty="0" smtClean="0">
                 <a:latin typeface="Segoe UI" panose="020B0502040204020203" pitchFamily="34" charset="0"/>
                 <a:cs typeface="Segoe UI" panose="020B0502040204020203" pitchFamily="34" charset="0"/>
               </a:rPr>
               <a:t>Create and organize diagrams</a:t>
             </a:r>
-            <a:endParaRPr xmlns:a="http://schemas.openxmlformats.org/drawingml/2006/main" lang="en-US" sz="2000" b="1" dirty="0">
+            <a:endParaRPr lang="en-US" sz="2000" b="1" dirty="0">
               <a:latin typeface="Segoe UI" panose="020B0502040204020203" pitchFamily="34" charset="0"/>
               <a:cs typeface="Segoe UI" panose="020B0502040204020203" pitchFamily="34" charset="0"/>
             </a:endParaRPr>
@@ -4950,15 +4961,15 @@
           </a:bodyPr>
           <a:lstStyle/>
           <a:p>
-            <a:r xmlns:a="http://schemas.openxmlformats.org/drawingml/2006/main">
+            <a:r>
               <a:rPr lang="en" sz="2000" dirty="0" smtClean="0"/>
               <a:t>Load </a:t>
             </a:r>
-            <a:r xmlns:a="http://schemas.openxmlformats.org/drawingml/2006/main">
+            <a:r>
               <a:rPr lang="en" sz="2000" dirty="0"/>
               <a:t>the data into Power BI Desktop.</a:t>
             </a:r>
-            <a:endParaRPr xmlns:a="http://schemas.openxmlformats.org/drawingml/2006/main" lang="en-US" sz="2000" dirty="0"/>
+            <a:endParaRPr lang="en-US" sz="2000" dirty="0"/>
           </a:p>
         </p:txBody>
       </p:sp>
@@ -4983,82 +4994,82 @@
           </a:bodyPr>
           <a:lstStyle/>
           <a:p>
-            <a:r xmlns:a="http://schemas.openxmlformats.org/drawingml/2006/main">
+            <a:r>
               <a:rPr lang="en" sz="2000" dirty="0" smtClean="0"/>
               <a:t>Implement </a:t>
             </a:r>
-            <a:r xmlns:a="http://schemas.openxmlformats.org/drawingml/2006/main">
+            <a:r>
               <a:rPr lang="en" sz="2000" dirty="0"/>
               <a:t>the star schema </a:t>
             </a:r>
-            <a:r xmlns:a="http://schemas.openxmlformats.org/drawingml/2006/main">
+            <a:r>
               <a:rPr lang="en" sz="2000" b="1" dirty="0"/>
               <a:t>(Kimball </a:t>
             </a:r>
-            <a:r xmlns:a="http://schemas.openxmlformats.org/drawingml/2006/main">
+            <a:r>
               <a:rPr lang="en" sz="2000" b="1" dirty="0" err="1"/>
               <a:t>Approach </a:t>
             </a:r>
-            <a:r xmlns:a="http://schemas.openxmlformats.org/drawingml/2006/main">
+            <a:r>
               <a:rPr lang="en" sz="2000" b="1" dirty="0"/>
               <a:t>) </a:t>
             </a:r>
-            <a:r xmlns:a="http://schemas.openxmlformats.org/drawingml/2006/main">
+            <a:r>
               <a:rPr lang="en" sz="2000" dirty="0"/>
               <a:t>ensuring that </a:t>
             </a:r>
-            <a:r xmlns:a="http://schemas.openxmlformats.org/drawingml/2006/main">
+            <a:r>
               <a:rPr lang="en" sz="2000" b="1" dirty="0"/>
               <a:t>FactSales </a:t>
             </a:r>
-            <a:r xmlns:a="http://schemas.openxmlformats.org/drawingml/2006/main">
+            <a:r>
               <a:rPr lang="en" sz="2000" dirty="0"/>
               <a:t>is</a:t>
             </a:r>
-            <a:endParaRPr xmlns:a="http://schemas.openxmlformats.org/drawingml/2006/main" lang="fr-FR" sz="2000" dirty="0" smtClean="0"/>
-          </a:p>
-          <a:p>
-            <a:r xmlns:a="http://schemas.openxmlformats.org/drawingml/2006/main">
+            <a:endParaRPr lang="fr-FR" sz="2000" dirty="0" smtClean="0"/>
+          </a:p>
+          <a:p>
+            <a:r>
               <a:rPr lang="en" sz="2000" dirty="0"/>
               <a:t> </a:t>
             </a:r>
-            <a:r xmlns:a="http://schemas.openxmlformats.org/drawingml/2006/main">
+            <a:r>
               <a:rPr lang="en" sz="2000" dirty="0" smtClean="0"/>
               <a:t>directly connected to</a:t>
             </a:r>
           </a:p>
           <a:p>
-            <a:r xmlns:a="http://schemas.openxmlformats.org/drawingml/2006/main">
+            <a:r>
               <a:rPr lang="en" sz="2000" b="1" dirty="0"/>
               <a:t> </a:t>
             </a:r>
-            <a:r xmlns:a="http://schemas.openxmlformats.org/drawingml/2006/main">
+            <a:r>
               <a:rPr lang="en" sz="2000" b="1" dirty="0" err="1" smtClean="0"/>
               <a:t>DimProduct</a:t>
             </a:r>
-            <a:endParaRPr xmlns:a="http://schemas.openxmlformats.org/drawingml/2006/main" lang="fr-FR" sz="2000" dirty="0"/>
-          </a:p>
-          <a:p>
-            <a:r xmlns:a="http://schemas.openxmlformats.org/drawingml/2006/main">
+            <a:endParaRPr lang="fr-FR" sz="2000" dirty="0"/>
+          </a:p>
+          <a:p>
+            <a:r>
               <a:rPr lang="en" sz="2000" b="1" dirty="0" smtClean="0"/>
               <a:t> </a:t>
             </a:r>
-            <a:r xmlns:a="http://schemas.openxmlformats.org/drawingml/2006/main">
+            <a:r>
               <a:rPr lang="en" sz="2000" b="1" dirty="0" err="1" smtClean="0"/>
               <a:t>DimCustomer</a:t>
             </a:r>
-            <a:endParaRPr xmlns:a="http://schemas.openxmlformats.org/drawingml/2006/main" lang="fr-FR" sz="2000" dirty="0"/>
-          </a:p>
-          <a:p>
-            <a:r xmlns:a="http://schemas.openxmlformats.org/drawingml/2006/main">
+            <a:endParaRPr lang="fr-FR" sz="2000" dirty="0"/>
+          </a:p>
+          <a:p>
+            <a:r>
               <a:rPr lang="en" sz="2000" b="1" dirty="0" smtClean="0"/>
               <a:t> </a:t>
             </a:r>
-            <a:r xmlns:a="http://schemas.openxmlformats.org/drawingml/2006/main">
+            <a:r>
               <a:rPr lang="en" sz="2000" b="1" dirty="0" err="1" smtClean="0"/>
               <a:t>DimDate</a:t>
             </a:r>
-            <a:endParaRPr xmlns:a="http://schemas.openxmlformats.org/drawingml/2006/main" lang="fr-FR" sz="2000" dirty="0"/>
+            <a:endParaRPr lang="fr-FR" sz="2000" dirty="0"/>
           </a:p>
         </p:txBody>
       </p:sp>
@@ -5083,31 +5094,31 @@
           </a:bodyPr>
           <a:lstStyle/>
           <a:p>
-            <a:r xmlns:a="http://schemas.openxmlformats.org/drawingml/2006/main">
+            <a:r>
               <a:rPr lang="en" sz="2000" dirty="0" smtClean="0"/>
               <a:t>De-normalize </a:t>
             </a:r>
-            <a:r xmlns:a="http://schemas.openxmlformats.org/drawingml/2006/main">
+            <a:r>
               <a:rPr lang="en" sz="2000" dirty="0"/>
               <a:t>all dimension tables (eg. </a:t>
             </a:r>
-            <a:r xmlns:a="http://schemas.openxmlformats.org/drawingml/2006/main">
+            <a:r>
               <a:rPr lang="en" sz="2000" b="1" dirty="0" err="1"/>
               <a:t>DimProduct </a:t>
             </a:r>
-            <a:r xmlns:a="http://schemas.openxmlformats.org/drawingml/2006/main">
+            <a:r>
               <a:rPr lang="en" sz="2000" dirty="0"/>
               <a:t>must include </a:t>
             </a:r>
-            <a:r xmlns:a="http://schemas.openxmlformats.org/drawingml/2006/main">
+            <a:r>
               <a:rPr lang="en" sz="2000" b="1" dirty="0" err="1"/>
               <a:t>DimCategory </a:t>
             </a:r>
-            <a:r xmlns:a="http://schemas.openxmlformats.org/drawingml/2006/main">
+            <a:r>
               <a:rPr lang="en" sz="2000" dirty="0"/>
               <a:t>).</a:t>
             </a:r>
-            <a:endParaRPr xmlns:a="http://schemas.openxmlformats.org/drawingml/2006/main" lang="en-US" sz="2000" dirty="0"/>
+            <a:endParaRPr lang="en-US" sz="2000" dirty="0"/>
           </a:p>
         </p:txBody>
       </p:sp>
@@ -5379,14 +5390,14 @@
           </a:bodyPr>
           <a:lstStyle/>
           <a:p>
-            <a:r xmlns:a="http://schemas.openxmlformats.org/drawingml/2006/main">
+            <a:r>
               <a:rPr lang="en" sz="2000" b="1" dirty="0" smtClean="0">
                 <a:latin typeface="Segoe UI" panose="020B0502040204020203" pitchFamily="34" charset="0"/>
                 <a:cs typeface="Segoe UI" panose="020B0502040204020203" pitchFamily="34" charset="0"/>
               </a:rPr>
               <a:t>Create and organize diagrams</a:t>
             </a:r>
-            <a:endParaRPr xmlns:a="http://schemas.openxmlformats.org/drawingml/2006/main" lang="en-US" sz="2000" b="1" dirty="0">
+            <a:endParaRPr lang="en-US" sz="2000" b="1" dirty="0">
               <a:latin typeface="Segoe UI" panose="020B0502040204020203" pitchFamily="34" charset="0"/>
               <a:cs typeface="Segoe UI" panose="020B0502040204020203" pitchFamily="34" charset="0"/>
             </a:endParaRPr>
@@ -5414,31 +5425,31 @@
           </a:bodyPr>
           <a:lstStyle/>
           <a:p>
-            <a:r xmlns:a="http://schemas.openxmlformats.org/drawingml/2006/main">
+            <a:r>
               <a:rPr lang="en" sz="2000" dirty="0" smtClean="0"/>
               <a:t>De-normalize </a:t>
             </a:r>
-            <a:r xmlns:a="http://schemas.openxmlformats.org/drawingml/2006/main">
+            <a:r>
               <a:rPr lang="en" sz="2000" dirty="0"/>
               <a:t>all dimension tables (eg. </a:t>
             </a:r>
-            <a:r xmlns:a="http://schemas.openxmlformats.org/drawingml/2006/main">
+            <a:r>
               <a:rPr lang="en" sz="2000" b="1" dirty="0" err="1"/>
               <a:t>DimProduct </a:t>
             </a:r>
-            <a:r xmlns:a="http://schemas.openxmlformats.org/drawingml/2006/main">
+            <a:r>
               <a:rPr lang="en" sz="2000" dirty="0"/>
               <a:t>must include </a:t>
             </a:r>
-            <a:r xmlns:a="http://schemas.openxmlformats.org/drawingml/2006/main">
+            <a:r>
               <a:rPr lang="en" sz="2000" b="1" dirty="0" err="1"/>
               <a:t>DimCategory </a:t>
             </a:r>
-            <a:r xmlns:a="http://schemas.openxmlformats.org/drawingml/2006/main">
+            <a:r>
               <a:rPr lang="en" sz="2000" dirty="0"/>
               <a:t>).</a:t>
             </a:r>
-            <a:endParaRPr xmlns:a="http://schemas.openxmlformats.org/drawingml/2006/main" lang="en-US" sz="2000" dirty="0"/>
+            <a:endParaRPr lang="en-US" sz="2000" dirty="0"/>
           </a:p>
         </p:txBody>
       </p:sp>
@@ -5624,14 +5635,14 @@
           </a:bodyPr>
           <a:lstStyle/>
           <a:p>
-            <a:r xmlns:a="http://schemas.openxmlformats.org/drawingml/2006/main">
+            <a:r>
               <a:rPr lang="en" sz="2000" b="1" dirty="0" smtClean="0">
                 <a:latin typeface="Segoe UI" panose="020B0502040204020203" pitchFamily="34" charset="0"/>
                 <a:cs typeface="Segoe UI" panose="020B0502040204020203" pitchFamily="34" charset="0"/>
               </a:rPr>
               <a:t>Create and organize diagrams</a:t>
             </a:r>
-            <a:endParaRPr xmlns:a="http://schemas.openxmlformats.org/drawingml/2006/main" lang="en-US" sz="2000" b="1" dirty="0">
+            <a:endParaRPr lang="en-US" sz="2000" b="1" dirty="0">
               <a:latin typeface="Segoe UI" panose="020B0502040204020203" pitchFamily="34" charset="0"/>
               <a:cs typeface="Segoe UI" panose="020B0502040204020203" pitchFamily="34" charset="0"/>
             </a:endParaRPr>
@@ -5659,71 +5670,71 @@
           </a:bodyPr>
           <a:lstStyle/>
           <a:p>
-            <a:r xmlns:a="http://schemas.openxmlformats.org/drawingml/2006/main">
+            <a:r>
               <a:rPr lang="en" sz="2000" dirty="0"/>
               <a:t>Select </a:t>
             </a:r>
-            <a:r xmlns:a="http://schemas.openxmlformats.org/drawingml/2006/main">
+            <a:r>
               <a:rPr lang="en" sz="2000" b="1" dirty="0"/>
               <a:t>" </a:t>
             </a:r>
-            <a:r xmlns:a="http://schemas.openxmlformats.org/drawingml/2006/main">
+            <a:r>
               <a:rPr lang="en" sz="2000" b="1" dirty="0" err="1"/>
               <a:t>CategoryName </a:t>
             </a:r>
-            <a:r xmlns:a="http://schemas.openxmlformats.org/drawingml/2006/main">
+            <a:r>
               <a:rPr lang="en" sz="2000" b="1" dirty="0"/>
               <a:t>" </a:t>
             </a:r>
-            <a:r xmlns:a="http://schemas.openxmlformats.org/drawingml/2006/main">
+            <a:r>
               <a:rPr lang="en" sz="2000" dirty="0"/>
               <a:t>from</a:t>
             </a:r>
-            <a:r xmlns:a="http://schemas.openxmlformats.org/drawingml/2006/main">
+            <a:r>
               <a:rPr lang="en" sz="2000" b="1" dirty="0"/>
               <a:t> </a:t>
             </a:r>
-            <a:r xmlns:a="http://schemas.openxmlformats.org/drawingml/2006/main">
+            <a:r>
               <a:rPr lang="en" sz="2000" b="1" dirty="0" err="1"/>
               <a:t>DimCategory</a:t>
             </a:r>
-            <a:r xmlns:a="http://schemas.openxmlformats.org/drawingml/2006/main">
+            <a:r>
               <a:rPr lang="en" sz="2000" b="1" dirty="0"/>
               <a:t> </a:t>
             </a:r>
-            <a:r xmlns:a="http://schemas.openxmlformats.org/drawingml/2006/main">
+            <a:r>
               <a:rPr lang="en" sz="2000" dirty="0"/>
               <a:t>and </a:t>
             </a:r>
-            <a:r xmlns:a="http://schemas.openxmlformats.org/drawingml/2006/main">
+            <a:r>
               <a:rPr lang="en" sz="2000" b="1" dirty="0"/>
               <a:t>" </a:t>
             </a:r>
-            <a:r xmlns:a="http://schemas.openxmlformats.org/drawingml/2006/main">
+            <a:r>
               <a:rPr lang="en" sz="2000" b="1" dirty="0" err="1"/>
               <a:t>CategoryColumn </a:t>
             </a:r>
-            <a:r xmlns:a="http://schemas.openxmlformats.org/drawingml/2006/main">
+            <a:r>
               <a:rPr lang="en" sz="2000" b="1" dirty="0"/>
               <a:t>" </a:t>
             </a:r>
-            <a:r xmlns:a="http://schemas.openxmlformats.org/drawingml/2006/main">
+            <a:r>
               <a:rPr lang="en" sz="2000" dirty="0"/>
               <a:t>since</a:t>
             </a:r>
-            <a:r xmlns:a="http://schemas.openxmlformats.org/drawingml/2006/main">
+            <a:r>
               <a:rPr lang="en" sz="2000" b="1" dirty="0"/>
               <a:t> </a:t>
             </a:r>
-            <a:r xmlns:a="http://schemas.openxmlformats.org/drawingml/2006/main">
+            <a:r>
               <a:rPr lang="en" sz="2000" b="1" dirty="0" err="1"/>
               <a:t>DimProduct </a:t>
             </a:r>
-            <a:r xmlns:a="http://schemas.openxmlformats.org/drawingml/2006/main">
+            <a:r>
               <a:rPr lang="en" sz="2000" dirty="0"/>
               <a:t>.</a:t>
             </a:r>
-            <a:endParaRPr xmlns:a="http://schemas.openxmlformats.org/drawingml/2006/main" lang="en-US" sz="2000" dirty="0"/>
+            <a:endParaRPr lang="en-US" sz="2000" dirty="0"/>
           </a:p>
         </p:txBody>
       </p:sp>
@@ -5813,14 +5824,14 @@
           </a:bodyPr>
           <a:lstStyle/>
           <a:p>
-            <a:r xmlns:a="http://schemas.openxmlformats.org/drawingml/2006/main">
+            <a:r>
               <a:rPr lang="en" sz="2000" b="1" dirty="0" smtClean="0">
                 <a:latin typeface="Segoe UI" panose="020B0502040204020203" pitchFamily="34" charset="0"/>
                 <a:cs typeface="Segoe UI" panose="020B0502040204020203" pitchFamily="34" charset="0"/>
               </a:rPr>
               <a:t>Create and organize diagrams</a:t>
             </a:r>
-            <a:endParaRPr xmlns:a="http://schemas.openxmlformats.org/drawingml/2006/main" lang="en-US" sz="2000" b="1" dirty="0">
+            <a:endParaRPr lang="en-US" sz="2000" b="1" dirty="0">
               <a:latin typeface="Segoe UI" panose="020B0502040204020203" pitchFamily="34" charset="0"/>
               <a:cs typeface="Segoe UI" panose="020B0502040204020203" pitchFamily="34" charset="0"/>
             </a:endParaRPr>
@@ -5848,35 +5859,35 @@
           </a:bodyPr>
           <a:lstStyle/>
           <a:p>
-            <a:r xmlns:a="http://schemas.openxmlformats.org/drawingml/2006/main">
+            <a:r>
               <a:rPr lang="en" sz="2000" dirty="0"/>
               <a:t>Create, clean, and reformat a new </a:t>
             </a:r>
-            <a:r xmlns:a="http://schemas.openxmlformats.org/drawingml/2006/main">
+            <a:r>
               <a:rPr lang="en" sz="2000" b="1" dirty="0"/>
               <a:t>DimProduct2 table </a:t>
             </a:r>
-            <a:r xmlns:a="http://schemas.openxmlformats.org/drawingml/2006/main">
+            <a:r>
               <a:rPr lang="en" sz="2000" dirty="0"/>
               <a:t>in </a:t>
             </a:r>
-            <a:r xmlns:a="http://schemas.openxmlformats.org/drawingml/2006/main">
+            <a:r>
               <a:rPr lang="en" sz="2000" b="1" dirty="0"/>
               <a:t>Power </a:t>
             </a:r>
-            <a:r xmlns:a="http://schemas.openxmlformats.org/drawingml/2006/main">
+            <a:r>
               <a:rPr lang="en" sz="2000" b="1" dirty="0" err="1"/>
               <a:t>Query </a:t>
             </a:r>
-            <a:r xmlns:a="http://schemas.openxmlformats.org/drawingml/2006/main">
+            <a:r>
               <a:rPr lang="en" sz="2000" b="1" dirty="0"/>
               <a:t>Editor </a:t>
             </a:r>
-            <a:r xmlns:a="http://schemas.openxmlformats.org/drawingml/2006/main">
+            <a:r>
               <a:rPr lang="en" sz="2000" dirty="0"/>
               <a:t>.</a:t>
             </a:r>
-            <a:endParaRPr xmlns:a="http://schemas.openxmlformats.org/drawingml/2006/main" lang="en-US" sz="2000" dirty="0"/>
+            <a:endParaRPr lang="en-US" sz="2000" dirty="0"/>
           </a:p>
         </p:txBody>
       </p:sp>
@@ -6058,14 +6069,14 @@
           </a:bodyPr>
           <a:lstStyle/>
           <a:p>
-            <a:r xmlns:a="http://schemas.openxmlformats.org/drawingml/2006/main">
+            <a:r>
               <a:rPr lang="en" sz="2000" b="1" dirty="0" smtClean="0">
                 <a:latin typeface="Segoe UI" panose="020B0502040204020203" pitchFamily="34" charset="0"/>
                 <a:cs typeface="Segoe UI" panose="020B0502040204020203" pitchFamily="34" charset="0"/>
               </a:rPr>
               <a:t>Create and organize diagrams</a:t>
             </a:r>
-            <a:endParaRPr xmlns:a="http://schemas.openxmlformats.org/drawingml/2006/main" lang="en-US" sz="2000" b="1" dirty="0">
+            <a:endParaRPr lang="en-US" sz="2000" b="1" dirty="0">
               <a:latin typeface="Segoe UI" panose="020B0502040204020203" pitchFamily="34" charset="0"/>
               <a:cs typeface="Segoe UI" panose="020B0502040204020203" pitchFamily="34" charset="0"/>
             </a:endParaRPr>
@@ -6093,11 +6104,11 @@
           </a:bodyPr>
           <a:lstStyle/>
           <a:p>
-            <a:r xmlns:a="http://schemas.openxmlformats.org/drawingml/2006/main">
+            <a:r>
               <a:rPr lang="en" sz="2000" dirty="0"/>
               <a:t>Delete existing relationships, if they exist.</a:t>
             </a:r>
-            <a:endParaRPr xmlns:a="http://schemas.openxmlformats.org/drawingml/2006/main" lang="en-US" sz="2000" dirty="0"/>
+            <a:endParaRPr lang="en-US" sz="2000" dirty="0"/>
           </a:p>
         </p:txBody>
       </p:sp>
@@ -6235,14 +6246,14 @@
           </a:bodyPr>
           <a:lstStyle/>
           <a:p>
-            <a:r xmlns:a="http://schemas.openxmlformats.org/drawingml/2006/main">
+            <a:r>
               <a:rPr lang="en" sz="2000" b="1" dirty="0" smtClean="0">
                 <a:latin typeface="Segoe UI" panose="020B0502040204020203" pitchFamily="34" charset="0"/>
                 <a:cs typeface="Segoe UI" panose="020B0502040204020203" pitchFamily="34" charset="0"/>
               </a:rPr>
               <a:t>Create and organize diagrams</a:t>
             </a:r>
-            <a:endParaRPr xmlns:a="http://schemas.openxmlformats.org/drawingml/2006/main" lang="en-US" sz="2000" b="1" dirty="0">
+            <a:endParaRPr lang="en-US" sz="2000" b="1" dirty="0">
               <a:latin typeface="Segoe UI" panose="020B0502040204020203" pitchFamily="34" charset="0"/>
               <a:cs typeface="Segoe UI" panose="020B0502040204020203" pitchFamily="34" charset="0"/>
             </a:endParaRPr>
@@ -6270,51 +6281,51 @@
           </a:bodyPr>
           <a:lstStyle/>
           <a:p>
-            <a:r xmlns:a="http://schemas.openxmlformats.org/drawingml/2006/main">
+            <a:r>
               <a:rPr lang="en" sz="2000" dirty="0"/>
               <a:t>Establish the relationship between </a:t>
             </a:r>
-            <a:r xmlns:a="http://schemas.openxmlformats.org/drawingml/2006/main">
+            <a:r>
               <a:rPr lang="en" sz="2000" b="1" dirty="0"/>
               <a:t>DimProduct2 </a:t>
             </a:r>
-            <a:r xmlns:a="http://schemas.openxmlformats.org/drawingml/2006/main">
+            <a:r>
               <a:rPr lang="en" sz="2000" dirty="0"/>
               <a:t>and </a:t>
             </a:r>
-            <a:r xmlns:a="http://schemas.openxmlformats.org/drawingml/2006/main">
+            <a:r>
               <a:rPr lang="en" sz="2000" b="1" dirty="0"/>
               <a:t>FactSales </a:t>
             </a:r>
-            <a:r xmlns:a="http://schemas.openxmlformats.org/drawingml/2006/main">
+            <a:r>
               <a:rPr lang="en" sz="2000" dirty="0"/>
               <a:t>by dragging </a:t>
             </a:r>
-            <a:r xmlns:a="http://schemas.openxmlformats.org/drawingml/2006/main">
+            <a:r>
               <a:rPr lang="en" sz="2000" b="1" dirty="0" err="1"/>
               <a:t>ProductID </a:t>
             </a:r>
-            <a:r xmlns:a="http://schemas.openxmlformats.org/drawingml/2006/main">
+            <a:r>
               <a:rPr lang="en" sz="2000" dirty="0"/>
               <a:t>from </a:t>
             </a:r>
-            <a:r xmlns:a="http://schemas.openxmlformats.org/drawingml/2006/main">
+            <a:r>
               <a:rPr lang="en" sz="2000" b="1" dirty="0"/>
               <a:t>FactSales </a:t>
             </a:r>
-            <a:r xmlns:a="http://schemas.openxmlformats.org/drawingml/2006/main">
+            <a:r>
               <a:rPr lang="en" sz="2000" dirty="0"/>
               <a:t>to </a:t>
             </a:r>
-            <a:r xmlns:a="http://schemas.openxmlformats.org/drawingml/2006/main">
+            <a:r>
               <a:rPr lang="en" sz="2000" b="1" dirty="0"/>
               <a:t>DimProduct2 </a:t>
             </a:r>
-            <a:r xmlns:a="http://schemas.openxmlformats.org/drawingml/2006/main">
+            <a:r>
               <a:rPr lang="en" sz="2000" dirty="0"/>
               <a:t>.</a:t>
             </a:r>
-            <a:endParaRPr xmlns:a="http://schemas.openxmlformats.org/drawingml/2006/main" lang="en-US" sz="2000" dirty="0"/>
+            <a:endParaRPr lang="en-US" sz="2000" dirty="0"/>
           </a:p>
         </p:txBody>
       </p:sp>
@@ -6452,14 +6463,14 @@
           </a:bodyPr>
           <a:lstStyle/>
           <a:p>
-            <a:r xmlns:a="http://schemas.openxmlformats.org/drawingml/2006/main">
+            <a:r>
               <a:rPr lang="en" sz="2000" b="1" dirty="0" smtClean="0">
                 <a:latin typeface="Segoe UI" panose="020B0502040204020203" pitchFamily="34" charset="0"/>
                 <a:cs typeface="Segoe UI" panose="020B0502040204020203" pitchFamily="34" charset="0"/>
               </a:rPr>
               <a:t>Create and organize diagrams</a:t>
             </a:r>
-            <a:endParaRPr xmlns:a="http://schemas.openxmlformats.org/drawingml/2006/main" lang="en-US" sz="2000" b="1" dirty="0">
+            <a:endParaRPr lang="en-US" sz="2000" b="1" dirty="0">
               <a:latin typeface="Segoe UI" panose="020B0502040204020203" pitchFamily="34" charset="0"/>
               <a:cs typeface="Segoe UI" panose="020B0502040204020203" pitchFamily="34" charset="0"/>
             </a:endParaRPr>
@@ -6487,43 +6498,43 @@
           </a:bodyPr>
           <a:lstStyle/>
           <a:p>
-            <a:r xmlns:a="http://schemas.openxmlformats.org/drawingml/2006/main">
+            <a:r>
               <a:rPr lang="en" sz="2000" dirty="0" err="1" smtClean="0"/>
               <a:t>Merge</a:t>
             </a:r>
-            <a:r xmlns:a="http://schemas.openxmlformats.org/drawingml/2006/main">
+            <a:r>
               <a:rPr lang="en" sz="2000" dirty="0" smtClean="0"/>
               <a:t> </a:t>
             </a:r>
-            <a:r xmlns:a="http://schemas.openxmlformats.org/drawingml/2006/main">
+            <a:r>
               <a:rPr lang="en" sz="2000" b="1" dirty="0" err="1"/>
               <a:t>DimCustomer </a:t>
             </a:r>
-            <a:r xmlns:a="http://schemas.openxmlformats.org/drawingml/2006/main">
+            <a:r>
               <a:rPr lang="en" sz="2000" dirty="0"/>
               <a:t>and </a:t>
             </a:r>
-            <a:r xmlns:a="http://schemas.openxmlformats.org/drawingml/2006/main">
+            <a:r>
               <a:rPr lang="en" sz="2000" b="1" dirty="0" err="1"/>
               <a:t>DimCountry </a:t>
             </a:r>
-            <a:r xmlns:a="http://schemas.openxmlformats.org/drawingml/2006/main">
+            <a:r>
               <a:rPr lang="en" sz="2000" dirty="0"/>
               <a:t>to </a:t>
             </a:r>
-            <a:r xmlns:a="http://schemas.openxmlformats.org/drawingml/2006/main">
+            <a:r>
               <a:rPr lang="en" sz="2000" dirty="0" err="1"/>
               <a:t>generate</a:t>
             </a:r>
-            <a:r xmlns:a="http://schemas.openxmlformats.org/drawingml/2006/main">
+            <a:r>
               <a:rPr lang="en" sz="2000" dirty="0"/>
               <a:t> </a:t>
             </a:r>
-            <a:r xmlns:a="http://schemas.openxmlformats.org/drawingml/2006/main">
+            <a:r>
               <a:rPr lang="en" sz="2000" b="1" dirty="0"/>
               <a:t>DimCustomer2 </a:t>
             </a:r>
-            <a:r xmlns:a="http://schemas.openxmlformats.org/drawingml/2006/main">
+            <a:r>
               <a:rPr lang="en" sz="2000" dirty="0"/>
               <a:t>.</a:t>
             </a:r>
